--- a/Intro.pptx
+++ b/Intro.pptx
@@ -5,32 +5,30 @@
     <p:sldMasterId id="2147483648" r:id="rId1"/>
   </p:sldMasterIdLst>
   <p:notesMasterIdLst>
-    <p:notesMasterId r:id="rId25"/>
+    <p:notesMasterId r:id="rId23"/>
   </p:notesMasterIdLst>
   <p:sldIdLst>
     <p:sldId id="256" r:id="rId2"/>
     <p:sldId id="283" r:id="rId3"/>
     <p:sldId id="257" r:id="rId4"/>
-    <p:sldId id="258" r:id="rId5"/>
-    <p:sldId id="259" r:id="rId6"/>
-    <p:sldId id="260" r:id="rId7"/>
-    <p:sldId id="261" r:id="rId8"/>
+    <p:sldId id="289" r:id="rId5"/>
+    <p:sldId id="258" r:id="rId6"/>
+    <p:sldId id="259" r:id="rId7"/>
+    <p:sldId id="260" r:id="rId8"/>
     <p:sldId id="262" r:id="rId9"/>
     <p:sldId id="263" r:id="rId10"/>
-    <p:sldId id="284" r:id="rId11"/>
-    <p:sldId id="285" r:id="rId12"/>
-    <p:sldId id="264" r:id="rId13"/>
-    <p:sldId id="265" r:id="rId14"/>
-    <p:sldId id="267" r:id="rId15"/>
-    <p:sldId id="270" r:id="rId16"/>
-    <p:sldId id="272" r:id="rId17"/>
-    <p:sldId id="273" r:id="rId18"/>
-    <p:sldId id="274" r:id="rId19"/>
-    <p:sldId id="275" r:id="rId20"/>
-    <p:sldId id="276" r:id="rId21"/>
-    <p:sldId id="277" r:id="rId22"/>
-    <p:sldId id="278" r:id="rId23"/>
-    <p:sldId id="279" r:id="rId24"/>
+    <p:sldId id="285" r:id="rId11"/>
+    <p:sldId id="264" r:id="rId12"/>
+    <p:sldId id="265" r:id="rId13"/>
+    <p:sldId id="287" r:id="rId14"/>
+    <p:sldId id="288" r:id="rId15"/>
+    <p:sldId id="286" r:id="rId16"/>
+    <p:sldId id="267" r:id="rId17"/>
+    <p:sldId id="270" r:id="rId18"/>
+    <p:sldId id="290" r:id="rId19"/>
+    <p:sldId id="272" r:id="rId20"/>
+    <p:sldId id="273" r:id="rId21"/>
+    <p:sldId id="274" r:id="rId22"/>
   </p:sldIdLst>
   <p:sldSz cx="9144000" cy="6858000" type="screen4x3"/>
   <p:notesSz cx="6858000" cy="9144000"/>
@@ -715,7 +713,7 @@
               <a:pPr>
                 <a:defRPr/>
               </a:pPr>
-              <a:t>4</a:t>
+              <a:t>5</a:t>
             </a:fld>
             <a:endParaRPr lang="en-US"/>
           </a:p>
@@ -725,96 +723,6 @@
     <p:extLst>
       <p:ext uri="{BB962C8B-B14F-4D97-AF65-F5344CB8AC3E}">
         <p14:creationId xmlns:p14="http://schemas.microsoft.com/office/powerpoint/2010/main" val="537823720"/>
-      </p:ext>
-    </p:extLst>
-  </p:cSld>
-  <p:clrMapOvr>
-    <a:masterClrMapping/>
-  </p:clrMapOvr>
-</p:notes>
-</file>
-
-<file path=ppt/notesSlides/notesSlide3.xml><?xml version="1.0" encoding="utf-8"?>
-<p:notes xmlns:a="http://schemas.openxmlformats.org/drawingml/2006/main" xmlns:r="http://schemas.openxmlformats.org/officeDocument/2006/relationships" xmlns:p="http://schemas.openxmlformats.org/presentationml/2006/main">
-  <p:cSld>
-    <p:spTree>
-      <p:nvGrpSpPr>
-        <p:cNvPr id="1" name=""/>
-        <p:cNvGrpSpPr/>
-        <p:nvPr/>
-      </p:nvGrpSpPr>
-      <p:grpSpPr>
-        <a:xfrm>
-          <a:off x="0" y="0"/>
-          <a:ext cx="0" cy="0"/>
-          <a:chOff x="0" y="0"/>
-          <a:chExt cx="0" cy="0"/>
-        </a:xfrm>
-      </p:grpSpPr>
-      <p:sp>
-        <p:nvSpPr>
-          <p:cNvPr id="2" name="Slide Image Placeholder 1"/>
-          <p:cNvSpPr>
-            <a:spLocks noGrp="1" noRot="1" noChangeAspect="1"/>
-          </p:cNvSpPr>
-          <p:nvPr>
-            <p:ph type="sldImg"/>
-          </p:nvPr>
-        </p:nvSpPr>
-        <p:spPr/>
-      </p:sp>
-      <p:sp>
-        <p:nvSpPr>
-          <p:cNvPr id="3" name="Notes Placeholder 2"/>
-          <p:cNvSpPr>
-            <a:spLocks noGrp="1"/>
-          </p:cNvSpPr>
-          <p:nvPr>
-            <p:ph type="body" idx="1"/>
-          </p:nvPr>
-        </p:nvSpPr>
-        <p:spPr/>
-        <p:txBody>
-          <a:bodyPr/>
-          <a:lstStyle/>
-          <a:p>
-            <a:endParaRPr lang="en-GB"/>
-          </a:p>
-        </p:txBody>
-      </p:sp>
-      <p:sp>
-        <p:nvSpPr>
-          <p:cNvPr id="4" name="Slide Number Placeholder 3"/>
-          <p:cNvSpPr>
-            <a:spLocks noGrp="1"/>
-          </p:cNvSpPr>
-          <p:nvPr>
-            <p:ph type="sldNum" sz="quarter" idx="10"/>
-          </p:nvPr>
-        </p:nvSpPr>
-        <p:spPr/>
-        <p:txBody>
-          <a:bodyPr/>
-          <a:lstStyle/>
-          <a:p>
-            <a:pPr>
-              <a:defRPr/>
-            </a:pPr>
-            <a:fld id="{1CB69223-2A7E-4679-8394-C16FA4EA79F3}" type="slidenum">
-              <a:rPr lang="en-US" smtClean="0"/>
-              <a:pPr>
-                <a:defRPr/>
-              </a:pPr>
-              <a:t>22</a:t>
-            </a:fld>
-            <a:endParaRPr lang="en-US"/>
-          </a:p>
-        </p:txBody>
-      </p:sp>
-    </p:spTree>
-    <p:extLst>
-      <p:ext uri="{BB962C8B-B14F-4D97-AF65-F5344CB8AC3E}">
-        <p14:creationId xmlns:p14="http://schemas.microsoft.com/office/powerpoint/2010/main" val="251810354"/>
       </p:ext>
     </p:extLst>
   </p:cSld>
@@ -2564,7 +2472,7 @@
         </p:nvSpPr>
         <p:spPr>
           <a:xfrm>
-            <a:off x="685800" y="2204864"/>
+            <a:off x="467544" y="1556792"/>
             <a:ext cx="7772400" cy="1470025"/>
           </a:xfrm>
         </p:spPr>
@@ -2602,8 +2510,8 @@
         </p:nvSpPr>
         <p:spPr>
           <a:xfrm>
-            <a:off x="1371600" y="4168774"/>
-            <a:ext cx="6400800" cy="1470025"/>
+            <a:off x="1115616" y="3645024"/>
+            <a:ext cx="6656784" cy="1849759"/>
           </a:xfrm>
         </p:spPr>
         <p:txBody>
@@ -2614,13 +2522,28 @@
           <a:p>
             <a:r>
               <a:rPr lang="da-DK" dirty="0"/>
-              <a:t>ECUST, July 5th 2018</a:t>
+              <a:t>ECUST </a:t>
+            </a:r>
+            <a:r>
+              <a:rPr lang="ja-JP" altLang="da-DK" dirty="0"/>
+              <a:t>上海</a:t>
+            </a:r>
+            <a:r>
+              <a:rPr lang="da-DK" dirty="0"/>
+              <a:t>, July 5th 2018</a:t>
             </a:r>
           </a:p>
           <a:p>
             <a:r>
               <a:rPr lang="da-DK" dirty="0"/>
               <a:t>Morten Kromberg</a:t>
+            </a:r>
+            <a:br>
+              <a:rPr lang="da-DK" dirty="0"/>
+            </a:br>
+            <a:r>
+              <a:rPr lang="da-DK" dirty="0"/>
+              <a:t>CXO, Dyalog Ltd.</a:t>
             </a:r>
             <a:br>
               <a:rPr lang="da-DK" dirty="0"/>
@@ -2671,313 +2594,6 @@
           <p:cNvPr id="2" name="Title 1">
             <a:extLst>
               <a:ext uri="{FF2B5EF4-FFF2-40B4-BE49-F238E27FC236}">
-                <a16:creationId xmlns:a16="http://schemas.microsoft.com/office/drawing/2014/main" id="{847E2803-664E-421B-BDA4-441405C1711E}"/>
-              </a:ext>
-            </a:extLst>
-          </p:cNvPr>
-          <p:cNvSpPr>
-            <a:spLocks noGrp="1"/>
-          </p:cNvSpPr>
-          <p:nvPr>
-            <p:ph type="title"/>
-          </p:nvPr>
-        </p:nvSpPr>
-        <p:spPr/>
-        <p:txBody>
-          <a:bodyPr/>
-          <a:lstStyle/>
-          <a:p>
-            <a:r>
-              <a:rPr lang="da-DK" dirty="0"/>
-              <a:t>APL Was Born...</a:t>
-            </a:r>
-          </a:p>
-        </p:txBody>
-      </p:sp>
-      <p:sp>
-        <p:nvSpPr>
-          <p:cNvPr id="4" name="Text Placeholder 3">
-            <a:extLst>
-              <a:ext uri="{FF2B5EF4-FFF2-40B4-BE49-F238E27FC236}">
-                <a16:creationId xmlns:a16="http://schemas.microsoft.com/office/drawing/2014/main" id="{47599D07-F062-4C99-B37E-C4B40B0DD817}"/>
-              </a:ext>
-            </a:extLst>
-          </p:cNvPr>
-          <p:cNvSpPr txBox="1">
-            <a:spLocks noGrp="1"/>
-          </p:cNvSpPr>
-          <p:nvPr>
-            <p:ph type="body" sz="quarter" idx="11"/>
-          </p:nvPr>
-        </p:nvSpPr>
-        <p:spPr>
-          <a:prstGeom prst="rect">
-            <a:avLst/>
-          </a:prstGeom>
-        </p:spPr>
-        <p:txBody>
-          <a:bodyPr/>
-          <a:lstStyle>
-            <a:lvl1pPr marL="342900" indent="-342900" algn="l" rtl="0" eaLnBrk="1" fontAlgn="base" hangingPunct="1">
-              <a:spcBef>
-                <a:spcPct val="20000"/>
-              </a:spcBef>
-              <a:spcAft>
-                <a:spcPct val="0"/>
-              </a:spcAft>
-              <a:buClr>
-                <a:srgbClr val="FF8000"/>
-              </a:buClr>
-              <a:buChar char="•"/>
-              <a:defRPr sz="3200">
-                <a:solidFill>
-                  <a:srgbClr val="333333"/>
-                </a:solidFill>
-                <a:latin typeface="+mn-lt"/>
-                <a:ea typeface="+mn-ea"/>
-                <a:cs typeface="+mn-cs"/>
-              </a:defRPr>
-            </a:lvl1pPr>
-            <a:lvl2pPr marL="742950" indent="-285750" algn="l" rtl="0" eaLnBrk="1" fontAlgn="base" hangingPunct="1">
-              <a:spcBef>
-                <a:spcPct val="20000"/>
-              </a:spcBef>
-              <a:spcAft>
-                <a:spcPct val="0"/>
-              </a:spcAft>
-              <a:buClr>
-                <a:srgbClr val="FF8000"/>
-              </a:buClr>
-              <a:buChar char="–"/>
-              <a:defRPr sz="2800">
-                <a:solidFill>
-                  <a:srgbClr val="333333"/>
-                </a:solidFill>
-                <a:latin typeface="+mn-lt"/>
-              </a:defRPr>
-            </a:lvl2pPr>
-            <a:lvl3pPr marL="1143000" indent="-228600" algn="l" rtl="0" eaLnBrk="1" fontAlgn="base" hangingPunct="1">
-              <a:spcBef>
-                <a:spcPct val="20000"/>
-              </a:spcBef>
-              <a:spcAft>
-                <a:spcPct val="0"/>
-              </a:spcAft>
-              <a:buClr>
-                <a:srgbClr val="FF8000"/>
-              </a:buClr>
-              <a:buChar char="•"/>
-              <a:defRPr sz="2400">
-                <a:solidFill>
-                  <a:srgbClr val="333333"/>
-                </a:solidFill>
-                <a:latin typeface="+mn-lt"/>
-              </a:defRPr>
-            </a:lvl3pPr>
-            <a:lvl4pPr marL="1600200" indent="-228600" algn="l" rtl="0" eaLnBrk="1" fontAlgn="base" hangingPunct="1">
-              <a:spcBef>
-                <a:spcPct val="20000"/>
-              </a:spcBef>
-              <a:spcAft>
-                <a:spcPct val="0"/>
-              </a:spcAft>
-              <a:buClr>
-                <a:srgbClr val="FF8000"/>
-              </a:buClr>
-              <a:buChar char="–"/>
-              <a:defRPr sz="2000">
-                <a:solidFill>
-                  <a:srgbClr val="333333"/>
-                </a:solidFill>
-                <a:latin typeface="+mn-lt"/>
-              </a:defRPr>
-            </a:lvl4pPr>
-            <a:lvl5pPr marL="2057400" indent="-228600" algn="l" rtl="0" eaLnBrk="1" fontAlgn="base" hangingPunct="1">
-              <a:spcBef>
-                <a:spcPct val="20000"/>
-              </a:spcBef>
-              <a:spcAft>
-                <a:spcPct val="0"/>
-              </a:spcAft>
-              <a:buClr>
-                <a:srgbClr val="FF8000"/>
-              </a:buClr>
-              <a:buChar char="»"/>
-              <a:defRPr sz="2000">
-                <a:solidFill>
-                  <a:srgbClr val="333333"/>
-                </a:solidFill>
-                <a:latin typeface="+mn-lt"/>
-              </a:defRPr>
-            </a:lvl5pPr>
-            <a:lvl6pPr marL="2514600" indent="-228600" algn="l" rtl="0" eaLnBrk="1" fontAlgn="base" hangingPunct="1">
-              <a:spcBef>
-                <a:spcPct val="20000"/>
-              </a:spcBef>
-              <a:spcAft>
-                <a:spcPct val="0"/>
-              </a:spcAft>
-              <a:buClr>
-                <a:srgbClr val="FF8000"/>
-              </a:buClr>
-              <a:buChar char="»"/>
-              <a:defRPr sz="2000">
-                <a:solidFill>
-                  <a:srgbClr val="333333"/>
-                </a:solidFill>
-                <a:latin typeface="+mn-lt"/>
-              </a:defRPr>
-            </a:lvl6pPr>
-            <a:lvl7pPr marL="2971800" indent="-228600" algn="l" rtl="0" eaLnBrk="1" fontAlgn="base" hangingPunct="1">
-              <a:spcBef>
-                <a:spcPct val="20000"/>
-              </a:spcBef>
-              <a:spcAft>
-                <a:spcPct val="0"/>
-              </a:spcAft>
-              <a:buClr>
-                <a:srgbClr val="FF8000"/>
-              </a:buClr>
-              <a:buChar char="»"/>
-              <a:defRPr sz="2000">
-                <a:solidFill>
-                  <a:srgbClr val="333333"/>
-                </a:solidFill>
-                <a:latin typeface="+mn-lt"/>
-              </a:defRPr>
-            </a:lvl7pPr>
-            <a:lvl8pPr marL="3429000" indent="-228600" algn="l" rtl="0" eaLnBrk="1" fontAlgn="base" hangingPunct="1">
-              <a:spcBef>
-                <a:spcPct val="20000"/>
-              </a:spcBef>
-              <a:spcAft>
-                <a:spcPct val="0"/>
-              </a:spcAft>
-              <a:buClr>
-                <a:srgbClr val="FF8000"/>
-              </a:buClr>
-              <a:buChar char="»"/>
-              <a:defRPr sz="2000">
-                <a:solidFill>
-                  <a:srgbClr val="333333"/>
-                </a:solidFill>
-                <a:latin typeface="+mn-lt"/>
-              </a:defRPr>
-            </a:lvl8pPr>
-            <a:lvl9pPr marL="3886200" indent="-228600" algn="l" rtl="0" eaLnBrk="1" fontAlgn="base" hangingPunct="1">
-              <a:spcBef>
-                <a:spcPct val="20000"/>
-              </a:spcBef>
-              <a:spcAft>
-                <a:spcPct val="0"/>
-              </a:spcAft>
-              <a:buClr>
-                <a:srgbClr val="FF8000"/>
-              </a:buClr>
-              <a:buChar char="»"/>
-              <a:defRPr sz="2000">
-                <a:solidFill>
-                  <a:srgbClr val="333333"/>
-                </a:solidFill>
-                <a:latin typeface="+mn-lt"/>
-              </a:defRPr>
-            </a:lvl9pPr>
-          </a:lstStyle>
-          <a:p>
-            <a:r>
-              <a:rPr lang="en-US" altLang="en-US" sz="2400" kern="0" dirty="0">
-                <a:solidFill>
-                  <a:srgbClr val="545454"/>
-                </a:solidFill>
-                <a:cs typeface="Arial" panose="020B0604020202020204" pitchFamily="34" charset="0"/>
-              </a:rPr>
-              <a:t>The first running system started running in</a:t>
-            </a:r>
-            <a:br>
-              <a:rPr lang="en-US" altLang="en-US" sz="2400" kern="0" dirty="0">
-                <a:solidFill>
-                  <a:srgbClr val="545454"/>
-                </a:solidFill>
-                <a:cs typeface="Arial" panose="020B0604020202020204" pitchFamily="34" charset="0"/>
-              </a:rPr>
-            </a:br>
-            <a:r>
-              <a:rPr lang="en-US" altLang="en-US" sz="2400" kern="0" dirty="0">
-                <a:solidFill>
-                  <a:srgbClr val="545454"/>
-                </a:solidFill>
-                <a:cs typeface="Arial" panose="020B0604020202020204" pitchFamily="34" charset="0"/>
-              </a:rPr>
-              <a:t>November of 1966.</a:t>
-            </a:r>
-          </a:p>
-          <a:p>
-            <a:endParaRPr lang="en-US" altLang="en-US" sz="2400" kern="0" dirty="0">
-              <a:solidFill>
-                <a:srgbClr val="545454"/>
-              </a:solidFill>
-              <a:cs typeface="Arial" panose="020B0604020202020204" pitchFamily="34" charset="0"/>
-            </a:endParaRPr>
-          </a:p>
-          <a:p>
-            <a:r>
-              <a:rPr lang="en-US" altLang="en-US" sz="2400" kern="0" dirty="0">
-                <a:solidFill>
-                  <a:srgbClr val="545454"/>
-                </a:solidFill>
-                <a:cs typeface="Arial" panose="020B0604020202020204" pitchFamily="34" charset="0"/>
-              </a:rPr>
-              <a:t>Let's do some exercises.</a:t>
-            </a:r>
-            <a:endParaRPr lang="en-US" altLang="en-US" sz="2400" kern="0" dirty="0">
-              <a:solidFill>
-                <a:schemeClr val="tx1"/>
-              </a:solidFill>
-            </a:endParaRPr>
-          </a:p>
-          <a:p>
-            <a:endParaRPr lang="da-DK" sz="2400" kern="0" dirty="0"/>
-          </a:p>
-          <a:p>
-            <a:endParaRPr lang="en-GB" sz="2400" kern="0" dirty="0"/>
-          </a:p>
-        </p:txBody>
-      </p:sp>
-    </p:spTree>
-    <p:extLst>
-      <p:ext uri="{BB962C8B-B14F-4D97-AF65-F5344CB8AC3E}">
-        <p14:creationId xmlns:p14="http://schemas.microsoft.com/office/powerpoint/2010/main" val="1516051144"/>
-      </p:ext>
-    </p:extLst>
-  </p:cSld>
-  <p:clrMapOvr>
-    <a:masterClrMapping/>
-  </p:clrMapOvr>
-</p:sld>
-</file>
-
-<file path=ppt/slides/slide11.xml><?xml version="1.0" encoding="utf-8"?>
-<p:sld xmlns:a="http://schemas.openxmlformats.org/drawingml/2006/main" xmlns:r="http://schemas.openxmlformats.org/officeDocument/2006/relationships" xmlns:p="http://schemas.openxmlformats.org/presentationml/2006/main">
-  <p:cSld>
-    <p:spTree>
-      <p:nvGrpSpPr>
-        <p:cNvPr id="1" name=""/>
-        <p:cNvGrpSpPr/>
-        <p:nvPr/>
-      </p:nvGrpSpPr>
-      <p:grpSpPr>
-        <a:xfrm>
-          <a:off x="0" y="0"/>
-          <a:ext cx="0" cy="0"/>
-          <a:chOff x="0" y="0"/>
-          <a:chExt cx="0" cy="0"/>
-        </a:xfrm>
-      </p:grpSpPr>
-      <p:sp>
-        <p:nvSpPr>
-          <p:cNvPr id="2" name="Title 1">
-            <a:extLst>
-              <a:ext uri="{FF2B5EF4-FFF2-40B4-BE49-F238E27FC236}">
                 <a16:creationId xmlns:a16="http://schemas.microsoft.com/office/drawing/2014/main" id="{8BBA7440-9875-4D53-B00F-DAC865C3CAAF}"/>
               </a:ext>
             </a:extLst>
@@ -3019,18 +2635,47 @@
         </p:nvSpPr>
         <p:spPr/>
         <p:txBody>
-          <a:bodyPr/>
+          <a:bodyPr>
+            <a:normAutofit fontScale="92500" lnSpcReduction="20000"/>
+          </a:bodyPr>
           <a:lstStyle/>
           <a:p>
             <a:r>
               <a:rPr lang="da-DK" dirty="0"/>
-              <a:t>The folder "Exercises" contains numbered files, starting with "01-syntax.txt"</a:t>
-            </a:r>
-          </a:p>
-          <a:p>
-            <a:r>
-              <a:rPr lang="da-DK"/>
-              <a:t>Enter each expression (line)</a:t>
+              <a:t>The folder "Exercises" contains numbered files, starting with "00-syntax.txt"</a:t>
+            </a:r>
+          </a:p>
+          <a:p>
+            <a:r>
+              <a:rPr lang="da-DK" dirty="0"/>
+              <a:t>We will do one exercise at a time, followed by a discussion. For each line in the file:</a:t>
+            </a:r>
+          </a:p>
+          <a:p>
+            <a:pPr lvl="1"/>
+            <a:r>
+              <a:rPr lang="da-DK" dirty="0"/>
+              <a:t>Enter the expression, but ...</a:t>
+            </a:r>
+          </a:p>
+          <a:p>
+            <a:pPr lvl="1"/>
+            <a:r>
+              <a:rPr lang="da-DK" dirty="0"/>
+              <a:t>BEFORE you hit &lt;enter&gt;, try to predict the result</a:t>
+            </a:r>
+          </a:p>
+          <a:p>
+            <a:pPr lvl="1"/>
+            <a:r>
+              <a:rPr lang="da-DK" dirty="0"/>
+              <a:t>When you are surprised, think about it</a:t>
+            </a:r>
+          </a:p>
+          <a:p>
+            <a:r>
+              <a:rPr lang="da-DK" dirty="0"/>
+              <a:t>Remember: You can get help for APL symbols by hovering over the "language bar" or putting the cursor on a symbol and hitting F1</a:t>
             </a:r>
           </a:p>
         </p:txBody>
@@ -3048,7 +2693,7 @@
 </p:sld>
 </file>
 
-<file path=ppt/slides/slide12.xml><?xml version="1.0" encoding="utf-8"?>
+<file path=ppt/slides/slide11.xml><?xml version="1.0" encoding="utf-8"?>
 <p:sld xmlns:a="http://schemas.openxmlformats.org/drawingml/2006/main" xmlns:r="http://schemas.openxmlformats.org/officeDocument/2006/relationships" xmlns:p="http://schemas.openxmlformats.org/presentationml/2006/main">
   <p:cSld>
     <p:spTree>
@@ -3783,7 +3428,7 @@
 </p:sld>
 </file>
 
-<file path=ppt/slides/slide13.xml><?xml version="1.0" encoding="utf-8"?>
+<file path=ppt/slides/slide12.xml><?xml version="1.0" encoding="utf-8"?>
 <p:sld xmlns:a="http://schemas.openxmlformats.org/drawingml/2006/main" xmlns:r="http://schemas.openxmlformats.org/officeDocument/2006/relationships" xmlns:p="http://schemas.openxmlformats.org/presentationml/2006/main">
   <p:cSld>
     <p:spTree>
@@ -4419,7 +4064,1631 @@
 </p:sld>
 </file>
 
+<file path=ppt/slides/slide13.xml><?xml version="1.0" encoding="utf-8"?>
+<p:sld xmlns:a="http://schemas.openxmlformats.org/drawingml/2006/main" xmlns:r="http://schemas.openxmlformats.org/officeDocument/2006/relationships" xmlns:p="http://schemas.openxmlformats.org/presentationml/2006/main">
+  <p:cSld>
+    <p:spTree>
+      <p:nvGrpSpPr>
+        <p:cNvPr id="1" name=""/>
+        <p:cNvGrpSpPr/>
+        <p:nvPr/>
+      </p:nvGrpSpPr>
+      <p:grpSpPr>
+        <a:xfrm>
+          <a:off x="0" y="0"/>
+          <a:ext cx="0" cy="0"/>
+          <a:chOff x="0" y="0"/>
+          <a:chExt cx="0" cy="0"/>
+        </a:xfrm>
+      </p:grpSpPr>
+      <p:sp>
+        <p:nvSpPr>
+          <p:cNvPr id="2" name="Title 1">
+            <a:extLst>
+              <a:ext uri="{FF2B5EF4-FFF2-40B4-BE49-F238E27FC236}">
+                <a16:creationId xmlns:a16="http://schemas.microsoft.com/office/drawing/2014/main" id="{FEE4AAC6-7E53-4AAE-9145-D609C6FAE368}"/>
+              </a:ext>
+            </a:extLst>
+          </p:cNvPr>
+          <p:cNvSpPr>
+            <a:spLocks noGrp="1"/>
+          </p:cNvSpPr>
+          <p:nvPr>
+            <p:ph type="title"/>
+          </p:nvPr>
+        </p:nvSpPr>
+        <p:spPr/>
+        <p:txBody>
+          <a:bodyPr>
+            <a:normAutofit fontScale="90000"/>
+          </a:bodyPr>
+          <a:lstStyle/>
+          <a:p>
+            <a:r>
+              <a:rPr lang="da-DK" dirty="0"/>
+              <a:t>APL vs MatLab – Differences (1/2)</a:t>
+            </a:r>
+          </a:p>
+        </p:txBody>
+      </p:sp>
+      <p:sp>
+        <p:nvSpPr>
+          <p:cNvPr id="4" name="Text Placeholder 2">
+            <a:extLst>
+              <a:ext uri="{FF2B5EF4-FFF2-40B4-BE49-F238E27FC236}">
+                <a16:creationId xmlns:a16="http://schemas.microsoft.com/office/drawing/2014/main" id="{8CC147A6-D802-4696-8ADF-D949D75B31AF}"/>
+              </a:ext>
+            </a:extLst>
+          </p:cNvPr>
+          <p:cNvSpPr txBox="1">
+            <a:spLocks/>
+          </p:cNvSpPr>
+          <p:nvPr/>
+        </p:nvSpPr>
+        <p:spPr>
+          <a:xfrm>
+            <a:off x="4932040" y="1600221"/>
+            <a:ext cx="3321375" cy="2709781"/>
+          </a:xfrm>
+          <a:prstGeom prst="rect">
+            <a:avLst/>
+          </a:prstGeom>
+          <a:solidFill>
+            <a:schemeClr val="accent3">
+              <a:lumMod val="40000"/>
+              <a:lumOff val="60000"/>
+            </a:schemeClr>
+          </a:solidFill>
+        </p:spPr>
+        <p:txBody>
+          <a:bodyPr vert="horz" lIns="91440" tIns="45720" rIns="91440" bIns="45720" rtlCol="0">
+            <a:normAutofit/>
+          </a:bodyPr>
+          <a:lstStyle>
+            <a:lvl1pPr marL="342900" indent="-342900" algn="l" defTabSz="914400" rtl="0" eaLnBrk="1" latinLnBrk="0" hangingPunct="1">
+              <a:spcBef>
+                <a:spcPct val="20000"/>
+              </a:spcBef>
+              <a:buClr>
+                <a:srgbClr val="FF9421"/>
+              </a:buClr>
+              <a:buFont typeface="Arial" panose="020B0604020202020204" pitchFamily="34" charset="0"/>
+              <a:buChar char="•"/>
+              <a:defRPr sz="3200" kern="1200">
+                <a:solidFill>
+                  <a:schemeClr val="tx1"/>
+                </a:solidFill>
+                <a:latin typeface="+mn-lt"/>
+                <a:ea typeface="+mn-ea"/>
+                <a:cs typeface="+mn-cs"/>
+              </a:defRPr>
+            </a:lvl1pPr>
+            <a:lvl2pPr marL="742950" indent="-285750" algn="l" defTabSz="914400" rtl="0" eaLnBrk="1" latinLnBrk="0" hangingPunct="1">
+              <a:spcBef>
+                <a:spcPct val="20000"/>
+              </a:spcBef>
+              <a:buClr>
+                <a:srgbClr val="FF9421"/>
+              </a:buClr>
+              <a:buFont typeface="Arial" panose="020B0604020202020204" pitchFamily="34" charset="0"/>
+              <a:buChar char="•"/>
+              <a:defRPr sz="2800" kern="1200">
+                <a:solidFill>
+                  <a:schemeClr val="tx1"/>
+                </a:solidFill>
+                <a:latin typeface="+mn-lt"/>
+                <a:ea typeface="+mn-ea"/>
+                <a:cs typeface="+mn-cs"/>
+              </a:defRPr>
+            </a:lvl2pPr>
+            <a:lvl3pPr marL="1143000" indent="-228600" algn="l" defTabSz="914400" rtl="0" eaLnBrk="1" latinLnBrk="0" hangingPunct="1">
+              <a:spcBef>
+                <a:spcPct val="20000"/>
+              </a:spcBef>
+              <a:buClr>
+                <a:srgbClr val="FF9421"/>
+              </a:buClr>
+              <a:buFont typeface="Courier New" panose="02070309020205020404" pitchFamily="49" charset="0"/>
+              <a:buChar char="o"/>
+              <a:defRPr sz="2400" kern="1200">
+                <a:solidFill>
+                  <a:schemeClr val="tx1"/>
+                </a:solidFill>
+                <a:latin typeface="+mn-lt"/>
+                <a:ea typeface="+mn-ea"/>
+                <a:cs typeface="+mn-cs"/>
+              </a:defRPr>
+            </a:lvl3pPr>
+            <a:lvl4pPr marL="1600200" indent="-228600" algn="l" defTabSz="914400" rtl="0" eaLnBrk="1" latinLnBrk="0" hangingPunct="1">
+              <a:spcBef>
+                <a:spcPct val="20000"/>
+              </a:spcBef>
+              <a:buClr>
+                <a:srgbClr val="FF9421"/>
+              </a:buClr>
+              <a:buFont typeface="Wingdings" panose="05000000000000000000" pitchFamily="2" charset="2"/>
+              <a:buChar char="§"/>
+              <a:defRPr sz="2000" kern="1200">
+                <a:solidFill>
+                  <a:schemeClr val="tx1"/>
+                </a:solidFill>
+                <a:latin typeface="+mn-lt"/>
+                <a:ea typeface="+mn-ea"/>
+                <a:cs typeface="+mn-cs"/>
+              </a:defRPr>
+            </a:lvl4pPr>
+            <a:lvl5pPr marL="2154238" indent="-325438" algn="l" defTabSz="914400" rtl="0" eaLnBrk="1" latinLnBrk="0" hangingPunct="1">
+              <a:spcBef>
+                <a:spcPct val="20000"/>
+              </a:spcBef>
+              <a:buClr>
+                <a:srgbClr val="FF9421"/>
+              </a:buClr>
+              <a:buFont typeface="Calibri" panose="020F0502020204030204" pitchFamily="34" charset="0"/>
+              <a:buChar char="—"/>
+              <a:defRPr sz="2000" kern="1200">
+                <a:solidFill>
+                  <a:schemeClr val="tx1"/>
+                </a:solidFill>
+                <a:latin typeface="+mn-lt"/>
+                <a:ea typeface="+mn-ea"/>
+                <a:cs typeface="+mn-cs"/>
+              </a:defRPr>
+            </a:lvl5pPr>
+            <a:lvl6pPr marL="2514600" indent="-228600" algn="l" defTabSz="914400" rtl="0" eaLnBrk="1" latinLnBrk="0" hangingPunct="1">
+              <a:spcBef>
+                <a:spcPct val="20000"/>
+              </a:spcBef>
+              <a:buFont typeface="Arial" panose="020B0604020202020204" pitchFamily="34" charset="0"/>
+              <a:buChar char="•"/>
+              <a:defRPr sz="2000" kern="1200">
+                <a:solidFill>
+                  <a:schemeClr val="tx1"/>
+                </a:solidFill>
+                <a:latin typeface="+mn-lt"/>
+                <a:ea typeface="+mn-ea"/>
+                <a:cs typeface="+mn-cs"/>
+              </a:defRPr>
+            </a:lvl6pPr>
+            <a:lvl7pPr marL="2971800" indent="-228600" algn="l" defTabSz="914400" rtl="0" eaLnBrk="1" latinLnBrk="0" hangingPunct="1">
+              <a:spcBef>
+                <a:spcPct val="20000"/>
+              </a:spcBef>
+              <a:buFont typeface="Arial" panose="020B0604020202020204" pitchFamily="34" charset="0"/>
+              <a:buChar char="•"/>
+              <a:defRPr sz="2000" kern="1200">
+                <a:solidFill>
+                  <a:schemeClr val="tx1"/>
+                </a:solidFill>
+                <a:latin typeface="+mn-lt"/>
+                <a:ea typeface="+mn-ea"/>
+                <a:cs typeface="+mn-cs"/>
+              </a:defRPr>
+            </a:lvl7pPr>
+            <a:lvl8pPr marL="3429000" indent="-228600" algn="l" defTabSz="914400" rtl="0" eaLnBrk="1" latinLnBrk="0" hangingPunct="1">
+              <a:spcBef>
+                <a:spcPct val="20000"/>
+              </a:spcBef>
+              <a:buFont typeface="Arial" panose="020B0604020202020204" pitchFamily="34" charset="0"/>
+              <a:buChar char="•"/>
+              <a:defRPr sz="2000" kern="1200">
+                <a:solidFill>
+                  <a:schemeClr val="tx1"/>
+                </a:solidFill>
+                <a:latin typeface="+mn-lt"/>
+                <a:ea typeface="+mn-ea"/>
+                <a:cs typeface="+mn-cs"/>
+              </a:defRPr>
+            </a:lvl8pPr>
+            <a:lvl9pPr marL="3886200" indent="-228600" algn="l" defTabSz="914400" rtl="0" eaLnBrk="1" latinLnBrk="0" hangingPunct="1">
+              <a:spcBef>
+                <a:spcPct val="20000"/>
+              </a:spcBef>
+              <a:buFont typeface="Arial" panose="020B0604020202020204" pitchFamily="34" charset="0"/>
+              <a:buChar char="•"/>
+              <a:defRPr sz="2000" kern="1200">
+                <a:solidFill>
+                  <a:schemeClr val="tx1"/>
+                </a:solidFill>
+                <a:latin typeface="+mn-lt"/>
+                <a:ea typeface="+mn-ea"/>
+                <a:cs typeface="+mn-cs"/>
+              </a:defRPr>
+            </a:lvl9pPr>
+          </a:lstStyle>
+          <a:p>
+            <a:pPr marL="0" indent="0">
+              <a:buNone/>
+            </a:pPr>
+            <a:r>
+              <a:rPr lang="da-DK" sz="2000" dirty="0">
+                <a:latin typeface="+mj-lt"/>
+              </a:rPr>
+              <a:t>MatLab</a:t>
+            </a:r>
+          </a:p>
+          <a:p>
+            <a:pPr marL="0" indent="0">
+              <a:buNone/>
+            </a:pPr>
+            <a:r>
+              <a:rPr lang="da-DK" sz="1600" dirty="0">
+                <a:latin typeface="APL385 Unicode" panose="020B0709000202000203" pitchFamily="49" charset="0"/>
+              </a:rPr>
+              <a:t>    X </a:t>
+            </a:r>
+            <a:r>
+              <a:rPr lang="es-ES" sz="1600" dirty="0">
+                <a:latin typeface="APL385 Unicode" panose="020B0709000202000203" pitchFamily="49" charset="0"/>
+              </a:rPr>
+              <a:t>= [1,0,3]</a:t>
+            </a:r>
+            <a:br>
+              <a:rPr lang="es-ES" sz="1600" dirty="0">
+                <a:latin typeface="APL385 Unicode" panose="020B0709000202000203" pitchFamily="49" charset="0"/>
+              </a:rPr>
+            </a:br>
+            <a:r>
+              <a:rPr lang="es-ES" sz="1600" dirty="0">
+                <a:latin typeface="APL385 Unicode" panose="020B0709000202000203" pitchFamily="49" charset="0"/>
+              </a:rPr>
+              <a:t>    Y = [10,1,2]</a:t>
+            </a:r>
+          </a:p>
+          <a:p>
+            <a:pPr marL="0" indent="0">
+              <a:buNone/>
+            </a:pPr>
+            <a:r>
+              <a:rPr lang="es-ES" sz="1600" dirty="0">
+                <a:latin typeface="APL385 Unicode" panose="020B0709000202000203" pitchFamily="49" charset="0"/>
+              </a:rPr>
+              <a:t>    X / 10</a:t>
+            </a:r>
+            <a:br>
+              <a:rPr lang="es-ES" sz="1600" dirty="0">
+                <a:latin typeface="APL385 Unicode" panose="020B0709000202000203" pitchFamily="49" charset="0"/>
+              </a:rPr>
+            </a:br>
+            <a:r>
+              <a:rPr lang="es-ES" sz="1600" dirty="0">
+                <a:latin typeface="APL385 Unicode" panose="020B0709000202000203" pitchFamily="49" charset="0"/>
+              </a:rPr>
+              <a:t>0.1 0 0.3</a:t>
+            </a:r>
+          </a:p>
+          <a:p>
+            <a:pPr marL="0" indent="0">
+              <a:buNone/>
+            </a:pPr>
+            <a:r>
+              <a:rPr lang="es-ES" sz="1600" dirty="0">
+                <a:latin typeface="APL385 Unicode" panose="020B0709000202000203" pitchFamily="49" charset="0"/>
+              </a:rPr>
+              <a:t>    X / Y</a:t>
+            </a:r>
+            <a:br>
+              <a:rPr lang="es-ES" sz="1600" dirty="0">
+                <a:latin typeface="APL385 Unicode" panose="020B0709000202000203" pitchFamily="49" charset="0"/>
+              </a:rPr>
+            </a:br>
+            <a:r>
+              <a:rPr lang="es-ES" sz="1600" dirty="0">
+                <a:latin typeface="APL385 Unicode" panose="020B0709000202000203" pitchFamily="49" charset="0"/>
+              </a:rPr>
+              <a:t>0.13333</a:t>
+            </a:r>
+          </a:p>
+          <a:p>
+            <a:pPr marL="0" indent="0">
+              <a:buNone/>
+            </a:pPr>
+            <a:r>
+              <a:rPr lang="es-ES" sz="1600" dirty="0">
+                <a:latin typeface="APL385 Unicode" panose="020B0709000202000203" pitchFamily="49" charset="0"/>
+              </a:rPr>
+              <a:t>    X ./ Y</a:t>
+            </a:r>
+            <a:br>
+              <a:rPr lang="es-ES" sz="1600" dirty="0">
+                <a:latin typeface="APL385 Unicode" panose="020B0709000202000203" pitchFamily="49" charset="0"/>
+              </a:rPr>
+            </a:br>
+            <a:r>
+              <a:rPr lang="es-ES" sz="1600" dirty="0">
+                <a:latin typeface="APL385 Unicode" panose="020B0709000202000203" pitchFamily="49" charset="0"/>
+              </a:rPr>
+              <a:t>0.1 0 1.5</a:t>
+            </a:r>
+          </a:p>
+        </p:txBody>
+      </p:sp>
+      <p:sp>
+        <p:nvSpPr>
+          <p:cNvPr id="7" name="Text Placeholder 2">
+            <a:extLst>
+              <a:ext uri="{FF2B5EF4-FFF2-40B4-BE49-F238E27FC236}">
+                <a16:creationId xmlns:a16="http://schemas.microsoft.com/office/drawing/2014/main" id="{4E4A9698-2A19-44EC-92C4-751322F19319}"/>
+              </a:ext>
+            </a:extLst>
+          </p:cNvPr>
+          <p:cNvSpPr txBox="1">
+            <a:spLocks/>
+          </p:cNvSpPr>
+          <p:nvPr/>
+        </p:nvSpPr>
+        <p:spPr>
+          <a:xfrm>
+            <a:off x="890585" y="1583315"/>
+            <a:ext cx="3465391" cy="2709781"/>
+          </a:xfrm>
+          <a:prstGeom prst="rect">
+            <a:avLst/>
+          </a:prstGeom>
+          <a:solidFill>
+            <a:schemeClr val="accent6">
+              <a:lumMod val="40000"/>
+              <a:lumOff val="60000"/>
+            </a:schemeClr>
+          </a:solidFill>
+        </p:spPr>
+        <p:txBody>
+          <a:bodyPr vert="horz" lIns="91440" tIns="45720" rIns="91440" bIns="45720" rtlCol="0">
+            <a:normAutofit/>
+          </a:bodyPr>
+          <a:lstStyle>
+            <a:lvl1pPr marL="342900" indent="-342900" algn="l" defTabSz="914400" rtl="0" eaLnBrk="1" latinLnBrk="0" hangingPunct="1">
+              <a:spcBef>
+                <a:spcPct val="20000"/>
+              </a:spcBef>
+              <a:buClr>
+                <a:srgbClr val="FF9421"/>
+              </a:buClr>
+              <a:buFont typeface="Arial" panose="020B0604020202020204" pitchFamily="34" charset="0"/>
+              <a:buChar char="•"/>
+              <a:defRPr sz="3200" kern="1200">
+                <a:solidFill>
+                  <a:schemeClr val="tx1"/>
+                </a:solidFill>
+                <a:latin typeface="+mn-lt"/>
+                <a:ea typeface="+mn-ea"/>
+                <a:cs typeface="+mn-cs"/>
+              </a:defRPr>
+            </a:lvl1pPr>
+            <a:lvl2pPr marL="742950" indent="-285750" algn="l" defTabSz="914400" rtl="0" eaLnBrk="1" latinLnBrk="0" hangingPunct="1">
+              <a:spcBef>
+                <a:spcPct val="20000"/>
+              </a:spcBef>
+              <a:buClr>
+                <a:srgbClr val="FF9421"/>
+              </a:buClr>
+              <a:buFont typeface="Arial" panose="020B0604020202020204" pitchFamily="34" charset="0"/>
+              <a:buChar char="•"/>
+              <a:defRPr sz="2800" kern="1200">
+                <a:solidFill>
+                  <a:schemeClr val="tx1"/>
+                </a:solidFill>
+                <a:latin typeface="+mn-lt"/>
+                <a:ea typeface="+mn-ea"/>
+                <a:cs typeface="+mn-cs"/>
+              </a:defRPr>
+            </a:lvl2pPr>
+            <a:lvl3pPr marL="1143000" indent="-228600" algn="l" defTabSz="914400" rtl="0" eaLnBrk="1" latinLnBrk="0" hangingPunct="1">
+              <a:spcBef>
+                <a:spcPct val="20000"/>
+              </a:spcBef>
+              <a:buClr>
+                <a:srgbClr val="FF9421"/>
+              </a:buClr>
+              <a:buFont typeface="Courier New" panose="02070309020205020404" pitchFamily="49" charset="0"/>
+              <a:buChar char="o"/>
+              <a:defRPr sz="2400" kern="1200">
+                <a:solidFill>
+                  <a:schemeClr val="tx1"/>
+                </a:solidFill>
+                <a:latin typeface="+mn-lt"/>
+                <a:ea typeface="+mn-ea"/>
+                <a:cs typeface="+mn-cs"/>
+              </a:defRPr>
+            </a:lvl3pPr>
+            <a:lvl4pPr marL="1600200" indent="-228600" algn="l" defTabSz="914400" rtl="0" eaLnBrk="1" latinLnBrk="0" hangingPunct="1">
+              <a:spcBef>
+                <a:spcPct val="20000"/>
+              </a:spcBef>
+              <a:buClr>
+                <a:srgbClr val="FF9421"/>
+              </a:buClr>
+              <a:buFont typeface="Wingdings" panose="05000000000000000000" pitchFamily="2" charset="2"/>
+              <a:buChar char="§"/>
+              <a:defRPr sz="2000" kern="1200">
+                <a:solidFill>
+                  <a:schemeClr val="tx1"/>
+                </a:solidFill>
+                <a:latin typeface="+mn-lt"/>
+                <a:ea typeface="+mn-ea"/>
+                <a:cs typeface="+mn-cs"/>
+              </a:defRPr>
+            </a:lvl4pPr>
+            <a:lvl5pPr marL="2154238" indent="-325438" algn="l" defTabSz="914400" rtl="0" eaLnBrk="1" latinLnBrk="0" hangingPunct="1">
+              <a:spcBef>
+                <a:spcPct val="20000"/>
+              </a:spcBef>
+              <a:buClr>
+                <a:srgbClr val="FF9421"/>
+              </a:buClr>
+              <a:buFont typeface="Calibri" panose="020F0502020204030204" pitchFamily="34" charset="0"/>
+              <a:buChar char="—"/>
+              <a:defRPr sz="2000" kern="1200">
+                <a:solidFill>
+                  <a:schemeClr val="tx1"/>
+                </a:solidFill>
+                <a:latin typeface="+mn-lt"/>
+                <a:ea typeface="+mn-ea"/>
+                <a:cs typeface="+mn-cs"/>
+              </a:defRPr>
+            </a:lvl5pPr>
+            <a:lvl6pPr marL="2514600" indent="-228600" algn="l" defTabSz="914400" rtl="0" eaLnBrk="1" latinLnBrk="0" hangingPunct="1">
+              <a:spcBef>
+                <a:spcPct val="20000"/>
+              </a:spcBef>
+              <a:buFont typeface="Arial" panose="020B0604020202020204" pitchFamily="34" charset="0"/>
+              <a:buChar char="•"/>
+              <a:defRPr sz="2000" kern="1200">
+                <a:solidFill>
+                  <a:schemeClr val="tx1"/>
+                </a:solidFill>
+                <a:latin typeface="+mn-lt"/>
+                <a:ea typeface="+mn-ea"/>
+                <a:cs typeface="+mn-cs"/>
+              </a:defRPr>
+            </a:lvl6pPr>
+            <a:lvl7pPr marL="2971800" indent="-228600" algn="l" defTabSz="914400" rtl="0" eaLnBrk="1" latinLnBrk="0" hangingPunct="1">
+              <a:spcBef>
+                <a:spcPct val="20000"/>
+              </a:spcBef>
+              <a:buFont typeface="Arial" panose="020B0604020202020204" pitchFamily="34" charset="0"/>
+              <a:buChar char="•"/>
+              <a:defRPr sz="2000" kern="1200">
+                <a:solidFill>
+                  <a:schemeClr val="tx1"/>
+                </a:solidFill>
+                <a:latin typeface="+mn-lt"/>
+                <a:ea typeface="+mn-ea"/>
+                <a:cs typeface="+mn-cs"/>
+              </a:defRPr>
+            </a:lvl7pPr>
+            <a:lvl8pPr marL="3429000" indent="-228600" algn="l" defTabSz="914400" rtl="0" eaLnBrk="1" latinLnBrk="0" hangingPunct="1">
+              <a:spcBef>
+                <a:spcPct val="20000"/>
+              </a:spcBef>
+              <a:buFont typeface="Arial" panose="020B0604020202020204" pitchFamily="34" charset="0"/>
+              <a:buChar char="•"/>
+              <a:defRPr sz="2000" kern="1200">
+                <a:solidFill>
+                  <a:schemeClr val="tx1"/>
+                </a:solidFill>
+                <a:latin typeface="+mn-lt"/>
+                <a:ea typeface="+mn-ea"/>
+                <a:cs typeface="+mn-cs"/>
+              </a:defRPr>
+            </a:lvl8pPr>
+            <a:lvl9pPr marL="3886200" indent="-228600" algn="l" defTabSz="914400" rtl="0" eaLnBrk="1" latinLnBrk="0" hangingPunct="1">
+              <a:spcBef>
+                <a:spcPct val="20000"/>
+              </a:spcBef>
+              <a:buFont typeface="Arial" panose="020B0604020202020204" pitchFamily="34" charset="0"/>
+              <a:buChar char="•"/>
+              <a:defRPr sz="2000" kern="1200">
+                <a:solidFill>
+                  <a:schemeClr val="tx1"/>
+                </a:solidFill>
+                <a:latin typeface="+mn-lt"/>
+                <a:ea typeface="+mn-ea"/>
+                <a:cs typeface="+mn-cs"/>
+              </a:defRPr>
+            </a:lvl9pPr>
+          </a:lstStyle>
+          <a:p>
+            <a:pPr marL="0" indent="0">
+              <a:buNone/>
+            </a:pPr>
+            <a:r>
+              <a:rPr lang="da-DK" sz="2000" dirty="0"/>
+              <a:t>APL</a:t>
+            </a:r>
+            <a:br>
+              <a:rPr lang="da-DK" sz="1600" dirty="0">
+                <a:latin typeface="APL385 Unicode" panose="020B0709000202000203" pitchFamily="49" charset="0"/>
+              </a:rPr>
+            </a:br>
+            <a:r>
+              <a:rPr lang="da-DK" sz="1600" dirty="0">
+                <a:latin typeface="APL385 Unicode" panose="020B0709000202000203" pitchFamily="49" charset="0"/>
+              </a:rPr>
+              <a:t>    X ← 1 0 3</a:t>
+            </a:r>
+            <a:br>
+              <a:rPr lang="da-DK" sz="1600" dirty="0">
+                <a:latin typeface="APL385 Unicode" panose="020B0709000202000203" pitchFamily="49" charset="0"/>
+              </a:rPr>
+            </a:br>
+            <a:r>
+              <a:rPr lang="es-ES" sz="1600" dirty="0">
+                <a:latin typeface="APL385 Unicode" panose="020B0709000202000203" pitchFamily="49" charset="0"/>
+              </a:rPr>
+              <a:t>    Y ← 10 1 2</a:t>
+            </a:r>
+          </a:p>
+          <a:p>
+            <a:pPr marL="0" indent="0">
+              <a:buNone/>
+            </a:pPr>
+            <a:r>
+              <a:rPr lang="es-ES" sz="1600" dirty="0">
+                <a:latin typeface="APL385 Unicode" panose="020B0709000202000203" pitchFamily="49" charset="0"/>
+              </a:rPr>
+              <a:t>    X ÷ 10</a:t>
+            </a:r>
+            <a:br>
+              <a:rPr lang="es-ES" sz="1600" dirty="0">
+                <a:latin typeface="APL385 Unicode" panose="020B0709000202000203" pitchFamily="49" charset="0"/>
+              </a:rPr>
+            </a:br>
+            <a:r>
+              <a:rPr lang="es-ES" sz="1600" dirty="0">
+                <a:latin typeface="APL385 Unicode" panose="020B0709000202000203" pitchFamily="49" charset="0"/>
+              </a:rPr>
+              <a:t>0.1 0.2 0.3</a:t>
+            </a:r>
+          </a:p>
+          <a:p>
+            <a:pPr marL="0" indent="0">
+              <a:buNone/>
+            </a:pPr>
+            <a:r>
+              <a:rPr lang="es-ES" sz="1600" dirty="0">
+                <a:latin typeface="APL385 Unicode" panose="020B0709000202000203" pitchFamily="49" charset="0"/>
+              </a:rPr>
+              <a:t>    X ÷ Y</a:t>
+            </a:r>
+            <a:br>
+              <a:rPr lang="es-ES" sz="1600" dirty="0">
+                <a:latin typeface="APL385 Unicode" panose="020B0709000202000203" pitchFamily="49" charset="0"/>
+              </a:rPr>
+            </a:br>
+            <a:r>
+              <a:rPr lang="es-ES" sz="1600" dirty="0">
+                <a:latin typeface="APL385 Unicode" panose="020B0709000202000203" pitchFamily="49" charset="0"/>
+              </a:rPr>
+              <a:t>0.1 0 1.5</a:t>
+            </a:r>
+          </a:p>
+          <a:p>
+            <a:pPr marL="0" indent="0">
+              <a:buNone/>
+            </a:pPr>
+            <a:r>
+              <a:rPr lang="es-ES" sz="1600" dirty="0">
+                <a:latin typeface="APL385 Unicode" panose="020B0709000202000203" pitchFamily="49" charset="0"/>
+              </a:rPr>
+              <a:t>    X ⌹ Y</a:t>
+            </a:r>
+          </a:p>
+          <a:p>
+            <a:pPr marL="0" indent="0">
+              <a:buNone/>
+            </a:pPr>
+            <a:r>
+              <a:rPr lang="es-ES" sz="1600" dirty="0">
+                <a:latin typeface="APL385 Unicode" panose="020B0709000202000203" pitchFamily="49" charset="0"/>
+              </a:rPr>
+              <a:t>0.13333</a:t>
+            </a:r>
+          </a:p>
+          <a:p>
+            <a:pPr marL="0" indent="0">
+              <a:buNone/>
+            </a:pPr>
+            <a:endParaRPr lang="es-ES" sz="1600" dirty="0">
+              <a:latin typeface="APL385 Unicode" panose="020B0709000202000203" pitchFamily="49" charset="0"/>
+            </a:endParaRPr>
+          </a:p>
+          <a:p>
+            <a:pPr marL="0" indent="0">
+              <a:buNone/>
+            </a:pPr>
+            <a:endParaRPr lang="es-ES" sz="1600" dirty="0">
+              <a:latin typeface="APL385 Unicode" panose="020B0709000202000203" pitchFamily="49" charset="0"/>
+            </a:endParaRPr>
+          </a:p>
+          <a:p>
+            <a:pPr marL="0" indent="0">
+              <a:buNone/>
+            </a:pPr>
+            <a:endParaRPr lang="da-DK" sz="1600" dirty="0">
+              <a:latin typeface="APL385 Unicode" panose="020B0709000202000203" pitchFamily="49" charset="0"/>
+            </a:endParaRPr>
+          </a:p>
+        </p:txBody>
+      </p:sp>
+      <p:sp>
+        <p:nvSpPr>
+          <p:cNvPr id="9" name="Text Placeholder 2">
+            <a:extLst>
+              <a:ext uri="{FF2B5EF4-FFF2-40B4-BE49-F238E27FC236}">
+                <a16:creationId xmlns:a16="http://schemas.microsoft.com/office/drawing/2014/main" id="{666CE117-4F7C-4E0F-9149-EB1AC0218434}"/>
+              </a:ext>
+            </a:extLst>
+          </p:cNvPr>
+          <p:cNvSpPr>
+            <a:spLocks noGrp="1"/>
+          </p:cNvSpPr>
+          <p:nvPr>
+            <p:ph type="body" sz="quarter" idx="11"/>
+          </p:nvPr>
+        </p:nvSpPr>
+        <p:spPr>
+          <a:xfrm>
+            <a:off x="755575" y="4725144"/>
+            <a:ext cx="7632849" cy="1296144"/>
+          </a:xfrm>
+        </p:spPr>
+        <p:txBody>
+          <a:bodyPr>
+            <a:normAutofit fontScale="70000" lnSpcReduction="20000"/>
+          </a:bodyPr>
+          <a:lstStyle/>
+          <a:p>
+            <a:r>
+              <a:rPr lang="da-DK" dirty="0"/>
+              <a:t>In APL, ÷ always divides an element in the left argument with an element of the right argument</a:t>
+            </a:r>
+          </a:p>
+          <a:p>
+            <a:r>
+              <a:rPr lang="da-DK" dirty="0"/>
+              <a:t>In MatLab, / changes meaning depending on the shape of the arguments.</a:t>
+            </a:r>
+          </a:p>
+        </p:txBody>
+      </p:sp>
+    </p:spTree>
+    <p:extLst>
+      <p:ext uri="{BB962C8B-B14F-4D97-AF65-F5344CB8AC3E}">
+        <p14:creationId xmlns:p14="http://schemas.microsoft.com/office/powerpoint/2010/main" val="930511140"/>
+      </p:ext>
+    </p:extLst>
+  </p:cSld>
+  <p:clrMapOvr>
+    <a:masterClrMapping/>
+  </p:clrMapOvr>
+</p:sld>
+</file>
+
 <file path=ppt/slides/slide14.xml><?xml version="1.0" encoding="utf-8"?>
+<p:sld xmlns:a="http://schemas.openxmlformats.org/drawingml/2006/main" xmlns:r="http://schemas.openxmlformats.org/officeDocument/2006/relationships" xmlns:p="http://schemas.openxmlformats.org/presentationml/2006/main">
+  <p:cSld>
+    <p:spTree>
+      <p:nvGrpSpPr>
+        <p:cNvPr id="1" name=""/>
+        <p:cNvGrpSpPr/>
+        <p:nvPr/>
+      </p:nvGrpSpPr>
+      <p:grpSpPr>
+        <a:xfrm>
+          <a:off x="0" y="0"/>
+          <a:ext cx="0" cy="0"/>
+          <a:chOff x="0" y="0"/>
+          <a:chExt cx="0" cy="0"/>
+        </a:xfrm>
+      </p:grpSpPr>
+      <p:sp>
+        <p:nvSpPr>
+          <p:cNvPr id="2" name="Title 1">
+            <a:extLst>
+              <a:ext uri="{FF2B5EF4-FFF2-40B4-BE49-F238E27FC236}">
+                <a16:creationId xmlns:a16="http://schemas.microsoft.com/office/drawing/2014/main" id="{FEE4AAC6-7E53-4AAE-9145-D609C6FAE368}"/>
+              </a:ext>
+            </a:extLst>
+          </p:cNvPr>
+          <p:cNvSpPr>
+            <a:spLocks noGrp="1"/>
+          </p:cNvSpPr>
+          <p:nvPr>
+            <p:ph type="title"/>
+          </p:nvPr>
+        </p:nvSpPr>
+        <p:spPr/>
+        <p:txBody>
+          <a:bodyPr>
+            <a:normAutofit fontScale="90000"/>
+          </a:bodyPr>
+          <a:lstStyle/>
+          <a:p>
+            <a:r>
+              <a:rPr lang="da-DK" dirty="0"/>
+              <a:t>APL vs MatLab – Differences (2/2)</a:t>
+            </a:r>
+          </a:p>
+        </p:txBody>
+      </p:sp>
+      <p:sp>
+        <p:nvSpPr>
+          <p:cNvPr id="4" name="Text Placeholder 2">
+            <a:extLst>
+              <a:ext uri="{FF2B5EF4-FFF2-40B4-BE49-F238E27FC236}">
+                <a16:creationId xmlns:a16="http://schemas.microsoft.com/office/drawing/2014/main" id="{8CC147A6-D802-4696-8ADF-D949D75B31AF}"/>
+              </a:ext>
+            </a:extLst>
+          </p:cNvPr>
+          <p:cNvSpPr txBox="1">
+            <a:spLocks/>
+          </p:cNvSpPr>
+          <p:nvPr/>
+        </p:nvSpPr>
+        <p:spPr>
+          <a:xfrm>
+            <a:off x="4932040" y="1600221"/>
+            <a:ext cx="3672408" cy="3357853"/>
+          </a:xfrm>
+          <a:prstGeom prst="rect">
+            <a:avLst/>
+          </a:prstGeom>
+          <a:solidFill>
+            <a:schemeClr val="accent3">
+              <a:lumMod val="40000"/>
+              <a:lumOff val="60000"/>
+            </a:schemeClr>
+          </a:solidFill>
+        </p:spPr>
+        <p:txBody>
+          <a:bodyPr vert="horz" lIns="91440" tIns="45720" rIns="91440" bIns="45720" rtlCol="0">
+            <a:normAutofit/>
+          </a:bodyPr>
+          <a:lstStyle>
+            <a:lvl1pPr marL="342900" indent="-342900" algn="l" defTabSz="914400" rtl="0" eaLnBrk="1" latinLnBrk="0" hangingPunct="1">
+              <a:spcBef>
+                <a:spcPct val="20000"/>
+              </a:spcBef>
+              <a:buClr>
+                <a:srgbClr val="FF9421"/>
+              </a:buClr>
+              <a:buFont typeface="Arial" panose="020B0604020202020204" pitchFamily="34" charset="0"/>
+              <a:buChar char="•"/>
+              <a:defRPr sz="3200" kern="1200">
+                <a:solidFill>
+                  <a:schemeClr val="tx1"/>
+                </a:solidFill>
+                <a:latin typeface="+mn-lt"/>
+                <a:ea typeface="+mn-ea"/>
+                <a:cs typeface="+mn-cs"/>
+              </a:defRPr>
+            </a:lvl1pPr>
+            <a:lvl2pPr marL="742950" indent="-285750" algn="l" defTabSz="914400" rtl="0" eaLnBrk="1" latinLnBrk="0" hangingPunct="1">
+              <a:spcBef>
+                <a:spcPct val="20000"/>
+              </a:spcBef>
+              <a:buClr>
+                <a:srgbClr val="FF9421"/>
+              </a:buClr>
+              <a:buFont typeface="Arial" panose="020B0604020202020204" pitchFamily="34" charset="0"/>
+              <a:buChar char="•"/>
+              <a:defRPr sz="2800" kern="1200">
+                <a:solidFill>
+                  <a:schemeClr val="tx1"/>
+                </a:solidFill>
+                <a:latin typeface="+mn-lt"/>
+                <a:ea typeface="+mn-ea"/>
+                <a:cs typeface="+mn-cs"/>
+              </a:defRPr>
+            </a:lvl2pPr>
+            <a:lvl3pPr marL="1143000" indent="-228600" algn="l" defTabSz="914400" rtl="0" eaLnBrk="1" latinLnBrk="0" hangingPunct="1">
+              <a:spcBef>
+                <a:spcPct val="20000"/>
+              </a:spcBef>
+              <a:buClr>
+                <a:srgbClr val="FF9421"/>
+              </a:buClr>
+              <a:buFont typeface="Courier New" panose="02070309020205020404" pitchFamily="49" charset="0"/>
+              <a:buChar char="o"/>
+              <a:defRPr sz="2400" kern="1200">
+                <a:solidFill>
+                  <a:schemeClr val="tx1"/>
+                </a:solidFill>
+                <a:latin typeface="+mn-lt"/>
+                <a:ea typeface="+mn-ea"/>
+                <a:cs typeface="+mn-cs"/>
+              </a:defRPr>
+            </a:lvl3pPr>
+            <a:lvl4pPr marL="1600200" indent="-228600" algn="l" defTabSz="914400" rtl="0" eaLnBrk="1" latinLnBrk="0" hangingPunct="1">
+              <a:spcBef>
+                <a:spcPct val="20000"/>
+              </a:spcBef>
+              <a:buClr>
+                <a:srgbClr val="FF9421"/>
+              </a:buClr>
+              <a:buFont typeface="Wingdings" panose="05000000000000000000" pitchFamily="2" charset="2"/>
+              <a:buChar char="§"/>
+              <a:defRPr sz="2000" kern="1200">
+                <a:solidFill>
+                  <a:schemeClr val="tx1"/>
+                </a:solidFill>
+                <a:latin typeface="+mn-lt"/>
+                <a:ea typeface="+mn-ea"/>
+                <a:cs typeface="+mn-cs"/>
+              </a:defRPr>
+            </a:lvl4pPr>
+            <a:lvl5pPr marL="2154238" indent="-325438" algn="l" defTabSz="914400" rtl="0" eaLnBrk="1" latinLnBrk="0" hangingPunct="1">
+              <a:spcBef>
+                <a:spcPct val="20000"/>
+              </a:spcBef>
+              <a:buClr>
+                <a:srgbClr val="FF9421"/>
+              </a:buClr>
+              <a:buFont typeface="Calibri" panose="020F0502020204030204" pitchFamily="34" charset="0"/>
+              <a:buChar char="—"/>
+              <a:defRPr sz="2000" kern="1200">
+                <a:solidFill>
+                  <a:schemeClr val="tx1"/>
+                </a:solidFill>
+                <a:latin typeface="+mn-lt"/>
+                <a:ea typeface="+mn-ea"/>
+                <a:cs typeface="+mn-cs"/>
+              </a:defRPr>
+            </a:lvl5pPr>
+            <a:lvl6pPr marL="2514600" indent="-228600" algn="l" defTabSz="914400" rtl="0" eaLnBrk="1" latinLnBrk="0" hangingPunct="1">
+              <a:spcBef>
+                <a:spcPct val="20000"/>
+              </a:spcBef>
+              <a:buFont typeface="Arial" panose="020B0604020202020204" pitchFamily="34" charset="0"/>
+              <a:buChar char="•"/>
+              <a:defRPr sz="2000" kern="1200">
+                <a:solidFill>
+                  <a:schemeClr val="tx1"/>
+                </a:solidFill>
+                <a:latin typeface="+mn-lt"/>
+                <a:ea typeface="+mn-ea"/>
+                <a:cs typeface="+mn-cs"/>
+              </a:defRPr>
+            </a:lvl6pPr>
+            <a:lvl7pPr marL="2971800" indent="-228600" algn="l" defTabSz="914400" rtl="0" eaLnBrk="1" latinLnBrk="0" hangingPunct="1">
+              <a:spcBef>
+                <a:spcPct val="20000"/>
+              </a:spcBef>
+              <a:buFont typeface="Arial" panose="020B0604020202020204" pitchFamily="34" charset="0"/>
+              <a:buChar char="•"/>
+              <a:defRPr sz="2000" kern="1200">
+                <a:solidFill>
+                  <a:schemeClr val="tx1"/>
+                </a:solidFill>
+                <a:latin typeface="+mn-lt"/>
+                <a:ea typeface="+mn-ea"/>
+                <a:cs typeface="+mn-cs"/>
+              </a:defRPr>
+            </a:lvl7pPr>
+            <a:lvl8pPr marL="3429000" indent="-228600" algn="l" defTabSz="914400" rtl="0" eaLnBrk="1" latinLnBrk="0" hangingPunct="1">
+              <a:spcBef>
+                <a:spcPct val="20000"/>
+              </a:spcBef>
+              <a:buFont typeface="Arial" panose="020B0604020202020204" pitchFamily="34" charset="0"/>
+              <a:buChar char="•"/>
+              <a:defRPr sz="2000" kern="1200">
+                <a:solidFill>
+                  <a:schemeClr val="tx1"/>
+                </a:solidFill>
+                <a:latin typeface="+mn-lt"/>
+                <a:ea typeface="+mn-ea"/>
+                <a:cs typeface="+mn-cs"/>
+              </a:defRPr>
+            </a:lvl8pPr>
+            <a:lvl9pPr marL="3886200" indent="-228600" algn="l" defTabSz="914400" rtl="0" eaLnBrk="1" latinLnBrk="0" hangingPunct="1">
+              <a:spcBef>
+                <a:spcPct val="20000"/>
+              </a:spcBef>
+              <a:buFont typeface="Arial" panose="020B0604020202020204" pitchFamily="34" charset="0"/>
+              <a:buChar char="•"/>
+              <a:defRPr sz="2000" kern="1200">
+                <a:solidFill>
+                  <a:schemeClr val="tx1"/>
+                </a:solidFill>
+                <a:latin typeface="+mn-lt"/>
+                <a:ea typeface="+mn-ea"/>
+                <a:cs typeface="+mn-cs"/>
+              </a:defRPr>
+            </a:lvl9pPr>
+          </a:lstStyle>
+          <a:p>
+            <a:pPr marL="0" indent="0">
+              <a:buNone/>
+            </a:pPr>
+            <a:r>
+              <a:rPr lang="da-DK" sz="2000" dirty="0"/>
+              <a:t>MatLab</a:t>
+            </a:r>
+          </a:p>
+          <a:p>
+            <a:pPr marL="0" indent="0">
+              <a:buNone/>
+            </a:pPr>
+            <a:r>
+              <a:rPr lang="da-DK" sz="1600" dirty="0">
+                <a:latin typeface="APL385 Unicode" panose="020B0709000202000203" pitchFamily="49" charset="0"/>
+              </a:rPr>
+              <a:t>    X </a:t>
+            </a:r>
+            <a:r>
+              <a:rPr lang="es-ES" sz="1600" dirty="0">
+                <a:latin typeface="APL385 Unicode" panose="020B0709000202000203" pitchFamily="49" charset="0"/>
+              </a:rPr>
+              <a:t>= [1,0,3]</a:t>
+            </a:r>
+            <a:br>
+              <a:rPr lang="es-ES" sz="1600" dirty="0">
+                <a:latin typeface="APL385 Unicode" panose="020B0709000202000203" pitchFamily="49" charset="0"/>
+              </a:rPr>
+            </a:br>
+            <a:r>
+              <a:rPr lang="es-ES" sz="1600" dirty="0">
+                <a:latin typeface="APL385 Unicode" panose="020B0709000202000203" pitchFamily="49" charset="0"/>
+              </a:rPr>
+              <a:t>    Y = [10,1,2]</a:t>
+            </a:r>
+            <a:br>
+              <a:rPr lang="es-ES" sz="1600" dirty="0">
+                <a:latin typeface="APL385 Unicode" panose="020B0709000202000203" pitchFamily="49" charset="0"/>
+              </a:rPr>
+            </a:br>
+            <a:br>
+              <a:rPr lang="es-ES" sz="1400" dirty="0">
+                <a:latin typeface="APL385 Unicode" panose="020B0709000202000203" pitchFamily="49" charset="0"/>
+              </a:rPr>
+            </a:br>
+            <a:r>
+              <a:rPr lang="es-ES" sz="1600" dirty="0">
+                <a:latin typeface="APL385 Unicode" panose="020B0709000202000203" pitchFamily="49" charset="0"/>
+              </a:rPr>
+              <a:t>    X * 10</a:t>
+            </a:r>
+            <a:br>
+              <a:rPr lang="es-ES" sz="1600" dirty="0">
+                <a:latin typeface="APL385 Unicode" panose="020B0709000202000203" pitchFamily="49" charset="0"/>
+              </a:rPr>
+            </a:br>
+            <a:r>
+              <a:rPr lang="es-ES" sz="1600" dirty="0">
+                <a:latin typeface="APL385 Unicode" panose="020B0709000202000203" pitchFamily="49" charset="0"/>
+              </a:rPr>
+              <a:t>10 0 30</a:t>
+            </a:r>
+          </a:p>
+          <a:p>
+            <a:pPr marL="0" indent="0">
+              <a:buNone/>
+            </a:pPr>
+            <a:r>
+              <a:rPr lang="es-ES" sz="1600" dirty="0">
+                <a:latin typeface="APL385 Unicode" panose="020B0709000202000203" pitchFamily="49" charset="0"/>
+              </a:rPr>
+              <a:t>    X * Y</a:t>
+            </a:r>
+            <a:br>
+              <a:rPr lang="es-ES" sz="1600" dirty="0">
+                <a:latin typeface="APL385 Unicode" panose="020B0709000202000203" pitchFamily="49" charset="0"/>
+              </a:rPr>
+            </a:br>
+            <a:r>
+              <a:rPr lang="es-ES" sz="1600" dirty="0">
+                <a:latin typeface="APL385 Unicode" panose="020B0709000202000203" pitchFamily="49" charset="0"/>
+              </a:rPr>
+              <a:t>[error]</a:t>
+            </a:r>
+          </a:p>
+          <a:p>
+            <a:pPr marL="0" indent="0">
+              <a:buNone/>
+            </a:pPr>
+            <a:r>
+              <a:rPr lang="es-ES" sz="1600" dirty="0">
+                <a:latin typeface="APL385 Unicode" panose="020B0709000202000203" pitchFamily="49" charset="0"/>
+              </a:rPr>
+              <a:t>    X .* Y</a:t>
+            </a:r>
+            <a:br>
+              <a:rPr lang="es-ES" sz="1600" dirty="0">
+                <a:latin typeface="APL385 Unicode" panose="020B0709000202000203" pitchFamily="49" charset="0"/>
+              </a:rPr>
+            </a:br>
+            <a:r>
+              <a:rPr lang="es-ES" sz="1600" dirty="0">
+                <a:latin typeface="APL385 Unicode" panose="020B0709000202000203" pitchFamily="49" charset="0"/>
+              </a:rPr>
+              <a:t>10 0 6</a:t>
+            </a:r>
+          </a:p>
+          <a:p>
+            <a:pPr marL="0" indent="0">
+              <a:buNone/>
+            </a:pPr>
+            <a:r>
+              <a:rPr lang="es-ES" sz="1600" dirty="0">
+                <a:latin typeface="APL385 Unicode" panose="020B0709000202000203" pitchFamily="49" charset="0"/>
+              </a:rPr>
+              <a:t>    X * Y'</a:t>
+            </a:r>
+            <a:br>
+              <a:rPr lang="es-ES" sz="1600" dirty="0">
+                <a:latin typeface="APL385 Unicode" panose="020B0709000202000203" pitchFamily="49" charset="0"/>
+              </a:rPr>
+            </a:br>
+            <a:r>
+              <a:rPr lang="es-ES" sz="1600" dirty="0">
+                <a:latin typeface="APL385 Unicode" panose="020B0709000202000203" pitchFamily="49" charset="0"/>
+              </a:rPr>
+              <a:t>16</a:t>
+            </a:r>
+            <a:endParaRPr lang="da-DK" sz="1600" dirty="0">
+              <a:latin typeface="APL385 Unicode" panose="020B0709000202000203" pitchFamily="49" charset="0"/>
+            </a:endParaRPr>
+          </a:p>
+        </p:txBody>
+      </p:sp>
+      <p:sp>
+        <p:nvSpPr>
+          <p:cNvPr id="7" name="Text Placeholder 2">
+            <a:extLst>
+              <a:ext uri="{FF2B5EF4-FFF2-40B4-BE49-F238E27FC236}">
+                <a16:creationId xmlns:a16="http://schemas.microsoft.com/office/drawing/2014/main" id="{4E4A9698-2A19-44EC-92C4-751322F19319}"/>
+              </a:ext>
+            </a:extLst>
+          </p:cNvPr>
+          <p:cNvSpPr txBox="1">
+            <a:spLocks/>
+          </p:cNvSpPr>
+          <p:nvPr/>
+        </p:nvSpPr>
+        <p:spPr>
+          <a:xfrm>
+            <a:off x="890584" y="1583315"/>
+            <a:ext cx="3681415" cy="3357853"/>
+          </a:xfrm>
+          <a:prstGeom prst="rect">
+            <a:avLst/>
+          </a:prstGeom>
+          <a:solidFill>
+            <a:schemeClr val="accent6">
+              <a:lumMod val="40000"/>
+              <a:lumOff val="60000"/>
+            </a:schemeClr>
+          </a:solidFill>
+        </p:spPr>
+        <p:txBody>
+          <a:bodyPr vert="horz" lIns="91440" tIns="45720" rIns="91440" bIns="45720" rtlCol="0">
+            <a:normAutofit/>
+          </a:bodyPr>
+          <a:lstStyle>
+            <a:lvl1pPr marL="342900" indent="-342900" algn="l" defTabSz="914400" rtl="0" eaLnBrk="1" latinLnBrk="0" hangingPunct="1">
+              <a:spcBef>
+                <a:spcPct val="20000"/>
+              </a:spcBef>
+              <a:buClr>
+                <a:srgbClr val="FF9421"/>
+              </a:buClr>
+              <a:buFont typeface="Arial" panose="020B0604020202020204" pitchFamily="34" charset="0"/>
+              <a:buChar char="•"/>
+              <a:defRPr sz="3200" kern="1200">
+                <a:solidFill>
+                  <a:schemeClr val="tx1"/>
+                </a:solidFill>
+                <a:latin typeface="+mn-lt"/>
+                <a:ea typeface="+mn-ea"/>
+                <a:cs typeface="+mn-cs"/>
+              </a:defRPr>
+            </a:lvl1pPr>
+            <a:lvl2pPr marL="742950" indent="-285750" algn="l" defTabSz="914400" rtl="0" eaLnBrk="1" latinLnBrk="0" hangingPunct="1">
+              <a:spcBef>
+                <a:spcPct val="20000"/>
+              </a:spcBef>
+              <a:buClr>
+                <a:srgbClr val="FF9421"/>
+              </a:buClr>
+              <a:buFont typeface="Arial" panose="020B0604020202020204" pitchFamily="34" charset="0"/>
+              <a:buChar char="•"/>
+              <a:defRPr sz="2800" kern="1200">
+                <a:solidFill>
+                  <a:schemeClr val="tx1"/>
+                </a:solidFill>
+                <a:latin typeface="+mn-lt"/>
+                <a:ea typeface="+mn-ea"/>
+                <a:cs typeface="+mn-cs"/>
+              </a:defRPr>
+            </a:lvl2pPr>
+            <a:lvl3pPr marL="1143000" indent="-228600" algn="l" defTabSz="914400" rtl="0" eaLnBrk="1" latinLnBrk="0" hangingPunct="1">
+              <a:spcBef>
+                <a:spcPct val="20000"/>
+              </a:spcBef>
+              <a:buClr>
+                <a:srgbClr val="FF9421"/>
+              </a:buClr>
+              <a:buFont typeface="Courier New" panose="02070309020205020404" pitchFamily="49" charset="0"/>
+              <a:buChar char="o"/>
+              <a:defRPr sz="2400" kern="1200">
+                <a:solidFill>
+                  <a:schemeClr val="tx1"/>
+                </a:solidFill>
+                <a:latin typeface="+mn-lt"/>
+                <a:ea typeface="+mn-ea"/>
+                <a:cs typeface="+mn-cs"/>
+              </a:defRPr>
+            </a:lvl3pPr>
+            <a:lvl4pPr marL="1600200" indent="-228600" algn="l" defTabSz="914400" rtl="0" eaLnBrk="1" latinLnBrk="0" hangingPunct="1">
+              <a:spcBef>
+                <a:spcPct val="20000"/>
+              </a:spcBef>
+              <a:buClr>
+                <a:srgbClr val="FF9421"/>
+              </a:buClr>
+              <a:buFont typeface="Wingdings" panose="05000000000000000000" pitchFamily="2" charset="2"/>
+              <a:buChar char="§"/>
+              <a:defRPr sz="2000" kern="1200">
+                <a:solidFill>
+                  <a:schemeClr val="tx1"/>
+                </a:solidFill>
+                <a:latin typeface="+mn-lt"/>
+                <a:ea typeface="+mn-ea"/>
+                <a:cs typeface="+mn-cs"/>
+              </a:defRPr>
+            </a:lvl4pPr>
+            <a:lvl5pPr marL="2154238" indent="-325438" algn="l" defTabSz="914400" rtl="0" eaLnBrk="1" latinLnBrk="0" hangingPunct="1">
+              <a:spcBef>
+                <a:spcPct val="20000"/>
+              </a:spcBef>
+              <a:buClr>
+                <a:srgbClr val="FF9421"/>
+              </a:buClr>
+              <a:buFont typeface="Calibri" panose="020F0502020204030204" pitchFamily="34" charset="0"/>
+              <a:buChar char="—"/>
+              <a:defRPr sz="2000" kern="1200">
+                <a:solidFill>
+                  <a:schemeClr val="tx1"/>
+                </a:solidFill>
+                <a:latin typeface="+mn-lt"/>
+                <a:ea typeface="+mn-ea"/>
+                <a:cs typeface="+mn-cs"/>
+              </a:defRPr>
+            </a:lvl5pPr>
+            <a:lvl6pPr marL="2514600" indent="-228600" algn="l" defTabSz="914400" rtl="0" eaLnBrk="1" latinLnBrk="0" hangingPunct="1">
+              <a:spcBef>
+                <a:spcPct val="20000"/>
+              </a:spcBef>
+              <a:buFont typeface="Arial" panose="020B0604020202020204" pitchFamily="34" charset="0"/>
+              <a:buChar char="•"/>
+              <a:defRPr sz="2000" kern="1200">
+                <a:solidFill>
+                  <a:schemeClr val="tx1"/>
+                </a:solidFill>
+                <a:latin typeface="+mn-lt"/>
+                <a:ea typeface="+mn-ea"/>
+                <a:cs typeface="+mn-cs"/>
+              </a:defRPr>
+            </a:lvl6pPr>
+            <a:lvl7pPr marL="2971800" indent="-228600" algn="l" defTabSz="914400" rtl="0" eaLnBrk="1" latinLnBrk="0" hangingPunct="1">
+              <a:spcBef>
+                <a:spcPct val="20000"/>
+              </a:spcBef>
+              <a:buFont typeface="Arial" panose="020B0604020202020204" pitchFamily="34" charset="0"/>
+              <a:buChar char="•"/>
+              <a:defRPr sz="2000" kern="1200">
+                <a:solidFill>
+                  <a:schemeClr val="tx1"/>
+                </a:solidFill>
+                <a:latin typeface="+mn-lt"/>
+                <a:ea typeface="+mn-ea"/>
+                <a:cs typeface="+mn-cs"/>
+              </a:defRPr>
+            </a:lvl7pPr>
+            <a:lvl8pPr marL="3429000" indent="-228600" algn="l" defTabSz="914400" rtl="0" eaLnBrk="1" latinLnBrk="0" hangingPunct="1">
+              <a:spcBef>
+                <a:spcPct val="20000"/>
+              </a:spcBef>
+              <a:buFont typeface="Arial" panose="020B0604020202020204" pitchFamily="34" charset="0"/>
+              <a:buChar char="•"/>
+              <a:defRPr sz="2000" kern="1200">
+                <a:solidFill>
+                  <a:schemeClr val="tx1"/>
+                </a:solidFill>
+                <a:latin typeface="+mn-lt"/>
+                <a:ea typeface="+mn-ea"/>
+                <a:cs typeface="+mn-cs"/>
+              </a:defRPr>
+            </a:lvl8pPr>
+            <a:lvl9pPr marL="3886200" indent="-228600" algn="l" defTabSz="914400" rtl="0" eaLnBrk="1" latinLnBrk="0" hangingPunct="1">
+              <a:spcBef>
+                <a:spcPct val="20000"/>
+              </a:spcBef>
+              <a:buFont typeface="Arial" panose="020B0604020202020204" pitchFamily="34" charset="0"/>
+              <a:buChar char="•"/>
+              <a:defRPr sz="2000" kern="1200">
+                <a:solidFill>
+                  <a:schemeClr val="tx1"/>
+                </a:solidFill>
+                <a:latin typeface="+mn-lt"/>
+                <a:ea typeface="+mn-ea"/>
+                <a:cs typeface="+mn-cs"/>
+              </a:defRPr>
+            </a:lvl9pPr>
+          </a:lstStyle>
+          <a:p>
+            <a:pPr marL="0" indent="0">
+              <a:buNone/>
+            </a:pPr>
+            <a:r>
+              <a:rPr lang="da-DK" sz="2000" dirty="0"/>
+              <a:t>APL</a:t>
+            </a:r>
+            <a:br>
+              <a:rPr lang="da-DK" sz="1600" dirty="0">
+                <a:latin typeface="APL385 Unicode" panose="020B0709000202000203" pitchFamily="49" charset="0"/>
+              </a:rPr>
+            </a:br>
+            <a:r>
+              <a:rPr lang="da-DK" sz="1600" dirty="0">
+                <a:latin typeface="APL385 Unicode" panose="020B0709000202000203" pitchFamily="49" charset="0"/>
+              </a:rPr>
+              <a:t>    X ← 1 0 3</a:t>
+            </a:r>
+            <a:br>
+              <a:rPr lang="da-DK" sz="1600" dirty="0">
+                <a:latin typeface="APL385 Unicode" panose="020B0709000202000203" pitchFamily="49" charset="0"/>
+              </a:rPr>
+            </a:br>
+            <a:r>
+              <a:rPr lang="es-ES" sz="1600" dirty="0">
+                <a:latin typeface="APL385 Unicode" panose="020B0709000202000203" pitchFamily="49" charset="0"/>
+              </a:rPr>
+              <a:t>    Y ← 10 1 2</a:t>
+            </a:r>
+            <a:br>
+              <a:rPr lang="es-ES" sz="1600" dirty="0">
+                <a:latin typeface="APL385 Unicode" panose="020B0709000202000203" pitchFamily="49" charset="0"/>
+              </a:rPr>
+            </a:br>
+            <a:br>
+              <a:rPr lang="es-ES" sz="1600" dirty="0">
+                <a:latin typeface="APL385 Unicode" panose="020B0709000202000203" pitchFamily="49" charset="0"/>
+              </a:rPr>
+            </a:br>
+            <a:r>
+              <a:rPr lang="es-ES" sz="1600" dirty="0">
+                <a:latin typeface="APL385 Unicode" panose="020B0709000202000203" pitchFamily="49" charset="0"/>
+              </a:rPr>
+              <a:t>    X × 10</a:t>
+            </a:r>
+            <a:br>
+              <a:rPr lang="es-ES" sz="1600" dirty="0">
+                <a:latin typeface="APL385 Unicode" panose="020B0709000202000203" pitchFamily="49" charset="0"/>
+              </a:rPr>
+            </a:br>
+            <a:r>
+              <a:rPr lang="es-ES" sz="1600" dirty="0">
+                <a:latin typeface="APL385 Unicode" panose="020B0709000202000203" pitchFamily="49" charset="0"/>
+              </a:rPr>
+              <a:t>10 0 30</a:t>
+            </a:r>
+          </a:p>
+          <a:p>
+            <a:pPr marL="0" indent="0">
+              <a:buNone/>
+            </a:pPr>
+            <a:r>
+              <a:rPr lang="es-ES" sz="1600" dirty="0">
+                <a:latin typeface="APL385 Unicode" panose="020B0709000202000203" pitchFamily="49" charset="0"/>
+              </a:rPr>
+              <a:t>    X × Y</a:t>
+            </a:r>
+            <a:br>
+              <a:rPr lang="es-ES" sz="1600" dirty="0">
+                <a:latin typeface="APL385 Unicode" panose="020B0709000202000203" pitchFamily="49" charset="0"/>
+              </a:rPr>
+            </a:br>
+            <a:r>
+              <a:rPr lang="es-ES" sz="1600" dirty="0">
+                <a:latin typeface="APL385 Unicode" panose="020B0709000202000203" pitchFamily="49" charset="0"/>
+              </a:rPr>
+              <a:t>10 0 6</a:t>
+            </a:r>
+          </a:p>
+          <a:p>
+            <a:pPr marL="0" indent="0">
+              <a:buNone/>
+            </a:pPr>
+            <a:endParaRPr lang="es-ES" sz="1600" dirty="0">
+              <a:latin typeface="APL385 Unicode" panose="020B0709000202000203" pitchFamily="49" charset="0"/>
+            </a:endParaRPr>
+          </a:p>
+          <a:p>
+            <a:pPr marL="0" indent="0">
+              <a:buNone/>
+            </a:pPr>
+            <a:endParaRPr lang="es-ES" sz="1600" dirty="0">
+              <a:latin typeface="APL385 Unicode" panose="020B0709000202000203" pitchFamily="49" charset="0"/>
+            </a:endParaRPr>
+          </a:p>
+          <a:p>
+            <a:pPr marL="0" indent="0">
+              <a:buNone/>
+            </a:pPr>
+            <a:r>
+              <a:rPr lang="es-ES" sz="1600" dirty="0">
+                <a:latin typeface="APL385 Unicode" panose="020B0709000202000203" pitchFamily="49" charset="0"/>
+              </a:rPr>
+              <a:t>    X +.× Y</a:t>
+            </a:r>
+            <a:br>
+              <a:rPr lang="es-ES" sz="1600" dirty="0">
+                <a:latin typeface="APL385 Unicode" panose="020B0709000202000203" pitchFamily="49" charset="0"/>
+              </a:rPr>
+            </a:br>
+            <a:r>
+              <a:rPr lang="es-ES" sz="1600" dirty="0">
+                <a:latin typeface="APL385 Unicode" panose="020B0709000202000203" pitchFamily="49" charset="0"/>
+              </a:rPr>
+              <a:t>16</a:t>
+            </a:r>
+          </a:p>
+          <a:p>
+            <a:pPr marL="0" indent="0">
+              <a:buNone/>
+            </a:pPr>
+            <a:endParaRPr lang="es-ES" sz="1600" dirty="0">
+              <a:latin typeface="APL385 Unicode" panose="020B0709000202000203" pitchFamily="49" charset="0"/>
+            </a:endParaRPr>
+          </a:p>
+          <a:p>
+            <a:pPr marL="0" indent="0">
+              <a:buNone/>
+            </a:pPr>
+            <a:endParaRPr lang="es-ES" sz="1600" dirty="0">
+              <a:latin typeface="APL385 Unicode" panose="020B0709000202000203" pitchFamily="49" charset="0"/>
+            </a:endParaRPr>
+          </a:p>
+          <a:p>
+            <a:pPr marL="0" indent="0">
+              <a:buNone/>
+            </a:pPr>
+            <a:endParaRPr lang="es-ES" sz="1600" dirty="0">
+              <a:latin typeface="APL385 Unicode" panose="020B0709000202000203" pitchFamily="49" charset="0"/>
+            </a:endParaRPr>
+          </a:p>
+          <a:p>
+            <a:pPr marL="0" indent="0">
+              <a:buNone/>
+            </a:pPr>
+            <a:endParaRPr lang="da-DK" sz="1600" dirty="0">
+              <a:latin typeface="APL385 Unicode" panose="020B0709000202000203" pitchFamily="49" charset="0"/>
+            </a:endParaRPr>
+          </a:p>
+        </p:txBody>
+      </p:sp>
+      <p:sp>
+        <p:nvSpPr>
+          <p:cNvPr id="5" name="Text Placeholder 2">
+            <a:extLst>
+              <a:ext uri="{FF2B5EF4-FFF2-40B4-BE49-F238E27FC236}">
+                <a16:creationId xmlns:a16="http://schemas.microsoft.com/office/drawing/2014/main" id="{684481DB-92B2-41DF-9EF6-C8E06DDB1D42}"/>
+              </a:ext>
+            </a:extLst>
+          </p:cNvPr>
+          <p:cNvSpPr>
+            <a:spLocks noGrp="1"/>
+          </p:cNvSpPr>
+          <p:nvPr>
+            <p:ph type="body" sz="quarter" idx="11"/>
+          </p:nvPr>
+        </p:nvSpPr>
+        <p:spPr>
+          <a:xfrm>
+            <a:off x="744135" y="5037744"/>
+            <a:ext cx="7632849" cy="979534"/>
+          </a:xfrm>
+        </p:spPr>
+        <p:txBody>
+          <a:bodyPr>
+            <a:normAutofit fontScale="70000" lnSpcReduction="20000"/>
+          </a:bodyPr>
+          <a:lstStyle/>
+          <a:p>
+            <a:r>
+              <a:rPr lang="da-DK" dirty="0"/>
+              <a:t>In APL, × works like </a:t>
+            </a:r>
+            <a:r>
+              <a:rPr lang="da-DK" dirty="0">
+                <a:latin typeface="APL385 Unicode" panose="020B0709000202000203" pitchFamily="49" charset="0"/>
+              </a:rPr>
+              <a:t>+-÷!</a:t>
+            </a:r>
+            <a:r>
+              <a:rPr lang="da-DK" dirty="0"/>
+              <a:t> and ALL the "scalar functions"</a:t>
+            </a:r>
+          </a:p>
+          <a:p>
+            <a:r>
+              <a:rPr lang="da-DK" dirty="0"/>
+              <a:t>In MatLab, * changes meaning depending on the shape of the arguments – and in a different way from how / changes.</a:t>
+            </a:r>
+          </a:p>
+        </p:txBody>
+      </p:sp>
+    </p:spTree>
+    <p:extLst>
+      <p:ext uri="{BB962C8B-B14F-4D97-AF65-F5344CB8AC3E}">
+        <p14:creationId xmlns:p14="http://schemas.microsoft.com/office/powerpoint/2010/main" val="3219416507"/>
+      </p:ext>
+    </p:extLst>
+  </p:cSld>
+  <p:clrMapOvr>
+    <a:masterClrMapping/>
+  </p:clrMapOvr>
+</p:sld>
+</file>
+
+<file path=ppt/slides/slide15.xml><?xml version="1.0" encoding="utf-8"?>
+<p:sld xmlns:a="http://schemas.openxmlformats.org/drawingml/2006/main" xmlns:r="http://schemas.openxmlformats.org/officeDocument/2006/relationships" xmlns:p="http://schemas.openxmlformats.org/presentationml/2006/main">
+  <p:cSld>
+    <p:spTree>
+      <p:nvGrpSpPr>
+        <p:cNvPr id="1" name=""/>
+        <p:cNvGrpSpPr/>
+        <p:nvPr/>
+      </p:nvGrpSpPr>
+      <p:grpSpPr>
+        <a:xfrm>
+          <a:off x="0" y="0"/>
+          <a:ext cx="0" cy="0"/>
+          <a:chOff x="0" y="0"/>
+          <a:chExt cx="0" cy="0"/>
+        </a:xfrm>
+      </p:grpSpPr>
+      <p:sp>
+        <p:nvSpPr>
+          <p:cNvPr id="2" name="Title 1">
+            <a:extLst>
+              <a:ext uri="{FF2B5EF4-FFF2-40B4-BE49-F238E27FC236}">
+                <a16:creationId xmlns:a16="http://schemas.microsoft.com/office/drawing/2014/main" id="{ABFFF630-A9AE-413E-92A8-013B6FD76230}"/>
+              </a:ext>
+            </a:extLst>
+          </p:cNvPr>
+          <p:cNvSpPr>
+            <a:spLocks noGrp="1"/>
+          </p:cNvSpPr>
+          <p:nvPr>
+            <p:ph type="title"/>
+          </p:nvPr>
+        </p:nvSpPr>
+        <p:spPr/>
+        <p:txBody>
+          <a:bodyPr/>
+          <a:lstStyle/>
+          <a:p>
+            <a:r>
+              <a:rPr lang="da-DK" dirty="0"/>
+              <a:t>APL vs. MatLab                </a:t>
+            </a:r>
+          </a:p>
+        </p:txBody>
+      </p:sp>
+      <p:sp>
+        <p:nvSpPr>
+          <p:cNvPr id="3" name="Text Placeholder 2">
+            <a:extLst>
+              <a:ext uri="{FF2B5EF4-FFF2-40B4-BE49-F238E27FC236}">
+                <a16:creationId xmlns:a16="http://schemas.microsoft.com/office/drawing/2014/main" id="{409D7717-66F7-4135-AFD6-DD2B365D4B88}"/>
+              </a:ext>
+            </a:extLst>
+          </p:cNvPr>
+          <p:cNvSpPr>
+            <a:spLocks noGrp="1"/>
+          </p:cNvSpPr>
+          <p:nvPr>
+            <p:ph type="body" sz="quarter" idx="11"/>
+          </p:nvPr>
+        </p:nvSpPr>
+        <p:spPr/>
+        <p:txBody>
+          <a:bodyPr>
+            <a:normAutofit fontScale="70000" lnSpcReduction="20000"/>
+          </a:bodyPr>
+          <a:lstStyle/>
+          <a:p>
+            <a:r>
+              <a:rPr lang="da-DK" dirty="0"/>
+              <a:t>APL was invented between 1960-1966</a:t>
+            </a:r>
+          </a:p>
+          <a:p>
+            <a:pPr lvl="1"/>
+            <a:r>
+              <a:rPr lang="da-DK" dirty="0"/>
+              <a:t>MatLab 1965-1970</a:t>
+            </a:r>
+          </a:p>
+          <a:p>
+            <a:pPr lvl="1"/>
+            <a:r>
+              <a:rPr lang="da-DK" dirty="0"/>
+              <a:t>(both have developed a lot since then)</a:t>
+            </a:r>
+          </a:p>
+          <a:p>
+            <a:r>
+              <a:rPr lang="da-DK" dirty="0"/>
+              <a:t>APL is simple and regular</a:t>
+            </a:r>
+          </a:p>
+          <a:p>
+            <a:pPr lvl="1"/>
+            <a:r>
+              <a:rPr lang="da-DK" dirty="0"/>
+              <a:t>MatLab has retained some of the irregularities of Math.</a:t>
+            </a:r>
+          </a:p>
+          <a:p>
+            <a:r>
+              <a:rPr lang="da-DK" dirty="0"/>
+              <a:t>*In my opinion*, this makes MatLab</a:t>
+            </a:r>
+          </a:p>
+          <a:p>
+            <a:pPr lvl="1"/>
+            <a:r>
+              <a:rPr lang="da-DK" dirty="0"/>
+              <a:t>Less surprising to the beginner</a:t>
+            </a:r>
+          </a:p>
+          <a:p>
+            <a:pPr lvl="1"/>
+            <a:r>
+              <a:rPr lang="da-DK" dirty="0"/>
+              <a:t>Messy when things get complicated</a:t>
+            </a:r>
+          </a:p>
+          <a:p>
+            <a:r>
+              <a:rPr lang="da-DK" dirty="0"/>
+              <a:t>MatLab is a good choice if there is already a module which solves your problem</a:t>
+            </a:r>
+          </a:p>
+          <a:p>
+            <a:pPr lvl="1"/>
+            <a:r>
+              <a:rPr lang="da-DK" dirty="0"/>
+              <a:t>If you have to write your own algorithms, APL may be cleaner and faster – and help you think about the problem</a:t>
+            </a:r>
+          </a:p>
+          <a:p>
+            <a:pPr lvl="1"/>
+            <a:r>
+              <a:rPr lang="da-DK" dirty="0"/>
+              <a:t>It is *much* easier to deploy solutions in APL than MatLab</a:t>
+            </a:r>
+          </a:p>
+        </p:txBody>
+      </p:sp>
+    </p:spTree>
+    <p:extLst>
+      <p:ext uri="{BB962C8B-B14F-4D97-AF65-F5344CB8AC3E}">
+        <p14:creationId xmlns:p14="http://schemas.microsoft.com/office/powerpoint/2010/main" val="4035414993"/>
+      </p:ext>
+    </p:extLst>
+  </p:cSld>
+  <p:clrMapOvr>
+    <a:masterClrMapping/>
+  </p:clrMapOvr>
+</p:sld>
+</file>
+
+<file path=ppt/slides/slide16.xml><?xml version="1.0" encoding="utf-8"?>
 <p:sld xmlns:a="http://schemas.openxmlformats.org/drawingml/2006/main" xmlns:r="http://schemas.openxmlformats.org/officeDocument/2006/relationships" xmlns:p="http://schemas.openxmlformats.org/presentationml/2006/main">
   <p:cSld>
     <p:spTree>
@@ -4714,720 +5983,6 @@
 </p:sld>
 </file>
 
-<file path=ppt/slides/slide15.xml><?xml version="1.0" encoding="utf-8"?>
-<p:sld xmlns:a="http://schemas.openxmlformats.org/drawingml/2006/main" xmlns:r="http://schemas.openxmlformats.org/officeDocument/2006/relationships" xmlns:p="http://schemas.openxmlformats.org/presentationml/2006/main">
-  <p:cSld>
-    <p:spTree>
-      <p:nvGrpSpPr>
-        <p:cNvPr id="1" name=""/>
-        <p:cNvGrpSpPr/>
-        <p:nvPr/>
-      </p:nvGrpSpPr>
-      <p:grpSpPr>
-        <a:xfrm>
-          <a:off x="0" y="0"/>
-          <a:ext cx="0" cy="0"/>
-          <a:chOff x="0" y="0"/>
-          <a:chExt cx="0" cy="0"/>
-        </a:xfrm>
-      </p:grpSpPr>
-      <p:sp>
-        <p:nvSpPr>
-          <p:cNvPr id="3" name="Title 2"/>
-          <p:cNvSpPr>
-            <a:spLocks noGrp="1"/>
-          </p:cNvSpPr>
-          <p:nvPr>
-            <p:ph type="title"/>
-          </p:nvPr>
-        </p:nvSpPr>
-        <p:spPr/>
-        <p:txBody>
-          <a:bodyPr/>
-          <a:lstStyle/>
-          <a:p>
-            <a:r>
-              <a:rPr lang="en-US" dirty="0"/>
-              <a:t>Reading APL</a:t>
-            </a:r>
-          </a:p>
-        </p:txBody>
-      </p:sp>
-      <p:sp>
-        <p:nvSpPr>
-          <p:cNvPr id="4" name="Text Placeholder 3"/>
-          <p:cNvSpPr>
-            <a:spLocks noGrp="1"/>
-          </p:cNvSpPr>
-          <p:nvPr>
-            <p:ph type="body" sz="quarter" idx="11"/>
-          </p:nvPr>
-        </p:nvSpPr>
-        <p:spPr/>
-        <p:txBody>
-          <a:bodyPr/>
-          <a:lstStyle/>
-          <a:p>
-            <a:pPr marL="0" indent="0">
-              <a:buNone/>
-            </a:pPr>
-            <a:r>
-              <a:rPr lang="da-DK" sz="2400" dirty="0"/>
-              <a:t>What does this function do?</a:t>
-            </a:r>
-          </a:p>
-          <a:p>
-            <a:pPr marL="0" indent="0">
-              <a:buNone/>
-            </a:pPr>
-            <a:endParaRPr lang="en-GB" sz="2400" dirty="0"/>
-          </a:p>
-          <a:p>
-            <a:pPr marL="0" indent="0">
-              <a:buNone/>
-            </a:pPr>
-            <a:r>
-              <a:rPr lang="en-GB" sz="2400" dirty="0">
-                <a:latin typeface="APL385 Unicode" panose="020B0709000202000203" pitchFamily="49" charset="0"/>
-              </a:rPr>
-              <a:t>	{(~R∊R∘.×R)/R←1↓⍳⍵}</a:t>
-            </a:r>
-          </a:p>
-          <a:p>
-            <a:pPr marL="0" indent="0">
-              <a:buNone/>
-            </a:pPr>
-            <a:endParaRPr lang="da-DK" sz="1600" dirty="0"/>
-          </a:p>
-          <a:p>
-            <a:pPr marL="0" indent="0">
-              <a:buNone/>
-            </a:pPr>
-            <a:r>
-              <a:rPr lang="da-DK" sz="2400" dirty="0"/>
-              <a:t>Or:</a:t>
-            </a:r>
-            <a:endParaRPr lang="en-GB" sz="2400" dirty="0"/>
-          </a:p>
-          <a:p>
-            <a:pPr marL="0" indent="0">
-              <a:buNone/>
-            </a:pPr>
-            <a:r>
-              <a:rPr lang="en-GB" sz="2400" dirty="0">
-                <a:latin typeface="APL385 Unicode" panose="020B0709000202000203" pitchFamily="49" charset="0"/>
-              </a:rPr>
-              <a:t>	{{(~⍵∊⍵∘.×⍵)/⍵}1↓⍳⍵}</a:t>
-            </a:r>
-          </a:p>
-        </p:txBody>
-      </p:sp>
-    </p:spTree>
-    <p:extLst>
-      <p:ext uri="{BB962C8B-B14F-4D97-AF65-F5344CB8AC3E}">
-        <p14:creationId xmlns:p14="http://schemas.microsoft.com/office/powerpoint/2010/main" val="440400977"/>
-      </p:ext>
-    </p:extLst>
-  </p:cSld>
-  <p:clrMapOvr>
-    <a:masterClrMapping/>
-  </p:clrMapOvr>
-</p:sld>
-</file>
-
-<file path=ppt/slides/slide16.xml><?xml version="1.0" encoding="utf-8"?>
-<p:sld xmlns:a="http://schemas.openxmlformats.org/drawingml/2006/main" xmlns:r="http://schemas.openxmlformats.org/officeDocument/2006/relationships" xmlns:p="http://schemas.openxmlformats.org/presentationml/2006/main">
-  <p:cSld>
-    <p:spTree>
-      <p:nvGrpSpPr>
-        <p:cNvPr id="1" name=""/>
-        <p:cNvGrpSpPr/>
-        <p:nvPr/>
-      </p:nvGrpSpPr>
-      <p:grpSpPr>
-        <a:xfrm>
-          <a:off x="0" y="0"/>
-          <a:ext cx="0" cy="0"/>
-          <a:chOff x="0" y="0"/>
-          <a:chExt cx="0" cy="0"/>
-        </a:xfrm>
-      </p:grpSpPr>
-      <p:sp>
-        <p:nvSpPr>
-          <p:cNvPr id="3" name="Title 2"/>
-          <p:cNvSpPr>
-            <a:spLocks noGrp="1"/>
-          </p:cNvSpPr>
-          <p:nvPr>
-            <p:ph type="title"/>
-          </p:nvPr>
-        </p:nvSpPr>
-        <p:spPr/>
-        <p:txBody>
-          <a:bodyPr/>
-          <a:lstStyle/>
-          <a:p>
-            <a:r>
-              <a:rPr lang="da-DK" dirty="0"/>
-              <a:t>Procedures / Tradfns</a:t>
-            </a:r>
-            <a:endParaRPr lang="en-GB" dirty="0"/>
-          </a:p>
-        </p:txBody>
-      </p:sp>
-      <p:sp>
-        <p:nvSpPr>
-          <p:cNvPr id="4" name="Text Placeholder 3"/>
-          <p:cNvSpPr>
-            <a:spLocks noGrp="1"/>
-          </p:cNvSpPr>
-          <p:nvPr>
-            <p:ph type="body" sz="quarter" idx="11"/>
-          </p:nvPr>
-        </p:nvSpPr>
-        <p:spPr>
-          <a:xfrm>
-            <a:off x="827583" y="1628800"/>
-            <a:ext cx="7632849" cy="1872803"/>
-          </a:xfrm>
-        </p:spPr>
-        <p:txBody>
-          <a:bodyPr>
-            <a:normAutofit/>
-          </a:bodyPr>
-          <a:lstStyle/>
-          <a:p>
-            <a:pPr marL="0" indent="0">
-              <a:buNone/>
-            </a:pPr>
-            <a:r>
-              <a:rPr lang="da-DK" sz="1800" b="1" dirty="0"/>
-              <a:t>Monadic:</a:t>
-            </a:r>
-          </a:p>
-          <a:p>
-            <a:pPr marL="0" indent="0">
-              <a:buNone/>
-            </a:pPr>
-            <a:r>
-              <a:rPr lang="da-DK" sz="1800" dirty="0">
-                <a:latin typeface="APL385 Unicode" panose="020B0709000202000203" pitchFamily="49" charset="0"/>
-              </a:rPr>
-              <a:t>     ∇ R←Sum X                      </a:t>
-            </a:r>
-          </a:p>
-          <a:p>
-            <a:pPr marL="0" indent="0">
-              <a:buNone/>
-            </a:pPr>
-            <a:r>
-              <a:rPr lang="da-DK" sz="1800" dirty="0">
-                <a:latin typeface="APL385 Unicode" panose="020B0709000202000203" pitchFamily="49" charset="0"/>
-              </a:rPr>
-              <a:t>[1]    R←+/X                            </a:t>
-            </a:r>
-          </a:p>
-          <a:p>
-            <a:pPr marL="0" indent="0">
-              <a:buNone/>
-            </a:pPr>
-            <a:r>
-              <a:rPr lang="da-DK" sz="1800" dirty="0">
-                <a:latin typeface="APL385 Unicode" panose="020B0709000202000203" pitchFamily="49" charset="0"/>
-              </a:rPr>
-              <a:t>     ∇  </a:t>
-            </a:r>
-            <a:endParaRPr lang="en-GB" sz="1800" dirty="0">
-              <a:latin typeface="APL385 Unicode" panose="020B0709000202000203" pitchFamily="49" charset="0"/>
-            </a:endParaRPr>
-          </a:p>
-        </p:txBody>
-      </p:sp>
-      <p:sp>
-        <p:nvSpPr>
-          <p:cNvPr id="5" name="Text Placeholder 3"/>
-          <p:cNvSpPr txBox="1">
-            <a:spLocks/>
-          </p:cNvSpPr>
-          <p:nvPr/>
-        </p:nvSpPr>
-        <p:spPr>
-          <a:xfrm>
-            <a:off x="835882" y="3284985"/>
-            <a:ext cx="7632849" cy="1512168"/>
-          </a:xfrm>
-          <a:prstGeom prst="rect">
-            <a:avLst/>
-          </a:prstGeom>
-        </p:spPr>
-        <p:txBody>
-          <a:bodyPr/>
-          <a:lstStyle>
-            <a:lvl1pPr marL="342900" indent="-342900" algn="l" rtl="0" eaLnBrk="1" fontAlgn="base" hangingPunct="1">
-              <a:spcBef>
-                <a:spcPct val="20000"/>
-              </a:spcBef>
-              <a:spcAft>
-                <a:spcPct val="0"/>
-              </a:spcAft>
-              <a:buClr>
-                <a:srgbClr val="FF8000"/>
-              </a:buClr>
-              <a:buChar char="•"/>
-              <a:defRPr sz="3200">
-                <a:solidFill>
-                  <a:srgbClr val="333333"/>
-                </a:solidFill>
-                <a:latin typeface="+mn-lt"/>
-                <a:ea typeface="+mn-ea"/>
-                <a:cs typeface="+mn-cs"/>
-              </a:defRPr>
-            </a:lvl1pPr>
-            <a:lvl2pPr marL="742950" indent="-285750" algn="l" rtl="0" eaLnBrk="1" fontAlgn="base" hangingPunct="1">
-              <a:spcBef>
-                <a:spcPct val="20000"/>
-              </a:spcBef>
-              <a:spcAft>
-                <a:spcPct val="0"/>
-              </a:spcAft>
-              <a:buClr>
-                <a:srgbClr val="FF8000"/>
-              </a:buClr>
-              <a:buChar char="–"/>
-              <a:defRPr sz="2800">
-                <a:solidFill>
-                  <a:srgbClr val="333333"/>
-                </a:solidFill>
-                <a:latin typeface="+mn-lt"/>
-              </a:defRPr>
-            </a:lvl2pPr>
-            <a:lvl3pPr marL="1143000" indent="-228600" algn="l" rtl="0" eaLnBrk="1" fontAlgn="base" hangingPunct="1">
-              <a:spcBef>
-                <a:spcPct val="20000"/>
-              </a:spcBef>
-              <a:spcAft>
-                <a:spcPct val="0"/>
-              </a:spcAft>
-              <a:buClr>
-                <a:srgbClr val="FF8000"/>
-              </a:buClr>
-              <a:buChar char="•"/>
-              <a:defRPr sz="2400">
-                <a:solidFill>
-                  <a:srgbClr val="333333"/>
-                </a:solidFill>
-                <a:latin typeface="+mn-lt"/>
-              </a:defRPr>
-            </a:lvl3pPr>
-            <a:lvl4pPr marL="1600200" indent="-228600" algn="l" rtl="0" eaLnBrk="1" fontAlgn="base" hangingPunct="1">
-              <a:spcBef>
-                <a:spcPct val="20000"/>
-              </a:spcBef>
-              <a:spcAft>
-                <a:spcPct val="0"/>
-              </a:spcAft>
-              <a:buClr>
-                <a:srgbClr val="FF8000"/>
-              </a:buClr>
-              <a:buChar char="–"/>
-              <a:defRPr sz="2000">
-                <a:solidFill>
-                  <a:srgbClr val="333333"/>
-                </a:solidFill>
-                <a:latin typeface="+mn-lt"/>
-              </a:defRPr>
-            </a:lvl4pPr>
-            <a:lvl5pPr marL="2057400" indent="-228600" algn="l" rtl="0" eaLnBrk="1" fontAlgn="base" hangingPunct="1">
-              <a:spcBef>
-                <a:spcPct val="20000"/>
-              </a:spcBef>
-              <a:spcAft>
-                <a:spcPct val="0"/>
-              </a:spcAft>
-              <a:buClr>
-                <a:srgbClr val="FF8000"/>
-              </a:buClr>
-              <a:buChar char="»"/>
-              <a:defRPr sz="2000">
-                <a:solidFill>
-                  <a:srgbClr val="333333"/>
-                </a:solidFill>
-                <a:latin typeface="+mn-lt"/>
-              </a:defRPr>
-            </a:lvl5pPr>
-            <a:lvl6pPr marL="2514600" indent="-228600" algn="l" rtl="0" eaLnBrk="1" fontAlgn="base" hangingPunct="1">
-              <a:spcBef>
-                <a:spcPct val="20000"/>
-              </a:spcBef>
-              <a:spcAft>
-                <a:spcPct val="0"/>
-              </a:spcAft>
-              <a:buClr>
-                <a:srgbClr val="FF8000"/>
-              </a:buClr>
-              <a:buChar char="»"/>
-              <a:defRPr sz="2000">
-                <a:solidFill>
-                  <a:srgbClr val="333333"/>
-                </a:solidFill>
-                <a:latin typeface="+mn-lt"/>
-              </a:defRPr>
-            </a:lvl6pPr>
-            <a:lvl7pPr marL="2971800" indent="-228600" algn="l" rtl="0" eaLnBrk="1" fontAlgn="base" hangingPunct="1">
-              <a:spcBef>
-                <a:spcPct val="20000"/>
-              </a:spcBef>
-              <a:spcAft>
-                <a:spcPct val="0"/>
-              </a:spcAft>
-              <a:buClr>
-                <a:srgbClr val="FF8000"/>
-              </a:buClr>
-              <a:buChar char="»"/>
-              <a:defRPr sz="2000">
-                <a:solidFill>
-                  <a:srgbClr val="333333"/>
-                </a:solidFill>
-                <a:latin typeface="+mn-lt"/>
-              </a:defRPr>
-            </a:lvl7pPr>
-            <a:lvl8pPr marL="3429000" indent="-228600" algn="l" rtl="0" eaLnBrk="1" fontAlgn="base" hangingPunct="1">
-              <a:spcBef>
-                <a:spcPct val="20000"/>
-              </a:spcBef>
-              <a:spcAft>
-                <a:spcPct val="0"/>
-              </a:spcAft>
-              <a:buClr>
-                <a:srgbClr val="FF8000"/>
-              </a:buClr>
-              <a:buChar char="»"/>
-              <a:defRPr sz="2000">
-                <a:solidFill>
-                  <a:srgbClr val="333333"/>
-                </a:solidFill>
-                <a:latin typeface="+mn-lt"/>
-              </a:defRPr>
-            </a:lvl8pPr>
-            <a:lvl9pPr marL="3886200" indent="-228600" algn="l" rtl="0" eaLnBrk="1" fontAlgn="base" hangingPunct="1">
-              <a:spcBef>
-                <a:spcPct val="20000"/>
-              </a:spcBef>
-              <a:spcAft>
-                <a:spcPct val="0"/>
-              </a:spcAft>
-              <a:buClr>
-                <a:srgbClr val="FF8000"/>
-              </a:buClr>
-              <a:buChar char="»"/>
-              <a:defRPr sz="2000">
-                <a:solidFill>
-                  <a:srgbClr val="333333"/>
-                </a:solidFill>
-                <a:latin typeface="+mn-lt"/>
-              </a:defRPr>
-            </a:lvl9pPr>
-          </a:lstStyle>
-          <a:p>
-            <a:pPr marL="0" indent="0">
-              <a:buFontTx/>
-              <a:buNone/>
-            </a:pPr>
-            <a:r>
-              <a:rPr lang="da-DK" sz="1800" b="1" kern="0" dirty="0"/>
-              <a:t>Dyadic:</a:t>
-            </a:r>
-          </a:p>
-          <a:p>
-            <a:pPr marL="0" indent="0">
-              <a:buFontTx/>
-              <a:buNone/>
-            </a:pPr>
-            <a:r>
-              <a:rPr lang="da-DK" sz="1800" kern="0" dirty="0">
-                <a:latin typeface="APL385 Unicode" panose="020B0709000202000203" pitchFamily="49" charset="0"/>
-              </a:rPr>
-              <a:t>     ∇ R←A MatMult B                      </a:t>
-            </a:r>
-          </a:p>
-          <a:p>
-            <a:pPr marL="0" indent="0">
-              <a:buFontTx/>
-              <a:buNone/>
-            </a:pPr>
-            <a:r>
-              <a:rPr lang="da-DK" sz="1800" kern="0" dirty="0">
-                <a:latin typeface="APL385 Unicode" panose="020B0709000202000203" pitchFamily="49" charset="0"/>
-              </a:rPr>
-              <a:t>[1]    R←A+.×B                            </a:t>
-            </a:r>
-          </a:p>
-          <a:p>
-            <a:pPr marL="0" indent="0">
-              <a:buFontTx/>
-              <a:buNone/>
-            </a:pPr>
-            <a:r>
-              <a:rPr lang="da-DK" sz="1800" kern="0" dirty="0">
-                <a:latin typeface="APL385 Unicode" panose="020B0709000202000203" pitchFamily="49" charset="0"/>
-              </a:rPr>
-              <a:t>     ∇  </a:t>
-            </a:r>
-            <a:endParaRPr lang="en-GB" sz="1800" kern="0" dirty="0">
-              <a:latin typeface="APL385 Unicode" panose="020B0709000202000203" pitchFamily="49" charset="0"/>
-            </a:endParaRPr>
-          </a:p>
-        </p:txBody>
-      </p:sp>
-      <p:sp>
-        <p:nvSpPr>
-          <p:cNvPr id="6" name="Text Placeholder 3"/>
-          <p:cNvSpPr txBox="1">
-            <a:spLocks/>
-          </p:cNvSpPr>
-          <p:nvPr/>
-        </p:nvSpPr>
-        <p:spPr>
-          <a:xfrm>
-            <a:off x="835882" y="4850881"/>
-            <a:ext cx="7632849" cy="1512168"/>
-          </a:xfrm>
-          <a:prstGeom prst="rect">
-            <a:avLst/>
-          </a:prstGeom>
-        </p:spPr>
-        <p:txBody>
-          <a:bodyPr/>
-          <a:lstStyle>
-            <a:lvl1pPr marL="342900" indent="-342900" algn="l" rtl="0" eaLnBrk="1" fontAlgn="base" hangingPunct="1">
-              <a:spcBef>
-                <a:spcPct val="20000"/>
-              </a:spcBef>
-              <a:spcAft>
-                <a:spcPct val="0"/>
-              </a:spcAft>
-              <a:buClr>
-                <a:srgbClr val="FF8000"/>
-              </a:buClr>
-              <a:buChar char="•"/>
-              <a:defRPr sz="3200">
-                <a:solidFill>
-                  <a:srgbClr val="333333"/>
-                </a:solidFill>
-                <a:latin typeface="+mn-lt"/>
-                <a:ea typeface="+mn-ea"/>
-                <a:cs typeface="+mn-cs"/>
-              </a:defRPr>
-            </a:lvl1pPr>
-            <a:lvl2pPr marL="742950" indent="-285750" algn="l" rtl="0" eaLnBrk="1" fontAlgn="base" hangingPunct="1">
-              <a:spcBef>
-                <a:spcPct val="20000"/>
-              </a:spcBef>
-              <a:spcAft>
-                <a:spcPct val="0"/>
-              </a:spcAft>
-              <a:buClr>
-                <a:srgbClr val="FF8000"/>
-              </a:buClr>
-              <a:buChar char="–"/>
-              <a:defRPr sz="2800">
-                <a:solidFill>
-                  <a:srgbClr val="333333"/>
-                </a:solidFill>
-                <a:latin typeface="+mn-lt"/>
-              </a:defRPr>
-            </a:lvl2pPr>
-            <a:lvl3pPr marL="1143000" indent="-228600" algn="l" rtl="0" eaLnBrk="1" fontAlgn="base" hangingPunct="1">
-              <a:spcBef>
-                <a:spcPct val="20000"/>
-              </a:spcBef>
-              <a:spcAft>
-                <a:spcPct val="0"/>
-              </a:spcAft>
-              <a:buClr>
-                <a:srgbClr val="FF8000"/>
-              </a:buClr>
-              <a:buChar char="•"/>
-              <a:defRPr sz="2400">
-                <a:solidFill>
-                  <a:srgbClr val="333333"/>
-                </a:solidFill>
-                <a:latin typeface="+mn-lt"/>
-              </a:defRPr>
-            </a:lvl3pPr>
-            <a:lvl4pPr marL="1600200" indent="-228600" algn="l" rtl="0" eaLnBrk="1" fontAlgn="base" hangingPunct="1">
-              <a:spcBef>
-                <a:spcPct val="20000"/>
-              </a:spcBef>
-              <a:spcAft>
-                <a:spcPct val="0"/>
-              </a:spcAft>
-              <a:buClr>
-                <a:srgbClr val="FF8000"/>
-              </a:buClr>
-              <a:buChar char="–"/>
-              <a:defRPr sz="2000">
-                <a:solidFill>
-                  <a:srgbClr val="333333"/>
-                </a:solidFill>
-                <a:latin typeface="+mn-lt"/>
-              </a:defRPr>
-            </a:lvl4pPr>
-            <a:lvl5pPr marL="2057400" indent="-228600" algn="l" rtl="0" eaLnBrk="1" fontAlgn="base" hangingPunct="1">
-              <a:spcBef>
-                <a:spcPct val="20000"/>
-              </a:spcBef>
-              <a:spcAft>
-                <a:spcPct val="0"/>
-              </a:spcAft>
-              <a:buClr>
-                <a:srgbClr val="FF8000"/>
-              </a:buClr>
-              <a:buChar char="»"/>
-              <a:defRPr sz="2000">
-                <a:solidFill>
-                  <a:srgbClr val="333333"/>
-                </a:solidFill>
-                <a:latin typeface="+mn-lt"/>
-              </a:defRPr>
-            </a:lvl5pPr>
-            <a:lvl6pPr marL="2514600" indent="-228600" algn="l" rtl="0" eaLnBrk="1" fontAlgn="base" hangingPunct="1">
-              <a:spcBef>
-                <a:spcPct val="20000"/>
-              </a:spcBef>
-              <a:spcAft>
-                <a:spcPct val="0"/>
-              </a:spcAft>
-              <a:buClr>
-                <a:srgbClr val="FF8000"/>
-              </a:buClr>
-              <a:buChar char="»"/>
-              <a:defRPr sz="2000">
-                <a:solidFill>
-                  <a:srgbClr val="333333"/>
-                </a:solidFill>
-                <a:latin typeface="+mn-lt"/>
-              </a:defRPr>
-            </a:lvl6pPr>
-            <a:lvl7pPr marL="2971800" indent="-228600" algn="l" rtl="0" eaLnBrk="1" fontAlgn="base" hangingPunct="1">
-              <a:spcBef>
-                <a:spcPct val="20000"/>
-              </a:spcBef>
-              <a:spcAft>
-                <a:spcPct val="0"/>
-              </a:spcAft>
-              <a:buClr>
-                <a:srgbClr val="FF8000"/>
-              </a:buClr>
-              <a:buChar char="»"/>
-              <a:defRPr sz="2000">
-                <a:solidFill>
-                  <a:srgbClr val="333333"/>
-                </a:solidFill>
-                <a:latin typeface="+mn-lt"/>
-              </a:defRPr>
-            </a:lvl7pPr>
-            <a:lvl8pPr marL="3429000" indent="-228600" algn="l" rtl="0" eaLnBrk="1" fontAlgn="base" hangingPunct="1">
-              <a:spcBef>
-                <a:spcPct val="20000"/>
-              </a:spcBef>
-              <a:spcAft>
-                <a:spcPct val="0"/>
-              </a:spcAft>
-              <a:buClr>
-                <a:srgbClr val="FF8000"/>
-              </a:buClr>
-              <a:buChar char="»"/>
-              <a:defRPr sz="2000">
-                <a:solidFill>
-                  <a:srgbClr val="333333"/>
-                </a:solidFill>
-                <a:latin typeface="+mn-lt"/>
-              </a:defRPr>
-            </a:lvl8pPr>
-            <a:lvl9pPr marL="3886200" indent="-228600" algn="l" rtl="0" eaLnBrk="1" fontAlgn="base" hangingPunct="1">
-              <a:spcBef>
-                <a:spcPct val="20000"/>
-              </a:spcBef>
-              <a:spcAft>
-                <a:spcPct val="0"/>
-              </a:spcAft>
-              <a:buClr>
-                <a:srgbClr val="FF8000"/>
-              </a:buClr>
-              <a:buChar char="»"/>
-              <a:defRPr sz="2000">
-                <a:solidFill>
-                  <a:srgbClr val="333333"/>
-                </a:solidFill>
-                <a:latin typeface="+mn-lt"/>
-              </a:defRPr>
-            </a:lvl9pPr>
-          </a:lstStyle>
-          <a:p>
-            <a:pPr marL="0" indent="0">
-              <a:buFontTx/>
-              <a:buNone/>
-            </a:pPr>
-            <a:r>
-              <a:rPr lang="da-DK" sz="1800" b="1" kern="0" dirty="0"/>
-              <a:t>Niladic:</a:t>
-            </a:r>
-          </a:p>
-          <a:p>
-            <a:pPr marL="0" indent="0">
-              <a:buFontTx/>
-              <a:buNone/>
-            </a:pPr>
-            <a:r>
-              <a:rPr lang="da-DK" sz="1800" kern="0" dirty="0">
-                <a:latin typeface="APL385 Unicode" panose="020B0709000202000203" pitchFamily="49" charset="0"/>
-              </a:rPr>
-              <a:t>     ∇ Run                      </a:t>
-            </a:r>
-          </a:p>
-          <a:p>
-            <a:pPr marL="0" indent="0">
-              <a:buFontTx/>
-              <a:buNone/>
-            </a:pPr>
-            <a:r>
-              <a:rPr lang="da-DK" sz="1800" kern="0" dirty="0">
-                <a:latin typeface="APL385 Unicode" panose="020B0709000202000203" pitchFamily="49" charset="0"/>
-              </a:rPr>
-              <a:t>[1]    ⎕←'Boo Hiss!'                            </a:t>
-            </a:r>
-          </a:p>
-          <a:p>
-            <a:pPr marL="0" indent="0">
-              <a:buFontTx/>
-              <a:buNone/>
-            </a:pPr>
-            <a:r>
-              <a:rPr lang="da-DK" sz="1800" kern="0" dirty="0">
-                <a:latin typeface="APL385 Unicode" panose="020B0709000202000203" pitchFamily="49" charset="0"/>
-              </a:rPr>
-              <a:t>     ∇  </a:t>
-            </a:r>
-            <a:endParaRPr lang="en-GB" sz="1800" kern="0" dirty="0">
-              <a:latin typeface="APL385 Unicode" panose="020B0709000202000203" pitchFamily="49" charset="0"/>
-            </a:endParaRPr>
-          </a:p>
-        </p:txBody>
-      </p:sp>
-    </p:spTree>
-    <p:extLst>
-      <p:ext uri="{BB962C8B-B14F-4D97-AF65-F5344CB8AC3E}">
-        <p14:creationId xmlns:p14="http://schemas.microsoft.com/office/powerpoint/2010/main" val="3668411570"/>
-      </p:ext>
-    </p:extLst>
-  </p:cSld>
-  <p:clrMapOvr>
-    <a:masterClrMapping/>
-  </p:clrMapOvr>
-</p:sld>
-</file>
-
 <file path=ppt/slides/slide17.xml><?xml version="1.0" encoding="utf-8"?>
 <p:sld xmlns:a="http://schemas.openxmlformats.org/drawingml/2006/main" xmlns:r="http://schemas.openxmlformats.org/officeDocument/2006/relationships" xmlns:p="http://schemas.openxmlformats.org/presentationml/2006/main">
   <p:cSld>
@@ -5461,10 +6016,9 @@
           <a:lstStyle/>
           <a:p>
             <a:r>
-              <a:rPr lang="da-DK" dirty="0"/>
-              <a:t>Procedures / Tradfns</a:t>
-            </a:r>
-            <a:endParaRPr lang="en-GB" dirty="0"/>
+              <a:rPr lang="en-US" dirty="0"/>
+              <a:t>Reading APL</a:t>
+            </a:r>
           </a:p>
         </p:txBody>
       </p:sp>
@@ -5478,95 +6032,48 @@
             <p:ph type="body" sz="quarter" idx="11"/>
           </p:nvPr>
         </p:nvSpPr>
-        <p:spPr>
-          <a:xfrm>
-            <a:off x="827583" y="1628800"/>
-            <a:ext cx="7632849" cy="1872803"/>
-          </a:xfrm>
-        </p:spPr>
+        <p:spPr/>
         <p:txBody>
-          <a:bodyPr>
-            <a:normAutofit fontScale="85000" lnSpcReduction="20000"/>
-          </a:bodyPr>
+          <a:bodyPr/>
           <a:lstStyle/>
           <a:p>
             <a:pPr marL="0" indent="0">
               <a:buNone/>
             </a:pPr>
             <a:r>
-              <a:rPr lang="da-DK" sz="2000" b="1" dirty="0"/>
-              <a:t>”Ambi-valent” (+ use a control structure)</a:t>
+              <a:rPr lang="da-DK" sz="2400" dirty="0"/>
+              <a:t>What does this function do?</a:t>
             </a:r>
           </a:p>
           <a:p>
             <a:pPr marL="0" indent="0">
               <a:buNone/>
             </a:pPr>
-            <a:br>
-              <a:rPr lang="da-DK" sz="2000" dirty="0">
-                <a:latin typeface="APL385 Unicode" panose="020B0709000202000203" pitchFamily="49" charset="0"/>
-              </a:rPr>
-            </a:br>
-            <a:r>
-              <a:rPr lang="da-DK" sz="2000" dirty="0">
-                <a:latin typeface="APL385 Unicode" panose="020B0709000202000203" pitchFamily="49" charset="0"/>
-              </a:rPr>
-              <a:t>     ∇ R←{Window} Sum X                      </a:t>
-            </a:r>
+            <a:endParaRPr lang="en-GB" sz="2400" dirty="0"/>
           </a:p>
           <a:p>
             <a:pPr marL="0" indent="0">
               <a:buNone/>
             </a:pPr>
             <a:r>
-              <a:rPr lang="da-DK" sz="2000" dirty="0">
+              <a:rPr lang="en-GB" sz="2800" b="1" dirty="0">
                 <a:latin typeface="APL385 Unicode" panose="020B0709000202000203" pitchFamily="49" charset="0"/>
               </a:rPr>
-              <a:t>[1]    :If 0=⎕NC 'Window' ⋄ R←+/X</a:t>
-            </a:r>
-            <a:br>
-              <a:rPr lang="da-DK" sz="2000" dirty="0">
-                <a:latin typeface="APL385 Unicode" panose="020B0709000202000203" pitchFamily="49" charset="0"/>
-              </a:rPr>
-            </a:br>
-            <a:r>
-              <a:rPr lang="da-DK" sz="2000" dirty="0">
-                <a:latin typeface="APL385 Unicode" panose="020B0709000202000203" pitchFamily="49" charset="0"/>
-              </a:rPr>
-              <a:t>[2]    :Else ⋄ R←Window +/ X</a:t>
+              <a:t>	{(~R∊R∘.×R)/R←1↓⍳⍵}</a:t>
             </a:r>
           </a:p>
           <a:p>
             <a:pPr marL="0" indent="0">
               <a:buNone/>
             </a:pPr>
-            <a:r>
-              <a:rPr lang="da-DK" sz="2000" dirty="0">
-                <a:latin typeface="APL385 Unicode" panose="020B0709000202000203" pitchFamily="49" charset="0"/>
-              </a:rPr>
-              <a:t>[3]    :EndIf                            </a:t>
-            </a:r>
-          </a:p>
-          <a:p>
-            <a:pPr marL="0" indent="0">
-              <a:buNone/>
-            </a:pPr>
-            <a:r>
-              <a:rPr lang="da-DK" sz="2000" dirty="0">
-                <a:latin typeface="APL385 Unicode" panose="020B0709000202000203" pitchFamily="49" charset="0"/>
-              </a:rPr>
-              <a:t>     ∇  </a:t>
-            </a:r>
-            <a:endParaRPr lang="en-GB" sz="2000" dirty="0">
-              <a:latin typeface="APL385 Unicode" panose="020B0709000202000203" pitchFamily="49" charset="0"/>
-            </a:endParaRPr>
+            <a:endParaRPr lang="da-DK" sz="1600" dirty="0"/>
           </a:p>
         </p:txBody>
       </p:sp>
     </p:spTree>
     <p:extLst>
       <p:ext uri="{BB962C8B-B14F-4D97-AF65-F5344CB8AC3E}">
-        <p14:creationId xmlns:p14="http://schemas.microsoft.com/office/powerpoint/2010/main" val="116970750"/>
+        <p14:creationId xmlns:p14="http://schemas.microsoft.com/office/powerpoint/2010/main" val="440400977"/>
       </p:ext>
     </p:extLst>
   </p:cSld>
@@ -5595,7 +6102,13 @@
       </p:grpSpPr>
       <p:sp>
         <p:nvSpPr>
-          <p:cNvPr id="3" name="Title 2"/>
+          <p:cNvPr id="2" name="Title 1">
+            <a:extLst>
+              <a:ext uri="{FF2B5EF4-FFF2-40B4-BE49-F238E27FC236}">
+                <a16:creationId xmlns:a16="http://schemas.microsoft.com/office/drawing/2014/main" id="{67EDB8A1-F3F0-4B6C-B59B-DA5AB6C69B1C}"/>
+              </a:ext>
+            </a:extLst>
+          </p:cNvPr>
           <p:cNvSpPr>
             <a:spLocks noGrp="1"/>
           </p:cNvSpPr>
@@ -5610,15 +6123,20 @@
           <a:p>
             <a:r>
               <a:rPr lang="da-DK" dirty="0"/>
-              <a:t>Procedures / Tradfns</a:t>
-            </a:r>
-            <a:endParaRPr lang="en-GB" dirty="0"/>
+              <a:t>Multi-Line dfns</a:t>
+            </a:r>
           </a:p>
         </p:txBody>
       </p:sp>
       <p:sp>
         <p:nvSpPr>
-          <p:cNvPr id="6" name="Text Placeholder 5"/>
+          <p:cNvPr id="3" name="Text Placeholder 2">
+            <a:extLst>
+              <a:ext uri="{FF2B5EF4-FFF2-40B4-BE49-F238E27FC236}">
+                <a16:creationId xmlns:a16="http://schemas.microsoft.com/office/drawing/2014/main" id="{ADB1B823-4FEC-4A28-9CA6-E49B5FD6C9EC}"/>
+              </a:ext>
+            </a:extLst>
+          </p:cNvPr>
           <p:cNvSpPr>
             <a:spLocks noGrp="1"/>
           </p:cNvSpPr>
@@ -5626,136 +6144,122 @@
             <p:ph type="body" sz="quarter" idx="11"/>
           </p:nvPr>
         </p:nvSpPr>
-        <p:spPr>
-          <a:xfrm>
-            <a:off x="827584" y="1592329"/>
-            <a:ext cx="7632849" cy="4321075"/>
-          </a:xfrm>
-        </p:spPr>
+        <p:spPr/>
         <p:txBody>
-          <a:bodyPr/>
+          <a:bodyPr>
+            <a:normAutofit fontScale="85000" lnSpcReduction="20000"/>
+          </a:bodyPr>
           <a:lstStyle/>
-          <a:p>
-            <a:pPr marL="0" indent="0">
-              <a:buFontTx/>
-              <a:buNone/>
-            </a:pPr>
-            <a:r>
-              <a:rPr lang="da-DK" sz="1800" b="1" dirty="0"/>
-              <a:t>Name Elements of Right Argument</a:t>
-            </a:r>
-          </a:p>
-          <a:p>
-            <a:pPr marL="0" indent="0">
-              <a:buFontTx/>
-              <a:buNone/>
-            </a:pPr>
-            <a:r>
-              <a:rPr lang="da-DK" sz="1800" b="1" dirty="0"/>
-              <a:t>   + Local Variable</a:t>
-            </a:r>
-          </a:p>
-          <a:p>
-            <a:pPr marL="0" indent="0">
-              <a:buFontTx/>
-              <a:buNone/>
-            </a:pPr>
-            <a:r>
-              <a:rPr lang="da-DK" sz="1800" b="1" dirty="0"/>
-              <a:t>   + Class / DotNet declarations</a:t>
-            </a:r>
-            <a:br>
-              <a:rPr lang="da-DK" sz="1800" b="1" dirty="0"/>
-            </a:br>
-            <a:endParaRPr lang="da-DK" sz="1800" b="1" dirty="0"/>
-          </a:p>
-          <a:p>
-            <a:pPr marL="0" indent="0">
-              <a:buFontTx/>
-              <a:buNone/>
-            </a:pPr>
-            <a:r>
-              <a:rPr lang="da-DK" sz="1800" dirty="0">
-                <a:latin typeface="APL385 Unicode" panose="020B0709000202000203" pitchFamily="49" charset="0"/>
-              </a:rPr>
-              <a:t>    ∇ r←Round(n decimals);base</a:t>
-            </a:r>
-          </a:p>
-          <a:p>
-            <a:pPr marL="0" indent="0">
-              <a:buFontTx/>
-              <a:buNone/>
-            </a:pPr>
-            <a:r>
-              <a:rPr lang="da-DK" sz="1800" dirty="0">
-                <a:latin typeface="APL385 Unicode" panose="020B0709000202000203" pitchFamily="49" charset="0"/>
-              </a:rPr>
-              <a:t>[1]   :Access Public Shared</a:t>
-            </a:r>
-          </a:p>
-          <a:p>
-            <a:pPr marL="0" indent="0">
-              <a:buFontTx/>
-              <a:buNone/>
-            </a:pPr>
-            <a:r>
-              <a:rPr lang="da-DK" sz="1800" dirty="0">
-                <a:latin typeface="APL385 Unicode" panose="020B0709000202000203" pitchFamily="49" charset="0"/>
-              </a:rPr>
-              <a:t>[2]   :Signature Double←Round Double N, Int32 Decimals</a:t>
-            </a:r>
-          </a:p>
-          <a:p>
-            <a:pPr marL="0" indent="0">
-              <a:buFontTx/>
-              <a:buNone/>
-            </a:pPr>
-            <a:r>
-              <a:rPr lang="da-DK" sz="1800" dirty="0">
-                <a:latin typeface="APL385 Unicode" panose="020B0709000202000203" pitchFamily="49" charset="0"/>
-              </a:rPr>
-              <a:t>[3]   base←10*decimals</a:t>
-            </a:r>
-          </a:p>
-          <a:p>
-            <a:pPr marL="0" indent="0">
-              <a:buFontTx/>
-              <a:buNone/>
-            </a:pPr>
-            <a:r>
-              <a:rPr lang="da-DK" sz="1800" dirty="0">
-                <a:latin typeface="APL385 Unicode" panose="020B0709000202000203" pitchFamily="49" charset="0"/>
-              </a:rPr>
-              <a:t>[4]   r←(⌊0.5+n×base)÷base</a:t>
-            </a:r>
-          </a:p>
-          <a:p>
-            <a:pPr marL="0" indent="0">
-              <a:buFontTx/>
-              <a:buNone/>
-            </a:pPr>
-            <a:r>
-              <a:rPr lang="da-DK" sz="1800" dirty="0">
-                <a:latin typeface="APL385 Unicode" panose="020B0709000202000203" pitchFamily="49" charset="0"/>
-              </a:rPr>
-              <a:t>    ∇</a:t>
-            </a:r>
-            <a:endParaRPr lang="en-GB" sz="1800" dirty="0">
-              <a:latin typeface="APL385 Unicode" panose="020B0709000202000203" pitchFamily="49" charset="0"/>
-            </a:endParaRPr>
-          </a:p>
           <a:p>
             <a:pPr marL="0" indent="0">
               <a:buNone/>
             </a:pPr>
-            <a:endParaRPr lang="en-GB" sz="1800" dirty="0"/>
+            <a:r>
+              <a:rPr lang="da-DK" dirty="0">
+                <a:latin typeface="APL385 Unicode" panose="020B0709000202000203" pitchFamily="49" charset="0"/>
+              </a:rPr>
+              <a:t>      )ed sign ⍝ to start the editor</a:t>
+            </a:r>
+          </a:p>
+          <a:p>
+            <a:pPr marL="0" indent="0">
+              <a:buNone/>
+            </a:pPr>
+            <a:endParaRPr lang="da-DK" dirty="0">
+              <a:latin typeface="APL385 Unicode" panose="020B0709000202000203" pitchFamily="49" charset="0"/>
+            </a:endParaRPr>
+          </a:p>
+          <a:p>
+            <a:pPr marL="0" indent="0">
+              <a:buNone/>
+            </a:pPr>
+            <a:r>
+              <a:rPr lang="da-DK" dirty="0">
+                <a:latin typeface="APL385 Unicode" panose="020B0709000202000203" pitchFamily="49" charset="0"/>
+              </a:rPr>
+              <a:t>      sign←{</a:t>
+            </a:r>
+          </a:p>
+          <a:p>
+            <a:pPr marL="0" indent="0">
+              <a:buNone/>
+            </a:pPr>
+            <a:r>
+              <a:rPr lang="da-DK" dirty="0">
+                <a:latin typeface="APL385 Unicode" panose="020B0709000202000203" pitchFamily="49" charset="0"/>
+              </a:rPr>
+              <a:t>        ⍵&lt;0:'negative'</a:t>
+            </a:r>
+          </a:p>
+          <a:p>
+            <a:pPr marL="0" indent="0">
+              <a:buNone/>
+            </a:pPr>
+            <a:r>
+              <a:rPr lang="da-DK" dirty="0">
+                <a:latin typeface="APL385 Unicode" panose="020B0709000202000203" pitchFamily="49" charset="0"/>
+              </a:rPr>
+              <a:t>        ⍵&gt;0:'positive'</a:t>
+            </a:r>
+          </a:p>
+          <a:p>
+            <a:pPr marL="0" indent="0">
+              <a:buNone/>
+            </a:pPr>
+            <a:r>
+              <a:rPr lang="da-DK" dirty="0">
+                <a:latin typeface="APL385 Unicode" panose="020B0709000202000203" pitchFamily="49" charset="0"/>
+              </a:rPr>
+              <a:t>        'zero'</a:t>
+            </a:r>
+          </a:p>
+          <a:p>
+            <a:pPr marL="0" indent="0">
+              <a:buNone/>
+            </a:pPr>
+            <a:r>
+              <a:rPr lang="da-DK" dirty="0">
+                <a:latin typeface="APL385 Unicode" panose="020B0709000202000203" pitchFamily="49" charset="0"/>
+              </a:rPr>
+              <a:t>      }</a:t>
+            </a:r>
+            <a:br>
+              <a:rPr lang="da-DK" dirty="0">
+                <a:latin typeface="APL385 Unicode" panose="020B0709000202000203" pitchFamily="49" charset="0"/>
+              </a:rPr>
+            </a:br>
+            <a:endParaRPr lang="da-DK" dirty="0">
+              <a:latin typeface="APL385 Unicode" panose="020B0709000202000203" pitchFamily="49" charset="0"/>
+            </a:endParaRPr>
+          </a:p>
+          <a:p>
+            <a:pPr marL="0" indent="0">
+              <a:buNone/>
+            </a:pPr>
+            <a:r>
+              <a:rPr lang="da-DK" dirty="0">
+                <a:latin typeface="APL385 Unicode" panose="020B0709000202000203" pitchFamily="49" charset="0"/>
+              </a:rPr>
+              <a:t>      sign 1</a:t>
+            </a:r>
+            <a:br>
+              <a:rPr lang="da-DK" dirty="0">
+                <a:latin typeface="APL385 Unicode" panose="020B0709000202000203" pitchFamily="49" charset="0"/>
+              </a:rPr>
+            </a:br>
+            <a:r>
+              <a:rPr lang="da-DK" dirty="0">
+                <a:latin typeface="APL385 Unicode" panose="020B0709000202000203" pitchFamily="49" charset="0"/>
+              </a:rPr>
+              <a:t>positive</a:t>
+            </a:r>
           </a:p>
         </p:txBody>
       </p:sp>
     </p:spTree>
     <p:extLst>
       <p:ext uri="{BB962C8B-B14F-4D97-AF65-F5344CB8AC3E}">
-        <p14:creationId xmlns:p14="http://schemas.microsoft.com/office/powerpoint/2010/main" val="3045991241"/>
+        <p14:creationId xmlns:p14="http://schemas.microsoft.com/office/powerpoint/2010/main" val="575390184"/>
       </p:ext>
     </p:extLst>
   </p:cSld>
@@ -5799,7 +6303,7 @@
           <a:p>
             <a:r>
               <a:rPr lang="da-DK" dirty="0"/>
-              <a:t>Errors</a:t>
+              <a:t>Procedures / Tradfns</a:t>
             </a:r>
             <a:endParaRPr lang="en-GB" dirty="0"/>
           </a:p>
@@ -5815,52 +6319,24 @@
             <p:ph type="body" sz="quarter" idx="11"/>
           </p:nvPr>
         </p:nvSpPr>
-        <p:spPr/>
+        <p:spPr>
+          <a:xfrm>
+            <a:off x="827583" y="1628800"/>
+            <a:ext cx="7632849" cy="1872803"/>
+          </a:xfrm>
+        </p:spPr>
         <p:txBody>
-          <a:bodyPr/>
+          <a:bodyPr>
+            <a:normAutofit/>
+          </a:bodyPr>
           <a:lstStyle/>
           <a:p>
             <a:pPr marL="0" indent="0">
               <a:buNone/>
             </a:pPr>
             <a:r>
-              <a:rPr lang="en-GB" sz="1800" dirty="0">
-                <a:latin typeface="APL385 Unicode" panose="020B0709000202000203" pitchFamily="49" charset="0"/>
-              </a:rPr>
-              <a:t>      1 2 3÷4 5</a:t>
-            </a:r>
-            <a:br>
-              <a:rPr lang="en-GB" sz="1800" dirty="0">
-                <a:latin typeface="APL385 Unicode" panose="020B0709000202000203" pitchFamily="49" charset="0"/>
-              </a:rPr>
-            </a:br>
-            <a:r>
-              <a:rPr lang="en-GB" sz="1800" dirty="0">
-                <a:latin typeface="APL385 Unicode" panose="020B0709000202000203" pitchFamily="49" charset="0"/>
-              </a:rPr>
-              <a:t>LENGTH ERROR</a:t>
-            </a:r>
-            <a:br>
-              <a:rPr lang="en-GB" sz="1800" dirty="0">
-                <a:latin typeface="APL385 Unicode" panose="020B0709000202000203" pitchFamily="49" charset="0"/>
-              </a:rPr>
-            </a:br>
-            <a:r>
-              <a:rPr lang="en-GB" sz="1800" dirty="0">
-                <a:latin typeface="APL385 Unicode" panose="020B0709000202000203" pitchFamily="49" charset="0"/>
-              </a:rPr>
-              <a:t>      1 2 3÷4 5</a:t>
-            </a:r>
-            <a:br>
-              <a:rPr lang="en-GB" sz="1800" dirty="0">
-                <a:latin typeface="APL385 Unicode" panose="020B0709000202000203" pitchFamily="49" charset="0"/>
-              </a:rPr>
-            </a:br>
-            <a:r>
-              <a:rPr lang="en-GB" sz="1800" dirty="0">
-                <a:latin typeface="APL385 Unicode" panose="020B0709000202000203" pitchFamily="49" charset="0"/>
-              </a:rPr>
-              <a:t>           ∧</a:t>
+              <a:rPr lang="da-DK" sz="1800" b="1" dirty="0"/>
+              <a:t>Monadic:</a:t>
             </a:r>
           </a:p>
           <a:p>
@@ -5868,21 +6344,10 @@
               <a:buNone/>
             </a:pPr>
             <a:r>
-              <a:rPr lang="en-GB" sz="1800" dirty="0">
+              <a:rPr lang="da-DK" sz="1800" dirty="0">
                 <a:latin typeface="APL385 Unicode" panose="020B0709000202000203" pitchFamily="49" charset="0"/>
               </a:rPr>
-              <a:t>      ⎕EN </a:t>
-            </a:r>
-            <a:br>
-              <a:rPr lang="en-GB" sz="1800" dirty="0">
-                <a:latin typeface="APL385 Unicode" panose="020B0709000202000203" pitchFamily="49" charset="0"/>
-              </a:rPr>
-            </a:br>
-            <a:r>
-              <a:rPr lang="en-GB" sz="1800" dirty="0">
-                <a:latin typeface="APL385 Unicode" panose="020B0709000202000203" pitchFamily="49" charset="0"/>
-              </a:rPr>
-              <a:t>5</a:t>
+              <a:t>     ∇ R←Sum X                      </a:t>
             </a:r>
           </a:p>
           <a:p>
@@ -5890,43 +6355,10 @@
               <a:buNone/>
             </a:pPr>
             <a:r>
-              <a:rPr lang="en-GB" sz="1800" dirty="0">
+              <a:rPr lang="da-DK" sz="1800" dirty="0">
                 <a:latin typeface="APL385 Unicode" panose="020B0709000202000203" pitchFamily="49" charset="0"/>
               </a:rPr>
-              <a:t>      1÷0</a:t>
-            </a:r>
-            <a:br>
-              <a:rPr lang="en-GB" sz="1800" dirty="0">
-                <a:latin typeface="APL385 Unicode" panose="020B0709000202000203" pitchFamily="49" charset="0"/>
-              </a:rPr>
-            </a:br>
-            <a:r>
-              <a:rPr lang="en-GB" sz="1800" dirty="0">
-                <a:latin typeface="APL385 Unicode" panose="020B0709000202000203" pitchFamily="49" charset="0"/>
-              </a:rPr>
-              <a:t>DOMAIN ERROR: Divide by zero</a:t>
-            </a:r>
-            <a:br>
-              <a:rPr lang="en-GB" sz="1800" dirty="0">
-                <a:latin typeface="APL385 Unicode" panose="020B0709000202000203" pitchFamily="49" charset="0"/>
-              </a:rPr>
-            </a:br>
-            <a:r>
-              <a:rPr lang="en-GB" sz="1800" dirty="0">
-                <a:latin typeface="APL385 Unicode" panose="020B0709000202000203" pitchFamily="49" charset="0"/>
-              </a:rPr>
-              <a:t>      1÷0</a:t>
-            </a:r>
-            <a:br>
-              <a:rPr lang="en-GB" sz="1800" dirty="0">
-                <a:latin typeface="APL385 Unicode" panose="020B0709000202000203" pitchFamily="49" charset="0"/>
-              </a:rPr>
-            </a:br>
-            <a:r>
-              <a:rPr lang="en-GB" sz="1800" dirty="0">
-                <a:latin typeface="APL385 Unicode" panose="020B0709000202000203" pitchFamily="49" charset="0"/>
-              </a:rPr>
-              <a:t>       ∧</a:t>
+              <a:t>[1]    R←+/X                            </a:t>
             </a:r>
           </a:p>
           <a:p>
@@ -5934,57 +6366,493 @@
               <a:buNone/>
             </a:pPr>
             <a:r>
-              <a:rPr lang="en-GB" sz="1800" dirty="0">
+              <a:rPr lang="da-DK" sz="1800" dirty="0">
                 <a:latin typeface="APL385 Unicode" panose="020B0709000202000203" pitchFamily="49" charset="0"/>
               </a:rPr>
-              <a:t>      ⎕EN (⎕EM 11)</a:t>
-            </a:r>
-          </a:p>
+              <a:t>     ∇  </a:t>
+            </a:r>
+            <a:endParaRPr lang="en-GB" sz="1800" dirty="0">
+              <a:latin typeface="APL385 Unicode" panose="020B0709000202000203" pitchFamily="49" charset="0"/>
+            </a:endParaRPr>
+          </a:p>
+        </p:txBody>
+      </p:sp>
+      <p:sp>
+        <p:nvSpPr>
+          <p:cNvPr id="5" name="Text Placeholder 3"/>
+          <p:cNvSpPr txBox="1">
+            <a:spLocks/>
+          </p:cNvSpPr>
+          <p:nvPr/>
+        </p:nvSpPr>
+        <p:spPr>
+          <a:xfrm>
+            <a:off x="835882" y="3284985"/>
+            <a:ext cx="7632849" cy="1512168"/>
+          </a:xfrm>
+          <a:prstGeom prst="rect">
+            <a:avLst/>
+          </a:prstGeom>
+        </p:spPr>
+        <p:txBody>
+          <a:bodyPr/>
+          <a:lstStyle>
+            <a:lvl1pPr marL="342900" indent="-342900" algn="l" rtl="0" eaLnBrk="1" fontAlgn="base" hangingPunct="1">
+              <a:spcBef>
+                <a:spcPct val="20000"/>
+              </a:spcBef>
+              <a:spcAft>
+                <a:spcPct val="0"/>
+              </a:spcAft>
+              <a:buClr>
+                <a:srgbClr val="FF8000"/>
+              </a:buClr>
+              <a:buChar char="•"/>
+              <a:defRPr sz="3200">
+                <a:solidFill>
+                  <a:srgbClr val="333333"/>
+                </a:solidFill>
+                <a:latin typeface="+mn-lt"/>
+                <a:ea typeface="+mn-ea"/>
+                <a:cs typeface="+mn-cs"/>
+              </a:defRPr>
+            </a:lvl1pPr>
+            <a:lvl2pPr marL="742950" indent="-285750" algn="l" rtl="0" eaLnBrk="1" fontAlgn="base" hangingPunct="1">
+              <a:spcBef>
+                <a:spcPct val="20000"/>
+              </a:spcBef>
+              <a:spcAft>
+                <a:spcPct val="0"/>
+              </a:spcAft>
+              <a:buClr>
+                <a:srgbClr val="FF8000"/>
+              </a:buClr>
+              <a:buChar char="–"/>
+              <a:defRPr sz="2800">
+                <a:solidFill>
+                  <a:srgbClr val="333333"/>
+                </a:solidFill>
+                <a:latin typeface="+mn-lt"/>
+              </a:defRPr>
+            </a:lvl2pPr>
+            <a:lvl3pPr marL="1143000" indent="-228600" algn="l" rtl="0" eaLnBrk="1" fontAlgn="base" hangingPunct="1">
+              <a:spcBef>
+                <a:spcPct val="20000"/>
+              </a:spcBef>
+              <a:spcAft>
+                <a:spcPct val="0"/>
+              </a:spcAft>
+              <a:buClr>
+                <a:srgbClr val="FF8000"/>
+              </a:buClr>
+              <a:buChar char="•"/>
+              <a:defRPr sz="2400">
+                <a:solidFill>
+                  <a:srgbClr val="333333"/>
+                </a:solidFill>
+                <a:latin typeface="+mn-lt"/>
+              </a:defRPr>
+            </a:lvl3pPr>
+            <a:lvl4pPr marL="1600200" indent="-228600" algn="l" rtl="0" eaLnBrk="1" fontAlgn="base" hangingPunct="1">
+              <a:spcBef>
+                <a:spcPct val="20000"/>
+              </a:spcBef>
+              <a:spcAft>
+                <a:spcPct val="0"/>
+              </a:spcAft>
+              <a:buClr>
+                <a:srgbClr val="FF8000"/>
+              </a:buClr>
+              <a:buChar char="–"/>
+              <a:defRPr sz="2000">
+                <a:solidFill>
+                  <a:srgbClr val="333333"/>
+                </a:solidFill>
+                <a:latin typeface="+mn-lt"/>
+              </a:defRPr>
+            </a:lvl4pPr>
+            <a:lvl5pPr marL="2057400" indent="-228600" algn="l" rtl="0" eaLnBrk="1" fontAlgn="base" hangingPunct="1">
+              <a:spcBef>
+                <a:spcPct val="20000"/>
+              </a:spcBef>
+              <a:spcAft>
+                <a:spcPct val="0"/>
+              </a:spcAft>
+              <a:buClr>
+                <a:srgbClr val="FF8000"/>
+              </a:buClr>
+              <a:buChar char="»"/>
+              <a:defRPr sz="2000">
+                <a:solidFill>
+                  <a:srgbClr val="333333"/>
+                </a:solidFill>
+                <a:latin typeface="+mn-lt"/>
+              </a:defRPr>
+            </a:lvl5pPr>
+            <a:lvl6pPr marL="2514600" indent="-228600" algn="l" rtl="0" eaLnBrk="1" fontAlgn="base" hangingPunct="1">
+              <a:spcBef>
+                <a:spcPct val="20000"/>
+              </a:spcBef>
+              <a:spcAft>
+                <a:spcPct val="0"/>
+              </a:spcAft>
+              <a:buClr>
+                <a:srgbClr val="FF8000"/>
+              </a:buClr>
+              <a:buChar char="»"/>
+              <a:defRPr sz="2000">
+                <a:solidFill>
+                  <a:srgbClr val="333333"/>
+                </a:solidFill>
+                <a:latin typeface="+mn-lt"/>
+              </a:defRPr>
+            </a:lvl6pPr>
+            <a:lvl7pPr marL="2971800" indent="-228600" algn="l" rtl="0" eaLnBrk="1" fontAlgn="base" hangingPunct="1">
+              <a:spcBef>
+                <a:spcPct val="20000"/>
+              </a:spcBef>
+              <a:spcAft>
+                <a:spcPct val="0"/>
+              </a:spcAft>
+              <a:buClr>
+                <a:srgbClr val="FF8000"/>
+              </a:buClr>
+              <a:buChar char="»"/>
+              <a:defRPr sz="2000">
+                <a:solidFill>
+                  <a:srgbClr val="333333"/>
+                </a:solidFill>
+                <a:latin typeface="+mn-lt"/>
+              </a:defRPr>
+            </a:lvl7pPr>
+            <a:lvl8pPr marL="3429000" indent="-228600" algn="l" rtl="0" eaLnBrk="1" fontAlgn="base" hangingPunct="1">
+              <a:spcBef>
+                <a:spcPct val="20000"/>
+              </a:spcBef>
+              <a:spcAft>
+                <a:spcPct val="0"/>
+              </a:spcAft>
+              <a:buClr>
+                <a:srgbClr val="FF8000"/>
+              </a:buClr>
+              <a:buChar char="»"/>
+              <a:defRPr sz="2000">
+                <a:solidFill>
+                  <a:srgbClr val="333333"/>
+                </a:solidFill>
+                <a:latin typeface="+mn-lt"/>
+              </a:defRPr>
+            </a:lvl8pPr>
+            <a:lvl9pPr marL="3886200" indent="-228600" algn="l" rtl="0" eaLnBrk="1" fontAlgn="base" hangingPunct="1">
+              <a:spcBef>
+                <a:spcPct val="20000"/>
+              </a:spcBef>
+              <a:spcAft>
+                <a:spcPct val="0"/>
+              </a:spcAft>
+              <a:buClr>
+                <a:srgbClr val="FF8000"/>
+              </a:buClr>
+              <a:buChar char="»"/>
+              <a:defRPr sz="2000">
+                <a:solidFill>
+                  <a:srgbClr val="333333"/>
+                </a:solidFill>
+                <a:latin typeface="+mn-lt"/>
+              </a:defRPr>
+            </a:lvl9pPr>
+          </a:lstStyle>
           <a:p>
             <a:pPr marL="0" indent="0">
+              <a:buFontTx/>
               <a:buNone/>
             </a:pPr>
             <a:r>
-              <a:rPr lang="en-GB" sz="1800" dirty="0">
-                <a:latin typeface="APL385 Unicode" panose="020B0709000202000203" pitchFamily="49" charset="0"/>
-              </a:rPr>
-              <a:t> 11  DOMAIN ERROR</a:t>
+              <a:rPr lang="da-DK" sz="1800" b="1" kern="0" dirty="0"/>
+              <a:t>Dyadic:</a:t>
             </a:r>
           </a:p>
           <a:p>
             <a:pPr marL="0" indent="0">
+              <a:buFontTx/>
               <a:buNone/>
             </a:pPr>
             <a:r>
-              <a:rPr lang="en-GB" sz="1800" dirty="0">
+              <a:rPr lang="da-DK" sz="1800" kern="0" dirty="0">
                 <a:latin typeface="APL385 Unicode" panose="020B0709000202000203" pitchFamily="49" charset="0"/>
               </a:rPr>
-              <a:t>      ⎕</a:t>
-            </a:r>
-            <a:r>
-              <a:rPr lang="en-GB" sz="1800" dirty="0" err="1">
+              <a:t>     ∇ R←A MatMult B                      </a:t>
+            </a:r>
+          </a:p>
+          <a:p>
+            <a:pPr marL="0" indent="0">
+              <a:buFontTx/>
+              <a:buNone/>
+            </a:pPr>
+            <a:r>
+              <a:rPr lang="da-DK" sz="1800" kern="0" dirty="0">
                 <a:latin typeface="APL385 Unicode" panose="020B0709000202000203" pitchFamily="49" charset="0"/>
               </a:rPr>
-              <a:t>DMX.Message</a:t>
-            </a:r>
-            <a:br>
-              <a:rPr lang="en-GB" sz="1800" dirty="0">
+              <a:t>[1]    R←A+.×B                            </a:t>
+            </a:r>
+          </a:p>
+          <a:p>
+            <a:pPr marL="0" indent="0">
+              <a:buFontTx/>
+              <a:buNone/>
+            </a:pPr>
+            <a:r>
+              <a:rPr lang="da-DK" sz="1800" kern="0" dirty="0">
                 <a:latin typeface="APL385 Unicode" panose="020B0709000202000203" pitchFamily="49" charset="0"/>
               </a:rPr>
-            </a:br>
-            <a:r>
-              <a:rPr lang="en-GB" sz="1800" dirty="0">
+              <a:t>     ∇  </a:t>
+            </a:r>
+            <a:endParaRPr lang="en-GB" sz="1800" kern="0" dirty="0">
+              <a:latin typeface="APL385 Unicode" panose="020B0709000202000203" pitchFamily="49" charset="0"/>
+            </a:endParaRPr>
+          </a:p>
+        </p:txBody>
+      </p:sp>
+      <p:sp>
+        <p:nvSpPr>
+          <p:cNvPr id="6" name="Text Placeholder 3"/>
+          <p:cNvSpPr txBox="1">
+            <a:spLocks/>
+          </p:cNvSpPr>
+          <p:nvPr/>
+        </p:nvSpPr>
+        <p:spPr>
+          <a:xfrm>
+            <a:off x="835882" y="4850881"/>
+            <a:ext cx="7632849" cy="1512168"/>
+          </a:xfrm>
+          <a:prstGeom prst="rect">
+            <a:avLst/>
+          </a:prstGeom>
+        </p:spPr>
+        <p:txBody>
+          <a:bodyPr/>
+          <a:lstStyle>
+            <a:lvl1pPr marL="342900" indent="-342900" algn="l" rtl="0" eaLnBrk="1" fontAlgn="base" hangingPunct="1">
+              <a:spcBef>
+                <a:spcPct val="20000"/>
+              </a:spcBef>
+              <a:spcAft>
+                <a:spcPct val="0"/>
+              </a:spcAft>
+              <a:buClr>
+                <a:srgbClr val="FF8000"/>
+              </a:buClr>
+              <a:buChar char="•"/>
+              <a:defRPr sz="3200">
+                <a:solidFill>
+                  <a:srgbClr val="333333"/>
+                </a:solidFill>
+                <a:latin typeface="+mn-lt"/>
+                <a:ea typeface="+mn-ea"/>
+                <a:cs typeface="+mn-cs"/>
+              </a:defRPr>
+            </a:lvl1pPr>
+            <a:lvl2pPr marL="742950" indent="-285750" algn="l" rtl="0" eaLnBrk="1" fontAlgn="base" hangingPunct="1">
+              <a:spcBef>
+                <a:spcPct val="20000"/>
+              </a:spcBef>
+              <a:spcAft>
+                <a:spcPct val="0"/>
+              </a:spcAft>
+              <a:buClr>
+                <a:srgbClr val="FF8000"/>
+              </a:buClr>
+              <a:buChar char="–"/>
+              <a:defRPr sz="2800">
+                <a:solidFill>
+                  <a:srgbClr val="333333"/>
+                </a:solidFill>
+                <a:latin typeface="+mn-lt"/>
+              </a:defRPr>
+            </a:lvl2pPr>
+            <a:lvl3pPr marL="1143000" indent="-228600" algn="l" rtl="0" eaLnBrk="1" fontAlgn="base" hangingPunct="1">
+              <a:spcBef>
+                <a:spcPct val="20000"/>
+              </a:spcBef>
+              <a:spcAft>
+                <a:spcPct val="0"/>
+              </a:spcAft>
+              <a:buClr>
+                <a:srgbClr val="FF8000"/>
+              </a:buClr>
+              <a:buChar char="•"/>
+              <a:defRPr sz="2400">
+                <a:solidFill>
+                  <a:srgbClr val="333333"/>
+                </a:solidFill>
+                <a:latin typeface="+mn-lt"/>
+              </a:defRPr>
+            </a:lvl3pPr>
+            <a:lvl4pPr marL="1600200" indent="-228600" algn="l" rtl="0" eaLnBrk="1" fontAlgn="base" hangingPunct="1">
+              <a:spcBef>
+                <a:spcPct val="20000"/>
+              </a:spcBef>
+              <a:spcAft>
+                <a:spcPct val="0"/>
+              </a:spcAft>
+              <a:buClr>
+                <a:srgbClr val="FF8000"/>
+              </a:buClr>
+              <a:buChar char="–"/>
+              <a:defRPr sz="2000">
+                <a:solidFill>
+                  <a:srgbClr val="333333"/>
+                </a:solidFill>
+                <a:latin typeface="+mn-lt"/>
+              </a:defRPr>
+            </a:lvl4pPr>
+            <a:lvl5pPr marL="2057400" indent="-228600" algn="l" rtl="0" eaLnBrk="1" fontAlgn="base" hangingPunct="1">
+              <a:spcBef>
+                <a:spcPct val="20000"/>
+              </a:spcBef>
+              <a:spcAft>
+                <a:spcPct val="0"/>
+              </a:spcAft>
+              <a:buClr>
+                <a:srgbClr val="FF8000"/>
+              </a:buClr>
+              <a:buChar char="»"/>
+              <a:defRPr sz="2000">
+                <a:solidFill>
+                  <a:srgbClr val="333333"/>
+                </a:solidFill>
+                <a:latin typeface="+mn-lt"/>
+              </a:defRPr>
+            </a:lvl5pPr>
+            <a:lvl6pPr marL="2514600" indent="-228600" algn="l" rtl="0" eaLnBrk="1" fontAlgn="base" hangingPunct="1">
+              <a:spcBef>
+                <a:spcPct val="20000"/>
+              </a:spcBef>
+              <a:spcAft>
+                <a:spcPct val="0"/>
+              </a:spcAft>
+              <a:buClr>
+                <a:srgbClr val="FF8000"/>
+              </a:buClr>
+              <a:buChar char="»"/>
+              <a:defRPr sz="2000">
+                <a:solidFill>
+                  <a:srgbClr val="333333"/>
+                </a:solidFill>
+                <a:latin typeface="+mn-lt"/>
+              </a:defRPr>
+            </a:lvl6pPr>
+            <a:lvl7pPr marL="2971800" indent="-228600" algn="l" rtl="0" eaLnBrk="1" fontAlgn="base" hangingPunct="1">
+              <a:spcBef>
+                <a:spcPct val="20000"/>
+              </a:spcBef>
+              <a:spcAft>
+                <a:spcPct val="0"/>
+              </a:spcAft>
+              <a:buClr>
+                <a:srgbClr val="FF8000"/>
+              </a:buClr>
+              <a:buChar char="»"/>
+              <a:defRPr sz="2000">
+                <a:solidFill>
+                  <a:srgbClr val="333333"/>
+                </a:solidFill>
+                <a:latin typeface="+mn-lt"/>
+              </a:defRPr>
+            </a:lvl7pPr>
+            <a:lvl8pPr marL="3429000" indent="-228600" algn="l" rtl="0" eaLnBrk="1" fontAlgn="base" hangingPunct="1">
+              <a:spcBef>
+                <a:spcPct val="20000"/>
+              </a:spcBef>
+              <a:spcAft>
+                <a:spcPct val="0"/>
+              </a:spcAft>
+              <a:buClr>
+                <a:srgbClr val="FF8000"/>
+              </a:buClr>
+              <a:buChar char="»"/>
+              <a:defRPr sz="2000">
+                <a:solidFill>
+                  <a:srgbClr val="333333"/>
+                </a:solidFill>
+                <a:latin typeface="+mn-lt"/>
+              </a:defRPr>
+            </a:lvl8pPr>
+            <a:lvl9pPr marL="3886200" indent="-228600" algn="l" rtl="0" eaLnBrk="1" fontAlgn="base" hangingPunct="1">
+              <a:spcBef>
+                <a:spcPct val="20000"/>
+              </a:spcBef>
+              <a:spcAft>
+                <a:spcPct val="0"/>
+              </a:spcAft>
+              <a:buClr>
+                <a:srgbClr val="FF8000"/>
+              </a:buClr>
+              <a:buChar char="»"/>
+              <a:defRPr sz="2000">
+                <a:solidFill>
+                  <a:srgbClr val="333333"/>
+                </a:solidFill>
+                <a:latin typeface="+mn-lt"/>
+              </a:defRPr>
+            </a:lvl9pPr>
+          </a:lstStyle>
+          <a:p>
+            <a:pPr marL="0" indent="0">
+              <a:buFontTx/>
+              <a:buNone/>
+            </a:pPr>
+            <a:r>
+              <a:rPr lang="da-DK" sz="1800" b="1" kern="0" dirty="0"/>
+              <a:t>Niladic:</a:t>
+            </a:r>
+          </a:p>
+          <a:p>
+            <a:pPr marL="0" indent="0">
+              <a:buFontTx/>
+              <a:buNone/>
+            </a:pPr>
+            <a:r>
+              <a:rPr lang="da-DK" sz="1800" kern="0" dirty="0">
                 <a:latin typeface="APL385 Unicode" panose="020B0709000202000203" pitchFamily="49" charset="0"/>
               </a:rPr>
-              <a:t>Divide by zero</a:t>
-            </a:r>
+              <a:t>     ∇ Run                      </a:t>
+            </a:r>
+          </a:p>
+          <a:p>
+            <a:pPr marL="0" indent="0">
+              <a:buFontTx/>
+              <a:buNone/>
+            </a:pPr>
+            <a:r>
+              <a:rPr lang="da-DK" sz="1800" kern="0" dirty="0">
+                <a:latin typeface="APL385 Unicode" panose="020B0709000202000203" pitchFamily="49" charset="0"/>
+              </a:rPr>
+              <a:t>[1]    ⎕←'Boo Hiss!'                            </a:t>
+            </a:r>
+          </a:p>
+          <a:p>
+            <a:pPr marL="0" indent="0">
+              <a:buFontTx/>
+              <a:buNone/>
+            </a:pPr>
+            <a:r>
+              <a:rPr lang="da-DK" sz="1800" kern="0" dirty="0">
+                <a:latin typeface="APL385 Unicode" panose="020B0709000202000203" pitchFamily="49" charset="0"/>
+              </a:rPr>
+              <a:t>     ∇  </a:t>
+            </a:r>
+            <a:endParaRPr lang="en-GB" sz="1800" kern="0" dirty="0">
+              <a:latin typeface="APL385 Unicode" panose="020B0709000202000203" pitchFamily="49" charset="0"/>
+            </a:endParaRPr>
           </a:p>
         </p:txBody>
       </p:sp>
     </p:spTree>
     <p:extLst>
       <p:ext uri="{BB962C8B-B14F-4D97-AF65-F5344CB8AC3E}">
-        <p14:creationId xmlns:p14="http://schemas.microsoft.com/office/powerpoint/2010/main" val="1541632670"/>
+        <p14:creationId xmlns:p14="http://schemas.microsoft.com/office/powerpoint/2010/main" val="3668411570"/>
       </p:ext>
     </p:extLst>
   </p:cSld>
@@ -6058,7 +6926,7 @@
         <p:spPr/>
         <p:txBody>
           <a:bodyPr>
-            <a:normAutofit fontScale="92500" lnSpcReduction="20000"/>
+            <a:normAutofit fontScale="77500" lnSpcReduction="20000"/>
           </a:bodyPr>
           <a:lstStyle/>
           <a:p>
@@ -6073,19 +6941,48 @@
           <a:p>
             <a:r>
               <a:rPr lang="da-DK" dirty="0"/>
-              <a:t>Install APL</a:t>
-            </a:r>
-          </a:p>
-          <a:p>
+              <a:t>Verify APL Installations – or see </a:t>
+            </a:r>
+            <a:r>
+              <a:rPr lang="da-DK" dirty="0">
+                <a:hlinkClick r:id="rId2"/>
+              </a:rPr>
+              <a:t>http://tryapl.org</a:t>
+            </a:r>
             <a:r>
               <a:rPr lang="da-DK" dirty="0"/>
-              <a:t>Introduction to APL</a:t>
+              <a:t> </a:t>
             </a:r>
           </a:p>
           <a:p>
             <a:r>
               <a:rPr lang="da-DK" dirty="0"/>
-              <a:t>Exercises</a:t>
+              <a:t>Download course materials from</a:t>
+            </a:r>
+          </a:p>
+          <a:p>
+            <a:pPr lvl="1"/>
+            <a:r>
+              <a:rPr lang="da-DK" dirty="0">
+                <a:hlinkClick r:id="rId3"/>
+              </a:rPr>
+              <a:t>https://github.com/mkromberg/ECUST2018</a:t>
+            </a:r>
+            <a:r>
+              <a:rPr lang="da-DK" dirty="0"/>
+              <a:t> </a:t>
+            </a:r>
+          </a:p>
+          <a:p>
+            <a:r>
+              <a:rPr lang="da-DK" dirty="0"/>
+              <a:t>A few slides: Introduction to APL</a:t>
+            </a:r>
+          </a:p>
+          <a:p>
+            <a:r>
+              <a:rPr lang="da-DK" dirty="0"/>
+              <a:t>Exercises until Lunch</a:t>
             </a:r>
           </a:p>
           <a:p>
@@ -6094,7 +6991,7 @@
             </a:pPr>
             <a:r>
               <a:rPr lang="da-DK" dirty="0"/>
-              <a:t>Afternoon</a:t>
+              <a:t>After Lunch</a:t>
             </a:r>
           </a:p>
           <a:p>
@@ -6129,7 +7026,7 @@
             </a:pPr>
             <a:r>
               <a:rPr lang="da-DK" dirty="0"/>
-              <a:t>Gitte + Morten depart for airport at 2PM</a:t>
+              <a:t>Gitte + Morten depart for airport around 2PM</a:t>
             </a:r>
           </a:p>
         </p:txBody>
@@ -6209,7 +7106,7 @@
           <a:p>
             <a:r>
               <a:rPr lang="da-DK" dirty="0"/>
-              <a:t>Errors</a:t>
+              <a:t>Procedures / Tradfns</a:t>
             </a:r>
             <a:endParaRPr lang="en-GB" dirty="0"/>
           </a:p>
@@ -6225,30 +7122,40 @@
             <p:ph type="body" sz="quarter" idx="11"/>
           </p:nvPr>
         </p:nvSpPr>
-        <p:spPr/>
+        <p:spPr>
+          <a:xfrm>
+            <a:off x="827583" y="1628800"/>
+            <a:ext cx="7632849" cy="1872803"/>
+          </a:xfrm>
+        </p:spPr>
         <p:txBody>
-          <a:bodyPr/>
+          <a:bodyPr>
+            <a:normAutofit fontScale="85000" lnSpcReduction="20000"/>
+          </a:bodyPr>
           <a:lstStyle/>
           <a:p>
             <a:pPr marL="0" indent="0">
               <a:buNone/>
             </a:pPr>
             <a:r>
-              <a:rPr lang="en-GB" sz="1400" dirty="0">
-                <a:latin typeface="APL385 Unicode" panose="020B0709000202000203" pitchFamily="49" charset="0"/>
-              </a:rPr>
-              <a:t> 1  WS FULL           </a:t>
+              <a:rPr lang="da-DK" sz="2000" b="1" dirty="0"/>
+              <a:t>”Ambi-valent” (+ use a control structure)</a:t>
             </a:r>
           </a:p>
           <a:p>
             <a:pPr marL="0" indent="0">
               <a:buNone/>
             </a:pPr>
-            <a:r>
-              <a:rPr lang="en-GB" sz="1400" dirty="0">
+            <a:br>
+              <a:rPr lang="da-DK" sz="2000" dirty="0">
                 <a:latin typeface="APL385 Unicode" panose="020B0709000202000203" pitchFamily="49" charset="0"/>
               </a:rPr>
-              <a:t> 2  SYNTAX ERROR      </a:t>
+            </a:br>
+            <a:r>
+              <a:rPr lang="da-DK" sz="2000" dirty="0">
+                <a:latin typeface="APL385 Unicode" panose="020B0709000202000203" pitchFamily="49" charset="0"/>
+              </a:rPr>
+              <a:t>     ∇ R←{Window} Sum X                      </a:t>
             </a:r>
           </a:p>
           <a:p>
@@ -6256,10 +7163,10 @@
               <a:buNone/>
             </a:pPr>
             <a:r>
-              <a:rPr lang="en-GB" sz="1400" dirty="0">
+              <a:rPr lang="da-DK" sz="2000" dirty="0">
                 <a:latin typeface="APL385 Unicode" panose="020B0709000202000203" pitchFamily="49" charset="0"/>
               </a:rPr>
-              <a:t> 3  INDEX ERROR       </a:t>
+              <a:t>[1]    :If 0=⎕NC 'Window' ⋄ R←+/X</a:t>
             </a:r>
           </a:p>
           <a:p>
@@ -6267,10 +7174,10 @@
               <a:buNone/>
             </a:pPr>
             <a:r>
-              <a:rPr lang="en-GB" sz="1400" dirty="0">
+              <a:rPr lang="da-DK" sz="2000" dirty="0">
                 <a:latin typeface="APL385 Unicode" panose="020B0709000202000203" pitchFamily="49" charset="0"/>
               </a:rPr>
-              <a:t> 4  RANK ERROR        </a:t>
+              <a:t>[2]    :Else ⋄ R←Window +/ X</a:t>
             </a:r>
           </a:p>
           <a:p>
@@ -6278,10 +7185,10 @@
               <a:buNone/>
             </a:pPr>
             <a:r>
-              <a:rPr lang="en-GB" sz="1400" dirty="0">
+              <a:rPr lang="da-DK" sz="2000" dirty="0">
                 <a:latin typeface="APL385 Unicode" panose="020B0709000202000203" pitchFamily="49" charset="0"/>
               </a:rPr>
-              <a:t> 5  LENGTH ERROR      </a:t>
+              <a:t>[3]    :EndIf                            </a:t>
             </a:r>
           </a:p>
           <a:p>
@@ -6289,538 +7196,21 @@
               <a:buNone/>
             </a:pPr>
             <a:r>
-              <a:rPr lang="en-GB" sz="1400" dirty="0">
+              <a:rPr lang="da-DK" sz="2000" dirty="0">
                 <a:latin typeface="APL385 Unicode" panose="020B0709000202000203" pitchFamily="49" charset="0"/>
               </a:rPr>
-              <a:t> 6  VALUE ERROR       </a:t>
-            </a:r>
-          </a:p>
-          <a:p>
-            <a:pPr marL="0" indent="0">
-              <a:buNone/>
-            </a:pPr>
-            <a:r>
-              <a:rPr lang="en-GB" sz="1400" dirty="0">
-                <a:latin typeface="APL385 Unicode" panose="020B0709000202000203" pitchFamily="49" charset="0"/>
-              </a:rPr>
-              <a:t> 7  FORMAT ERROR      </a:t>
-            </a:r>
-          </a:p>
-          <a:p>
-            <a:pPr marL="0" indent="0">
-              <a:buNone/>
-            </a:pPr>
-            <a:r>
-              <a:rPr lang="en-GB" sz="1400" dirty="0">
-                <a:latin typeface="APL385 Unicode" panose="020B0709000202000203" pitchFamily="49" charset="0"/>
-              </a:rPr>
-              <a:t>10  LIMIT ERROR       </a:t>
-            </a:r>
-          </a:p>
-          <a:p>
-            <a:pPr marL="0" indent="0">
-              <a:buNone/>
-            </a:pPr>
-            <a:r>
-              <a:rPr lang="en-GB" sz="1400" dirty="0">
-                <a:latin typeface="APL385 Unicode" panose="020B0709000202000203" pitchFamily="49" charset="0"/>
-              </a:rPr>
-              <a:t>11  DOMAIN ERROR      </a:t>
-            </a:r>
-          </a:p>
-          <a:p>
-            <a:pPr marL="0" indent="0">
-              <a:buNone/>
-            </a:pPr>
-            <a:r>
-              <a:rPr lang="en-GB" sz="1400" dirty="0">
-                <a:latin typeface="APL385 Unicode" panose="020B0709000202000203" pitchFamily="49" charset="0"/>
-              </a:rPr>
-              <a:t>12  HOLD ERROR        </a:t>
-            </a:r>
-          </a:p>
-          <a:p>
-            <a:pPr marL="0" indent="0">
-              <a:buNone/>
-            </a:pPr>
-            <a:r>
-              <a:rPr lang="en-GB" sz="1400" dirty="0">
-                <a:solidFill>
-                  <a:srgbClr val="FFC000"/>
-                </a:solidFill>
-                <a:latin typeface="APL385 Unicode" panose="020B0709000202000203" pitchFamily="49" charset="0"/>
-              </a:rPr>
-              <a:t>13  OPTION ERROR      </a:t>
-            </a:r>
-          </a:p>
-          <a:p>
-            <a:pPr marL="0" indent="0">
-              <a:buNone/>
-            </a:pPr>
-            <a:r>
-              <a:rPr lang="en-GB" sz="1400" dirty="0">
-                <a:solidFill>
-                  <a:srgbClr val="FFC000"/>
-                </a:solidFill>
-                <a:latin typeface="APL385 Unicode" panose="020B0709000202000203" pitchFamily="49" charset="0"/>
-              </a:rPr>
-              <a:t>15  LST FULL          </a:t>
-            </a:r>
-          </a:p>
-          <a:p>
-            <a:pPr marL="0" indent="0">
-              <a:buNone/>
-            </a:pPr>
-            <a:r>
-              <a:rPr lang="en-GB" sz="1400" dirty="0">
-                <a:latin typeface="APL385 Unicode" panose="020B0709000202000203" pitchFamily="49" charset="0"/>
-              </a:rPr>
-              <a:t>16  NONCE ERROR       </a:t>
-            </a:r>
-          </a:p>
-          <a:p>
-            <a:pPr marL="0" indent="0">
-              <a:buNone/>
-            </a:pPr>
-            <a:r>
-              <a:rPr lang="en-GB" sz="1400" dirty="0">
-                <a:latin typeface="APL385 Unicode" panose="020B0709000202000203" pitchFamily="49" charset="0"/>
-              </a:rPr>
-              <a:t>17  ACCESS ERROR      </a:t>
-            </a:r>
-          </a:p>
-          <a:p>
-            <a:pPr marL="228600" indent="-228600">
-              <a:buAutoNum type="arabicPlain" startAt="20"/>
-            </a:pPr>
-            <a:endParaRPr lang="en-GB" sz="1400" dirty="0">
+              <a:t>     ∇  </a:t>
+            </a:r>
+            <a:endParaRPr lang="en-GB" sz="2000" dirty="0">
               <a:latin typeface="APL385 Unicode" panose="020B0709000202000203" pitchFamily="49" charset="0"/>
             </a:endParaRPr>
-          </a:p>
-        </p:txBody>
-      </p:sp>
-      <p:sp>
-        <p:nvSpPr>
-          <p:cNvPr id="5" name="Text Placeholder 3"/>
-          <p:cNvSpPr txBox="1">
-            <a:spLocks/>
-          </p:cNvSpPr>
-          <p:nvPr/>
-        </p:nvSpPr>
-        <p:spPr>
-          <a:xfrm>
-            <a:off x="3953543" y="1546372"/>
-            <a:ext cx="4464496" cy="4321075"/>
-          </a:xfrm>
-          <a:prstGeom prst="rect">
-            <a:avLst/>
-          </a:prstGeom>
-        </p:spPr>
-        <p:txBody>
-          <a:bodyPr/>
-          <a:lstStyle>
-            <a:lvl1pPr marL="342900" indent="-342900" algn="l" rtl="0" eaLnBrk="1" fontAlgn="base" hangingPunct="1">
-              <a:spcBef>
-                <a:spcPct val="20000"/>
-              </a:spcBef>
-              <a:spcAft>
-                <a:spcPct val="0"/>
-              </a:spcAft>
-              <a:buClr>
-                <a:srgbClr val="FF8000"/>
-              </a:buClr>
-              <a:buChar char="•"/>
-              <a:defRPr sz="3200">
-                <a:solidFill>
-                  <a:srgbClr val="333333"/>
-                </a:solidFill>
-                <a:latin typeface="+mn-lt"/>
-                <a:ea typeface="+mn-ea"/>
-                <a:cs typeface="+mn-cs"/>
-              </a:defRPr>
-            </a:lvl1pPr>
-            <a:lvl2pPr marL="742950" indent="-285750" algn="l" rtl="0" eaLnBrk="1" fontAlgn="base" hangingPunct="1">
-              <a:spcBef>
-                <a:spcPct val="20000"/>
-              </a:spcBef>
-              <a:spcAft>
-                <a:spcPct val="0"/>
-              </a:spcAft>
-              <a:buClr>
-                <a:srgbClr val="FF8000"/>
-              </a:buClr>
-              <a:buChar char="–"/>
-              <a:defRPr sz="2800">
-                <a:solidFill>
-                  <a:srgbClr val="333333"/>
-                </a:solidFill>
-                <a:latin typeface="+mn-lt"/>
-              </a:defRPr>
-            </a:lvl2pPr>
-            <a:lvl3pPr marL="1143000" indent="-228600" algn="l" rtl="0" eaLnBrk="1" fontAlgn="base" hangingPunct="1">
-              <a:spcBef>
-                <a:spcPct val="20000"/>
-              </a:spcBef>
-              <a:spcAft>
-                <a:spcPct val="0"/>
-              </a:spcAft>
-              <a:buClr>
-                <a:srgbClr val="FF8000"/>
-              </a:buClr>
-              <a:buChar char="•"/>
-              <a:defRPr sz="2400">
-                <a:solidFill>
-                  <a:srgbClr val="333333"/>
-                </a:solidFill>
-                <a:latin typeface="+mn-lt"/>
-              </a:defRPr>
-            </a:lvl3pPr>
-            <a:lvl4pPr marL="1600200" indent="-228600" algn="l" rtl="0" eaLnBrk="1" fontAlgn="base" hangingPunct="1">
-              <a:spcBef>
-                <a:spcPct val="20000"/>
-              </a:spcBef>
-              <a:spcAft>
-                <a:spcPct val="0"/>
-              </a:spcAft>
-              <a:buClr>
-                <a:srgbClr val="FF8000"/>
-              </a:buClr>
-              <a:buChar char="–"/>
-              <a:defRPr sz="2000">
-                <a:solidFill>
-                  <a:srgbClr val="333333"/>
-                </a:solidFill>
-                <a:latin typeface="+mn-lt"/>
-              </a:defRPr>
-            </a:lvl4pPr>
-            <a:lvl5pPr marL="2057400" indent="-228600" algn="l" rtl="0" eaLnBrk="1" fontAlgn="base" hangingPunct="1">
-              <a:spcBef>
-                <a:spcPct val="20000"/>
-              </a:spcBef>
-              <a:spcAft>
-                <a:spcPct val="0"/>
-              </a:spcAft>
-              <a:buClr>
-                <a:srgbClr val="FF8000"/>
-              </a:buClr>
-              <a:buChar char="»"/>
-              <a:defRPr sz="2000">
-                <a:solidFill>
-                  <a:srgbClr val="333333"/>
-                </a:solidFill>
-                <a:latin typeface="+mn-lt"/>
-              </a:defRPr>
-            </a:lvl5pPr>
-            <a:lvl6pPr marL="2514600" indent="-228600" algn="l" rtl="0" eaLnBrk="1" fontAlgn="base" hangingPunct="1">
-              <a:spcBef>
-                <a:spcPct val="20000"/>
-              </a:spcBef>
-              <a:spcAft>
-                <a:spcPct val="0"/>
-              </a:spcAft>
-              <a:buClr>
-                <a:srgbClr val="FF8000"/>
-              </a:buClr>
-              <a:buChar char="»"/>
-              <a:defRPr sz="2000">
-                <a:solidFill>
-                  <a:srgbClr val="333333"/>
-                </a:solidFill>
-                <a:latin typeface="+mn-lt"/>
-              </a:defRPr>
-            </a:lvl6pPr>
-            <a:lvl7pPr marL="2971800" indent="-228600" algn="l" rtl="0" eaLnBrk="1" fontAlgn="base" hangingPunct="1">
-              <a:spcBef>
-                <a:spcPct val="20000"/>
-              </a:spcBef>
-              <a:spcAft>
-                <a:spcPct val="0"/>
-              </a:spcAft>
-              <a:buClr>
-                <a:srgbClr val="FF8000"/>
-              </a:buClr>
-              <a:buChar char="»"/>
-              <a:defRPr sz="2000">
-                <a:solidFill>
-                  <a:srgbClr val="333333"/>
-                </a:solidFill>
-                <a:latin typeface="+mn-lt"/>
-              </a:defRPr>
-            </a:lvl7pPr>
-            <a:lvl8pPr marL="3429000" indent="-228600" algn="l" rtl="0" eaLnBrk="1" fontAlgn="base" hangingPunct="1">
-              <a:spcBef>
-                <a:spcPct val="20000"/>
-              </a:spcBef>
-              <a:spcAft>
-                <a:spcPct val="0"/>
-              </a:spcAft>
-              <a:buClr>
-                <a:srgbClr val="FF8000"/>
-              </a:buClr>
-              <a:buChar char="»"/>
-              <a:defRPr sz="2000">
-                <a:solidFill>
-                  <a:srgbClr val="333333"/>
-                </a:solidFill>
-                <a:latin typeface="+mn-lt"/>
-              </a:defRPr>
-            </a:lvl8pPr>
-            <a:lvl9pPr marL="3886200" indent="-228600" algn="l" rtl="0" eaLnBrk="1" fontAlgn="base" hangingPunct="1">
-              <a:spcBef>
-                <a:spcPct val="20000"/>
-              </a:spcBef>
-              <a:spcAft>
-                <a:spcPct val="0"/>
-              </a:spcAft>
-              <a:buClr>
-                <a:srgbClr val="FF8000"/>
-              </a:buClr>
-              <a:buChar char="»"/>
-              <a:defRPr sz="2000">
-                <a:solidFill>
-                  <a:srgbClr val="333333"/>
-                </a:solidFill>
-                <a:latin typeface="+mn-lt"/>
-              </a:defRPr>
-            </a:lvl9pPr>
-          </a:lstStyle>
-          <a:p>
-            <a:pPr marL="0" indent="0">
-              <a:buNone/>
-            </a:pPr>
-            <a:r>
-              <a:rPr lang="en-GB" sz="1400" dirty="0">
-                <a:latin typeface="APL385 Unicode" panose="020B0709000202000203" pitchFamily="49" charset="0"/>
-              </a:rPr>
-              <a:t>18  FILE TIE ERROR    </a:t>
-            </a:r>
-          </a:p>
-          <a:p>
-            <a:pPr marL="0" indent="0">
-              <a:buNone/>
-            </a:pPr>
-            <a:r>
-              <a:rPr lang="en-GB" sz="1400" dirty="0">
-                <a:latin typeface="APL385 Unicode" panose="020B0709000202000203" pitchFamily="49" charset="0"/>
-              </a:rPr>
-              <a:t>19  FILE ACCESS ERROR </a:t>
-            </a:r>
-          </a:p>
-          <a:p>
-            <a:pPr marL="0" indent="0">
-              <a:buNone/>
-            </a:pPr>
-            <a:r>
-              <a:rPr lang="en-GB" sz="1400" dirty="0">
-                <a:latin typeface="APL385 Unicode" panose="020B0709000202000203" pitchFamily="49" charset="0"/>
-              </a:rPr>
-              <a:t>20  FILE INDEX ERROR </a:t>
-            </a:r>
-          </a:p>
-          <a:p>
-            <a:pPr marL="0" indent="0">
-              <a:buFontTx/>
-              <a:buNone/>
-            </a:pPr>
-            <a:r>
-              <a:rPr lang="en-GB" sz="1400" dirty="0">
-                <a:latin typeface="APL385 Unicode" panose="020B0709000202000203" pitchFamily="49" charset="0"/>
-              </a:rPr>
-              <a:t>21  FILE FULL                           </a:t>
-            </a:r>
-          </a:p>
-          <a:p>
-            <a:pPr marL="0" indent="0">
-              <a:buFontTx/>
-              <a:buNone/>
-            </a:pPr>
-            <a:r>
-              <a:rPr lang="en-GB" sz="1400" dirty="0">
-                <a:latin typeface="APL385 Unicode" panose="020B0709000202000203" pitchFamily="49" charset="0"/>
-              </a:rPr>
-              <a:t>22  FILE NAME ERROR                     </a:t>
-            </a:r>
-          </a:p>
-          <a:p>
-            <a:pPr marL="0" indent="0">
-              <a:buFontTx/>
-              <a:buNone/>
-            </a:pPr>
-            <a:r>
-              <a:rPr lang="en-GB" sz="1400" dirty="0">
-                <a:latin typeface="APL385 Unicode" panose="020B0709000202000203" pitchFamily="49" charset="0"/>
-              </a:rPr>
-              <a:t>23  FILE DAMAGED                        </a:t>
-            </a:r>
-          </a:p>
-          <a:p>
-            <a:pPr marL="0" indent="0">
-              <a:buFontTx/>
-              <a:buNone/>
-            </a:pPr>
-            <a:r>
-              <a:rPr lang="en-GB" sz="1400" kern="0" dirty="0">
-                <a:latin typeface="APL385 Unicode" panose="020B0709000202000203" pitchFamily="49" charset="0"/>
-              </a:rPr>
-              <a:t>24  FILE TIED                           </a:t>
-            </a:r>
-          </a:p>
-          <a:p>
-            <a:pPr marL="0" indent="0">
-              <a:buFontTx/>
-              <a:buNone/>
-            </a:pPr>
-            <a:r>
-              <a:rPr lang="en-GB" sz="1400" kern="0" dirty="0">
-                <a:latin typeface="APL385 Unicode" panose="020B0709000202000203" pitchFamily="49" charset="0"/>
-              </a:rPr>
-              <a:t>25  FILE TIED REMOTELY                  </a:t>
-            </a:r>
-          </a:p>
-          <a:p>
-            <a:pPr marL="0" indent="0">
-              <a:buFontTx/>
-              <a:buNone/>
-            </a:pPr>
-            <a:r>
-              <a:rPr lang="en-GB" sz="1400" kern="0" dirty="0">
-                <a:latin typeface="APL385 Unicode" panose="020B0709000202000203" pitchFamily="49" charset="0"/>
-              </a:rPr>
-              <a:t>26  FILE SYSTEM ERROR                   </a:t>
-            </a:r>
-          </a:p>
-          <a:p>
-            <a:pPr marL="0" indent="0">
-              <a:buFontTx/>
-              <a:buNone/>
-            </a:pPr>
-            <a:r>
-              <a:rPr lang="en-GB" sz="1400" kern="0" dirty="0">
-                <a:latin typeface="APL385 Unicode" panose="020B0709000202000203" pitchFamily="49" charset="0"/>
-              </a:rPr>
-              <a:t>28  FILE SYSTEM NOT AVAILABLE           </a:t>
-            </a:r>
-          </a:p>
-          <a:p>
-            <a:pPr marL="0" indent="0">
-              <a:buFontTx/>
-              <a:buNone/>
-            </a:pPr>
-            <a:r>
-              <a:rPr lang="en-GB" sz="1400" kern="0" dirty="0">
-                <a:latin typeface="APL385 Unicode" panose="020B0709000202000203" pitchFamily="49" charset="0"/>
-              </a:rPr>
-              <a:t>30  FILE SYSTEM TIES USED UP            </a:t>
-            </a:r>
-          </a:p>
-          <a:p>
-            <a:pPr marL="0" indent="0">
-              <a:buFontTx/>
-              <a:buNone/>
-            </a:pPr>
-            <a:r>
-              <a:rPr lang="en-GB" sz="1400" kern="0" dirty="0">
-                <a:latin typeface="APL385 Unicode" panose="020B0709000202000203" pitchFamily="49" charset="0"/>
-              </a:rPr>
-              <a:t>31  FILE TIE QUOTA USED UP              </a:t>
-            </a:r>
-          </a:p>
-          <a:p>
-            <a:pPr marL="0" indent="0">
-              <a:buFontTx/>
-              <a:buNone/>
-            </a:pPr>
-            <a:r>
-              <a:rPr lang="en-GB" sz="1400" kern="0" dirty="0">
-                <a:latin typeface="APL385 Unicode" panose="020B0709000202000203" pitchFamily="49" charset="0"/>
-              </a:rPr>
-              <a:t>32  FILE NAME QUOTA USED UP             </a:t>
-            </a:r>
-          </a:p>
-          <a:p>
-            <a:pPr marL="0" indent="0">
-              <a:buFontTx/>
-              <a:buNone/>
-            </a:pPr>
-            <a:r>
-              <a:rPr lang="en-GB" sz="1400" kern="0" dirty="0">
-                <a:latin typeface="APL385 Unicode" panose="020B0709000202000203" pitchFamily="49" charset="0"/>
-              </a:rPr>
-              <a:t>34  FILE SYSTEM NO SPACE                </a:t>
-            </a:r>
-          </a:p>
-          <a:p>
-            <a:pPr marL="0" indent="0">
-              <a:buFontTx/>
-              <a:buNone/>
-            </a:pPr>
-            <a:r>
-              <a:rPr lang="en-GB" sz="1400" kern="0" dirty="0">
-                <a:solidFill>
-                  <a:srgbClr val="FFC000"/>
-                </a:solidFill>
-                <a:latin typeface="APL385 Unicode" panose="020B0709000202000203" pitchFamily="49" charset="0"/>
-              </a:rPr>
-              <a:t>35  FILE ACCESS ERROR - CONVERTING FILE </a:t>
-            </a:r>
-          </a:p>
-          <a:p>
-            <a:pPr marL="0" indent="0">
-              <a:buFontTx/>
-              <a:buNone/>
-            </a:pPr>
-            <a:r>
-              <a:rPr lang="en-GB" sz="1400" kern="0" dirty="0">
-                <a:solidFill>
-                  <a:srgbClr val="FFC000"/>
-                </a:solidFill>
-                <a:latin typeface="APL385 Unicode" panose="020B0709000202000203" pitchFamily="49" charset="0"/>
-              </a:rPr>
-              <a:t>36  INCOMPATIBLE ARRAY                  </a:t>
-            </a:r>
-          </a:p>
-          <a:p>
-            <a:pPr marL="0" indent="0">
-              <a:buFontTx/>
-              <a:buNone/>
-            </a:pPr>
-            <a:r>
-              <a:rPr lang="en-GB" sz="1400" kern="0" dirty="0">
-                <a:latin typeface="APL385 Unicode" panose="020B0709000202000203" pitchFamily="49" charset="0"/>
-              </a:rPr>
-              <a:t>38  FILE COMPONENT DAMAGED              </a:t>
-            </a:r>
-          </a:p>
-          <a:p>
-            <a:pPr marL="0" indent="0">
-              <a:buFontTx/>
-              <a:buNone/>
-            </a:pPr>
-            <a:r>
-              <a:rPr lang="en-GB" sz="1400" kern="0" dirty="0">
-                <a:latin typeface="APL385 Unicode" panose="020B0709000202000203" pitchFamily="49" charset="0"/>
-              </a:rPr>
-              <a:t>                            </a:t>
-            </a:r>
-          </a:p>
-          <a:p>
-            <a:pPr marL="0" indent="0">
-              <a:buFontTx/>
-              <a:buNone/>
-            </a:pPr>
-            <a:r>
-              <a:rPr lang="en-GB" sz="1400" kern="0" dirty="0">
-                <a:latin typeface="APL385 Unicode" panose="020B0709000202000203" pitchFamily="49" charset="0"/>
-              </a:rPr>
-              <a:t> </a:t>
-            </a:r>
           </a:p>
         </p:txBody>
       </p:sp>
     </p:spTree>
     <p:extLst>
       <p:ext uri="{BB962C8B-B14F-4D97-AF65-F5344CB8AC3E}">
-        <p14:creationId xmlns:p14="http://schemas.microsoft.com/office/powerpoint/2010/main" val="2289646024"/>
+        <p14:creationId xmlns:p14="http://schemas.microsoft.com/office/powerpoint/2010/main" val="116970750"/>
       </p:ext>
     </p:extLst>
   </p:cSld>
@@ -6863,20 +7253,16 @@
           <a:lstStyle/>
           <a:p>
             <a:r>
-              <a:rPr lang="en-US" dirty="0"/>
-              <a:t>Error Trapping: </a:t>
-            </a:r>
-            <a:r>
-              <a:rPr lang="en-US" dirty="0" err="1"/>
-              <a:t>Dfns</a:t>
-            </a:r>
-            <a:endParaRPr lang="en-US" dirty="0"/>
+              <a:rPr lang="da-DK" dirty="0"/>
+              <a:t>Procedures / Tradfns</a:t>
+            </a:r>
+            <a:endParaRPr lang="en-GB" dirty="0"/>
           </a:p>
         </p:txBody>
       </p:sp>
       <p:sp>
         <p:nvSpPr>
-          <p:cNvPr id="4" name="Text Placeholder 3"/>
+          <p:cNvPr id="6" name="Text Placeholder 5"/>
           <p:cNvSpPr>
             <a:spLocks noGrp="1"/>
           </p:cNvSpPr>
@@ -6884,478 +7270,102 @@
             <p:ph type="body" sz="quarter" idx="11"/>
           </p:nvPr>
         </p:nvSpPr>
-        <p:spPr/>
+        <p:spPr>
+          <a:xfrm>
+            <a:off x="827584" y="1592329"/>
+            <a:ext cx="7632849" cy="4321075"/>
+          </a:xfrm>
+        </p:spPr>
         <p:txBody>
           <a:bodyPr/>
           <a:lstStyle/>
           <a:p>
             <a:pPr marL="0" indent="0">
+              <a:buFontTx/>
               <a:buNone/>
             </a:pPr>
             <a:r>
-              <a:rPr lang="en-GB" sz="2000" dirty="0">
+              <a:rPr lang="da-DK" sz="1800" b="1" dirty="0"/>
+              <a:t>Name Elements of Right Argument</a:t>
+            </a:r>
+          </a:p>
+          <a:p>
+            <a:pPr marL="0" indent="0">
+              <a:buFontTx/>
+              <a:buNone/>
+            </a:pPr>
+            <a:r>
+              <a:rPr lang="da-DK" sz="1800" b="1" dirty="0"/>
+              <a:t>   + Local Variable</a:t>
+            </a:r>
+            <a:br>
+              <a:rPr lang="da-DK" sz="1800" b="1" dirty="0"/>
+            </a:br>
+            <a:endParaRPr lang="da-DK" sz="1800" b="1" dirty="0"/>
+          </a:p>
+          <a:p>
+            <a:pPr marL="0" indent="0">
+              <a:buFontTx/>
+              <a:buNone/>
+            </a:pPr>
+            <a:r>
+              <a:rPr lang="da-DK" sz="1800" dirty="0">
                 <a:latin typeface="APL385 Unicode" panose="020B0709000202000203" pitchFamily="49" charset="0"/>
               </a:rPr>
-              <a:t>div←{0::'Something Else is Wrong' </a:t>
-            </a:r>
-            <a:br>
-              <a:rPr lang="en-GB" sz="2000" dirty="0">
+              <a:t>    ∇ r←Round (n decimals);base</a:t>
+            </a:r>
+          </a:p>
+          <a:p>
+            <a:pPr marL="0" indent="0">
+              <a:buFontTx/>
+              <a:buNone/>
+            </a:pPr>
+            <a:r>
+              <a:rPr lang="da-DK" sz="1800" dirty="0">
                 <a:latin typeface="APL385 Unicode" panose="020B0709000202000203" pitchFamily="49" charset="0"/>
               </a:rPr>
-            </a:br>
-            <a:r>
-              <a:rPr lang="en-GB" sz="2000" dirty="0">
+              <a:t>[1]   base←10*decimals</a:t>
+            </a:r>
+          </a:p>
+          <a:p>
+            <a:pPr marL="0" indent="0">
+              <a:buFontTx/>
+              <a:buNone/>
+            </a:pPr>
+            <a:r>
+              <a:rPr lang="da-DK" sz="1800" dirty="0">
                 <a:latin typeface="APL385 Unicode" panose="020B0709000202000203" pitchFamily="49" charset="0"/>
               </a:rPr>
-              <a:t>    11::0 ⍝ DOMAIN error: return 0</a:t>
-            </a:r>
-            <a:br>
-              <a:rPr lang="en-GB" sz="2000" dirty="0">
+              <a:t>[2]   r←(⌊0.5+n×base)÷base</a:t>
+            </a:r>
+          </a:p>
+          <a:p>
+            <a:pPr marL="0" indent="0">
+              <a:buFontTx/>
+              <a:buNone/>
+            </a:pPr>
+            <a:r>
+              <a:rPr lang="da-DK" sz="1800" dirty="0">
                 <a:latin typeface="APL385 Unicode" panose="020B0709000202000203" pitchFamily="49" charset="0"/>
               </a:rPr>
-            </a:br>
-            <a:r>
-              <a:rPr lang="en-GB" sz="2000" dirty="0">
-                <a:latin typeface="APL385 Unicode" panose="020B0709000202000203" pitchFamily="49" charset="0"/>
-              </a:rPr>
-              <a:t>    ⍺÷⍵}</a:t>
-            </a:r>
+              <a:t>    ∇</a:t>
+            </a:r>
+            <a:endParaRPr lang="en-GB" sz="1800" dirty="0">
+              <a:latin typeface="APL385 Unicode" panose="020B0709000202000203" pitchFamily="49" charset="0"/>
+            </a:endParaRPr>
           </a:p>
           <a:p>
             <a:pPr marL="0" indent="0">
               <a:buNone/>
             </a:pPr>
-            <a:r>
-              <a:rPr lang="en-GB" sz="2000" dirty="0">
-                <a:latin typeface="APL385 Unicode" panose="020B0709000202000203" pitchFamily="49" charset="0"/>
-              </a:rPr>
-              <a:t>      3 div 0</a:t>
-            </a:r>
-            <a:br>
-              <a:rPr lang="en-GB" sz="2000" dirty="0">
-                <a:latin typeface="APL385 Unicode" panose="020B0709000202000203" pitchFamily="49" charset="0"/>
-              </a:rPr>
-            </a:br>
-            <a:r>
-              <a:rPr lang="en-GB" sz="2000" dirty="0">
-                <a:latin typeface="APL385 Unicode" panose="020B0709000202000203" pitchFamily="49" charset="0"/>
-              </a:rPr>
-              <a:t>0</a:t>
-            </a:r>
-          </a:p>
-          <a:p>
-            <a:pPr marL="0" indent="0">
-              <a:buNone/>
-            </a:pPr>
-            <a:r>
-              <a:rPr lang="en-GB" sz="2000" dirty="0">
-                <a:latin typeface="APL385 Unicode" panose="020B0709000202000203" pitchFamily="49" charset="0"/>
-              </a:rPr>
-              <a:t>      1 2 3 div 4 5</a:t>
-            </a:r>
-            <a:br>
-              <a:rPr lang="en-GB" sz="2000" dirty="0">
-                <a:latin typeface="APL385 Unicode" panose="020B0709000202000203" pitchFamily="49" charset="0"/>
-              </a:rPr>
-            </a:br>
-            <a:r>
-              <a:rPr lang="en-GB" sz="2000" dirty="0">
-                <a:latin typeface="APL385 Unicode" panose="020B0709000202000203" pitchFamily="49" charset="0"/>
-              </a:rPr>
-              <a:t>Something Else is Wrong</a:t>
-            </a:r>
-          </a:p>
-          <a:p>
-            <a:endParaRPr lang="en-US" sz="2000" dirty="0">
-              <a:latin typeface="APL385 Unicode" panose="020B0709000202000203" pitchFamily="49" charset="0"/>
-            </a:endParaRPr>
+            <a:endParaRPr lang="en-GB" sz="1800" dirty="0"/>
           </a:p>
         </p:txBody>
       </p:sp>
     </p:spTree>
     <p:extLst>
       <p:ext uri="{BB962C8B-B14F-4D97-AF65-F5344CB8AC3E}">
-        <p14:creationId xmlns:p14="http://schemas.microsoft.com/office/powerpoint/2010/main" val="3798476800"/>
-      </p:ext>
-    </p:extLst>
-  </p:cSld>
-  <p:clrMapOvr>
-    <a:masterClrMapping/>
-  </p:clrMapOvr>
-</p:sld>
-</file>
-
-<file path=ppt/slides/slide22.xml><?xml version="1.0" encoding="utf-8"?>
-<p:sld xmlns:a="http://schemas.openxmlformats.org/drawingml/2006/main" xmlns:r="http://schemas.openxmlformats.org/officeDocument/2006/relationships" xmlns:p="http://schemas.openxmlformats.org/presentationml/2006/main">
-  <p:cSld>
-    <p:spTree>
-      <p:nvGrpSpPr>
-        <p:cNvPr id="1" name=""/>
-        <p:cNvGrpSpPr/>
-        <p:nvPr/>
-      </p:nvGrpSpPr>
-      <p:grpSpPr>
-        <a:xfrm>
-          <a:off x="0" y="0"/>
-          <a:ext cx="0" cy="0"/>
-          <a:chOff x="0" y="0"/>
-          <a:chExt cx="0" cy="0"/>
-        </a:xfrm>
-      </p:grpSpPr>
-      <p:sp>
-        <p:nvSpPr>
-          <p:cNvPr id="3" name="Title 2"/>
-          <p:cNvSpPr>
-            <a:spLocks noGrp="1"/>
-          </p:cNvSpPr>
-          <p:nvPr>
-            <p:ph type="title"/>
-          </p:nvPr>
-        </p:nvSpPr>
-        <p:spPr/>
-        <p:txBody>
-          <a:bodyPr/>
-          <a:lstStyle/>
-          <a:p>
-            <a:r>
-              <a:rPr lang="da-DK" dirty="0"/>
-              <a:t>Error Trapping: Tradfns</a:t>
-            </a:r>
-            <a:endParaRPr lang="en-GB" dirty="0"/>
-          </a:p>
-        </p:txBody>
-      </p:sp>
-      <p:sp>
-        <p:nvSpPr>
-          <p:cNvPr id="4" name="Text Placeholder 3"/>
-          <p:cNvSpPr>
-            <a:spLocks noGrp="1"/>
-          </p:cNvSpPr>
-          <p:nvPr>
-            <p:ph type="body" sz="quarter" idx="11"/>
-          </p:nvPr>
-        </p:nvSpPr>
-        <p:spPr/>
-        <p:txBody>
-          <a:bodyPr/>
-          <a:lstStyle/>
-          <a:p>
-            <a:pPr marL="0" indent="0">
-              <a:buNone/>
-            </a:pPr>
-            <a:r>
-              <a:rPr lang="da-DK" dirty="0"/>
-              <a:t>Using </a:t>
-            </a:r>
-            <a:r>
-              <a:rPr lang="da-DK" dirty="0">
-                <a:latin typeface="APL385 Unicode" panose="020B0709000202000203" pitchFamily="49" charset="0"/>
-              </a:rPr>
-              <a:t>:Trap</a:t>
-            </a:r>
-            <a:br>
-              <a:rPr lang="da-DK" dirty="0"/>
-            </a:br>
-            <a:endParaRPr lang="da-DK" dirty="0"/>
-          </a:p>
-          <a:p>
-            <a:pPr marL="0" indent="0">
-              <a:buNone/>
-            </a:pPr>
-            <a:r>
-              <a:rPr lang="en-GB" sz="1800" dirty="0">
-                <a:latin typeface="APL385 Unicode" panose="020B0709000202000203" pitchFamily="49" charset="0"/>
-              </a:rPr>
-              <a:t>     ∇ R←A DIV B</a:t>
-            </a:r>
-          </a:p>
-          <a:p>
-            <a:pPr marL="0" indent="0">
-              <a:buNone/>
-            </a:pPr>
-            <a:r>
-              <a:rPr lang="en-GB" sz="1800" dirty="0">
-                <a:latin typeface="APL385 Unicode" panose="020B0709000202000203" pitchFamily="49" charset="0"/>
-              </a:rPr>
-              <a:t>[1]    :Trap 0</a:t>
-            </a:r>
-          </a:p>
-          <a:p>
-            <a:pPr marL="0" indent="0">
-              <a:buNone/>
-            </a:pPr>
-            <a:r>
-              <a:rPr lang="en-GB" sz="1800" dirty="0">
-                <a:latin typeface="APL385 Unicode" panose="020B0709000202000203" pitchFamily="49" charset="0"/>
-              </a:rPr>
-              <a:t>[2]        R←A÷B</a:t>
-            </a:r>
-          </a:p>
-          <a:p>
-            <a:pPr marL="0" indent="0">
-              <a:buNone/>
-            </a:pPr>
-            <a:r>
-              <a:rPr lang="en-GB" sz="1800" dirty="0">
-                <a:latin typeface="APL385 Unicode" panose="020B0709000202000203" pitchFamily="49" charset="0"/>
-              </a:rPr>
-              <a:t>[3]    :Case 11 ⋄ R←0 ⍝ DOMAIN error</a:t>
-            </a:r>
-          </a:p>
-          <a:p>
-            <a:pPr marL="0" indent="0">
-              <a:buNone/>
-            </a:pPr>
-            <a:r>
-              <a:rPr lang="en-GB" sz="1800" dirty="0">
-                <a:latin typeface="APL385 Unicode" panose="020B0709000202000203" pitchFamily="49" charset="0"/>
-              </a:rPr>
-              <a:t>[4]    :Else ⋄ </a:t>
-            </a:r>
-            <a:r>
-              <a:rPr lang="en-GB" sz="1800" dirty="0" err="1">
-                <a:latin typeface="APL385 Unicode" panose="020B0709000202000203" pitchFamily="49" charset="0"/>
-              </a:rPr>
-              <a:t>R←'Something</a:t>
-            </a:r>
-            <a:r>
-              <a:rPr lang="en-GB" sz="1800" dirty="0">
-                <a:latin typeface="APL385 Unicode" panose="020B0709000202000203" pitchFamily="49" charset="0"/>
-              </a:rPr>
-              <a:t> Else is Wrong'</a:t>
-            </a:r>
-          </a:p>
-          <a:p>
-            <a:pPr marL="0" indent="0">
-              <a:buNone/>
-            </a:pPr>
-            <a:r>
-              <a:rPr lang="en-GB" sz="1800" dirty="0">
-                <a:latin typeface="APL385 Unicode" panose="020B0709000202000203" pitchFamily="49" charset="0"/>
-              </a:rPr>
-              <a:t>[5]    :</a:t>
-            </a:r>
-            <a:r>
-              <a:rPr lang="en-GB" sz="1800" dirty="0" err="1">
-                <a:latin typeface="APL385 Unicode" panose="020B0709000202000203" pitchFamily="49" charset="0"/>
-              </a:rPr>
-              <a:t>EndTrap</a:t>
-            </a:r>
-            <a:endParaRPr lang="en-GB" sz="1800" dirty="0">
-              <a:latin typeface="APL385 Unicode" panose="020B0709000202000203" pitchFamily="49" charset="0"/>
-            </a:endParaRPr>
-          </a:p>
-          <a:p>
-            <a:pPr marL="0" indent="0">
-              <a:buNone/>
-            </a:pPr>
-            <a:r>
-              <a:rPr lang="en-GB" sz="1800" dirty="0">
-                <a:latin typeface="APL385 Unicode" panose="020B0709000202000203" pitchFamily="49" charset="0"/>
-              </a:rPr>
-              <a:t>     ∇</a:t>
-            </a:r>
-          </a:p>
-          <a:p>
-            <a:endParaRPr lang="en-GB" dirty="0"/>
-          </a:p>
-        </p:txBody>
-      </p:sp>
-    </p:spTree>
-    <p:extLst>
-      <p:ext uri="{BB962C8B-B14F-4D97-AF65-F5344CB8AC3E}">
-        <p14:creationId xmlns:p14="http://schemas.microsoft.com/office/powerpoint/2010/main" val="1823647102"/>
-      </p:ext>
-    </p:extLst>
-  </p:cSld>
-  <p:clrMapOvr>
-    <a:masterClrMapping/>
-  </p:clrMapOvr>
-</p:sld>
-</file>
-
-<file path=ppt/slides/slide23.xml><?xml version="1.0" encoding="utf-8"?>
-<p:sld xmlns:a="http://schemas.openxmlformats.org/drawingml/2006/main" xmlns:r="http://schemas.openxmlformats.org/officeDocument/2006/relationships" xmlns:p="http://schemas.openxmlformats.org/presentationml/2006/main">
-  <p:cSld>
-    <p:spTree>
-      <p:nvGrpSpPr>
-        <p:cNvPr id="1" name=""/>
-        <p:cNvGrpSpPr/>
-        <p:nvPr/>
-      </p:nvGrpSpPr>
-      <p:grpSpPr>
-        <a:xfrm>
-          <a:off x="0" y="0"/>
-          <a:ext cx="0" cy="0"/>
-          <a:chOff x="0" y="0"/>
-          <a:chExt cx="0" cy="0"/>
-        </a:xfrm>
-      </p:grpSpPr>
-      <p:sp>
-        <p:nvSpPr>
-          <p:cNvPr id="3" name="Title 2"/>
-          <p:cNvSpPr>
-            <a:spLocks noGrp="1"/>
-          </p:cNvSpPr>
-          <p:nvPr>
-            <p:ph type="title"/>
-          </p:nvPr>
-        </p:nvSpPr>
-        <p:spPr/>
-        <p:txBody>
-          <a:bodyPr/>
-          <a:lstStyle/>
-          <a:p>
-            <a:r>
-              <a:rPr lang="da-DK"/>
-              <a:t>Error Trapping: Tradfns</a:t>
-            </a:r>
-            <a:endParaRPr lang="en-GB"/>
-          </a:p>
-        </p:txBody>
-      </p:sp>
-      <p:sp>
-        <p:nvSpPr>
-          <p:cNvPr id="4" name="Text Placeholder 3"/>
-          <p:cNvSpPr>
-            <a:spLocks noGrp="1"/>
-          </p:cNvSpPr>
-          <p:nvPr>
-            <p:ph type="body" sz="quarter" idx="11"/>
-          </p:nvPr>
-        </p:nvSpPr>
-        <p:spPr/>
-        <p:txBody>
-          <a:bodyPr/>
-          <a:lstStyle/>
-          <a:p>
-            <a:pPr marL="0" indent="0">
-              <a:buNone/>
-            </a:pPr>
-            <a:r>
-              <a:rPr lang="da-DK" dirty="0"/>
-              <a:t>Using </a:t>
-            </a:r>
-            <a:r>
-              <a:rPr lang="da-DK" dirty="0">
-                <a:latin typeface="APL385 Unicode" panose="020B0709000202000203" pitchFamily="49" charset="0"/>
-              </a:rPr>
-              <a:t>⎕TRAP</a:t>
-            </a:r>
-            <a:br>
-              <a:rPr lang="da-DK" dirty="0"/>
-            </a:br>
-            <a:endParaRPr lang="da-DK" dirty="0"/>
-          </a:p>
-          <a:p>
-            <a:pPr marL="0" indent="0">
-              <a:buNone/>
-            </a:pPr>
-            <a:r>
-              <a:rPr lang="en-GB" sz="1800" dirty="0">
-                <a:latin typeface="APL385 Unicode" panose="020B0709000202000203" pitchFamily="49" charset="0"/>
-              </a:rPr>
-              <a:t>     ∇ R←A DIVQ B;⎕TRAP</a:t>
-            </a:r>
-          </a:p>
-          <a:p>
-            <a:pPr marL="0" indent="0">
-              <a:buNone/>
-            </a:pPr>
-            <a:r>
-              <a:rPr lang="en-GB" sz="1800" dirty="0">
-                <a:latin typeface="APL385 Unicode" panose="020B0709000202000203" pitchFamily="49" charset="0"/>
-              </a:rPr>
-              <a:t>[1]</a:t>
-            </a:r>
-          </a:p>
-          <a:p>
-            <a:pPr marL="0" indent="0">
-              <a:buNone/>
-            </a:pPr>
-            <a:r>
-              <a:rPr lang="en-GB" sz="1800" dirty="0">
-                <a:latin typeface="APL385 Unicode" panose="020B0709000202000203" pitchFamily="49" charset="0"/>
-              </a:rPr>
-              <a:t>[2]    ⎕TRAP←(11 'E' '→DOMERR')(0 'C' '→CATCHALL')</a:t>
-            </a:r>
-          </a:p>
-          <a:p>
-            <a:pPr marL="0" indent="0">
-              <a:buNone/>
-            </a:pPr>
-            <a:r>
-              <a:rPr lang="en-GB" sz="1800" dirty="0">
-                <a:latin typeface="APL385 Unicode" panose="020B0709000202000203" pitchFamily="49" charset="0"/>
-              </a:rPr>
-              <a:t>[3]    R←A÷B ⋄ →0</a:t>
-            </a:r>
-          </a:p>
-          <a:p>
-            <a:pPr marL="0" indent="0">
-              <a:buNone/>
-            </a:pPr>
-            <a:r>
-              <a:rPr lang="en-GB" sz="1800" dirty="0">
-                <a:latin typeface="APL385 Unicode" panose="020B0709000202000203" pitchFamily="49" charset="0"/>
-              </a:rPr>
-              <a:t>[4]</a:t>
-            </a:r>
-          </a:p>
-          <a:p>
-            <a:pPr marL="0" indent="0">
-              <a:buNone/>
-            </a:pPr>
-            <a:r>
-              <a:rPr lang="en-GB" sz="1800" dirty="0">
-                <a:latin typeface="APL385 Unicode" panose="020B0709000202000203" pitchFamily="49" charset="0"/>
-              </a:rPr>
-              <a:t>[5]   DOMERR:→R←0</a:t>
-            </a:r>
-          </a:p>
-          <a:p>
-            <a:pPr marL="0" indent="0">
-              <a:buNone/>
-            </a:pPr>
-            <a:r>
-              <a:rPr lang="en-GB" sz="1800" dirty="0">
-                <a:latin typeface="APL385 Unicode" panose="020B0709000202000203" pitchFamily="49" charset="0"/>
-              </a:rPr>
-              <a:t>[6]   </a:t>
-            </a:r>
-            <a:r>
-              <a:rPr lang="en-GB" sz="1800" dirty="0" err="1">
-                <a:latin typeface="APL385 Unicode" panose="020B0709000202000203" pitchFamily="49" charset="0"/>
-              </a:rPr>
-              <a:t>CATCHALL:R←'Something</a:t>
-            </a:r>
-            <a:r>
-              <a:rPr lang="en-GB" sz="1800" dirty="0">
-                <a:latin typeface="APL385 Unicode" panose="020B0709000202000203" pitchFamily="49" charset="0"/>
-              </a:rPr>
-              <a:t> Else is Wrong'</a:t>
-            </a:r>
-          </a:p>
-          <a:p>
-            <a:pPr marL="0" indent="0">
-              <a:buNone/>
-            </a:pPr>
-            <a:r>
-              <a:rPr lang="en-GB" sz="1800" dirty="0">
-                <a:latin typeface="APL385 Unicode" panose="020B0709000202000203" pitchFamily="49" charset="0"/>
-              </a:rPr>
-              <a:t>     ∇</a:t>
-            </a:r>
-          </a:p>
-          <a:p>
-            <a:endParaRPr lang="en-GB" dirty="0"/>
-          </a:p>
-        </p:txBody>
-      </p:sp>
-    </p:spTree>
-    <p:extLst>
-      <p:ext uri="{BB962C8B-B14F-4D97-AF65-F5344CB8AC3E}">
-        <p14:creationId xmlns:p14="http://schemas.microsoft.com/office/powerpoint/2010/main" val="1804830280"/>
+        <p14:creationId xmlns:p14="http://schemas.microsoft.com/office/powerpoint/2010/main" val="3045991241"/>
       </p:ext>
     </p:extLst>
   </p:cSld>
@@ -7805,6 +7815,89 @@
 </file>
 
 <file path=ppt/slides/slide4.xml><?xml version="1.0" encoding="utf-8"?>
+<p:sld xmlns:a="http://schemas.openxmlformats.org/drawingml/2006/main" xmlns:r="http://schemas.openxmlformats.org/officeDocument/2006/relationships" xmlns:p="http://schemas.openxmlformats.org/presentationml/2006/main">
+  <p:cSld>
+    <p:spTree>
+      <p:nvGrpSpPr>
+        <p:cNvPr id="1" name=""/>
+        <p:cNvGrpSpPr/>
+        <p:nvPr/>
+      </p:nvGrpSpPr>
+      <p:grpSpPr>
+        <a:xfrm>
+          <a:off x="0" y="0"/>
+          <a:ext cx="0" cy="0"/>
+          <a:chOff x="0" y="0"/>
+          <a:chExt cx="0" cy="0"/>
+        </a:xfrm>
+      </p:grpSpPr>
+      <p:sp>
+        <p:nvSpPr>
+          <p:cNvPr id="2" name="Title 1">
+            <a:extLst>
+              <a:ext uri="{FF2B5EF4-FFF2-40B4-BE49-F238E27FC236}">
+                <a16:creationId xmlns:a16="http://schemas.microsoft.com/office/drawing/2014/main" id="{C9EA771E-F276-4850-8CC1-4B4ED8DBFFA9}"/>
+              </a:ext>
+            </a:extLst>
+          </p:cNvPr>
+          <p:cNvSpPr>
+            <a:spLocks noGrp="1"/>
+          </p:cNvSpPr>
+          <p:nvPr>
+            <p:ph type="title"/>
+          </p:nvPr>
+        </p:nvSpPr>
+        <p:spPr/>
+        <p:txBody>
+          <a:bodyPr/>
+          <a:lstStyle/>
+          <a:p>
+            <a:r>
+              <a:rPr lang="da-DK" dirty="0"/>
+              <a:t>Nothing on this slide in China</a:t>
+            </a:r>
+          </a:p>
+        </p:txBody>
+      </p:sp>
+      <p:sp>
+        <p:nvSpPr>
+          <p:cNvPr id="3" name="Text Placeholder 2">
+            <a:extLst>
+              <a:ext uri="{FF2B5EF4-FFF2-40B4-BE49-F238E27FC236}">
+                <a16:creationId xmlns:a16="http://schemas.microsoft.com/office/drawing/2014/main" id="{4A63A9EB-D203-41D6-88E9-796A7DF4F368}"/>
+              </a:ext>
+            </a:extLst>
+          </p:cNvPr>
+          <p:cNvSpPr>
+            <a:spLocks noGrp="1"/>
+          </p:cNvSpPr>
+          <p:nvPr>
+            <p:ph type="body" sz="quarter" idx="11"/>
+          </p:nvPr>
+        </p:nvSpPr>
+        <p:spPr/>
+        <p:txBody>
+          <a:bodyPr/>
+          <a:lstStyle/>
+          <a:p>
+            <a:endParaRPr lang="da-DK"/>
+          </a:p>
+        </p:txBody>
+      </p:sp>
+    </p:spTree>
+    <p:extLst>
+      <p:ext uri="{BB962C8B-B14F-4D97-AF65-F5344CB8AC3E}">
+        <p14:creationId xmlns:p14="http://schemas.microsoft.com/office/powerpoint/2010/main" val="843772500"/>
+      </p:ext>
+    </p:extLst>
+  </p:cSld>
+  <p:clrMapOvr>
+    <a:masterClrMapping/>
+  </p:clrMapOvr>
+</p:sld>
+</file>
+
+<file path=ppt/slides/slide5.xml><?xml version="1.0" encoding="utf-8"?>
 <p:sld xmlns:a="http://schemas.openxmlformats.org/drawingml/2006/main" xmlns:r="http://schemas.openxmlformats.org/officeDocument/2006/relationships" xmlns:p="http://schemas.openxmlformats.org/presentationml/2006/main">
   <p:cSld>
     <p:spTree>
@@ -8285,7 +8378,7 @@
 </p:sld>
 </file>
 
-<file path=ppt/slides/slide5.xml><?xml version="1.0" encoding="utf-8"?>
+<file path=ppt/slides/slide6.xml><?xml version="1.0" encoding="utf-8"?>
 <p:sld xmlns:a="http://schemas.openxmlformats.org/drawingml/2006/main" xmlns:r="http://schemas.openxmlformats.org/officeDocument/2006/relationships" xmlns:p="http://schemas.openxmlformats.org/presentationml/2006/main">
   <p:cSld>
     <p:spTree>
@@ -9043,7 +9136,7 @@
 </p:sld>
 </file>
 
-<file path=ppt/slides/slide6.xml><?xml version="1.0" encoding="utf-8"?>
+<file path=ppt/slides/slide7.xml><?xml version="1.0" encoding="utf-8"?>
 <p:sld xmlns:a="http://schemas.openxmlformats.org/drawingml/2006/main" xmlns:r="http://schemas.openxmlformats.org/officeDocument/2006/relationships" xmlns:p="http://schemas.openxmlformats.org/presentationml/2006/main">
   <p:cSld>
     <p:spTree>
@@ -9182,970 +9275,6 @@
 </p:sld>
 </file>
 
-<file path=ppt/slides/slide7.xml><?xml version="1.0" encoding="utf-8"?>
-<p:sld xmlns:a="http://schemas.openxmlformats.org/drawingml/2006/main" xmlns:r="http://schemas.openxmlformats.org/officeDocument/2006/relationships" xmlns:p="http://schemas.openxmlformats.org/presentationml/2006/main">
-  <p:cSld>
-    <p:spTree>
-      <p:nvGrpSpPr>
-        <p:cNvPr id="1" name=""/>
-        <p:cNvGrpSpPr/>
-        <p:nvPr/>
-      </p:nvGrpSpPr>
-      <p:grpSpPr>
-        <a:xfrm>
-          <a:off x="0" y="0"/>
-          <a:ext cx="0" cy="0"/>
-          <a:chOff x="0" y="0"/>
-          <a:chExt cx="0" cy="0"/>
-        </a:xfrm>
-      </p:grpSpPr>
-      <p:sp>
-        <p:nvSpPr>
-          <p:cNvPr id="3" name="Title 2"/>
-          <p:cNvSpPr>
-            <a:spLocks noGrp="1"/>
-          </p:cNvSpPr>
-          <p:nvPr>
-            <p:ph type="title"/>
-          </p:nvPr>
-        </p:nvSpPr>
-        <p:spPr/>
-        <p:txBody>
-          <a:bodyPr>
-            <a:normAutofit fontScale="90000"/>
-          </a:bodyPr>
-          <a:lstStyle/>
-          <a:p>
-            <a:r>
-              <a:rPr lang="da-DK" dirty="0"/>
-              <a:t>A Programming Language</a:t>
-            </a:r>
-            <a:br>
-              <a:rPr lang="da-DK" dirty="0"/>
-            </a:br>
-            <a:endParaRPr lang="en-GB" dirty="0"/>
-          </a:p>
-        </p:txBody>
-      </p:sp>
-      <p:sp>
-        <p:nvSpPr>
-          <p:cNvPr id="6" name="AutoShape 1" descr="http://wwe.jsoftware.com/papers/APLimg/link.bmp"/>
-          <p:cNvSpPr>
-            <a:spLocks noChangeAspect="1" noChangeArrowheads="1"/>
-          </p:cNvSpPr>
-          <p:nvPr/>
-        </p:nvSpPr>
-        <p:spPr bwMode="auto">
-          <a:xfrm>
-            <a:off x="3117850" y="1719263"/>
-            <a:ext cx="304800" cy="304800"/>
-          </a:xfrm>
-          <a:prstGeom prst="rect">
-            <a:avLst/>
-          </a:prstGeom>
-          <a:noFill/>
-          <a:extLst>
-            <a:ext uri="{909E8E84-426E-40DD-AFC4-6F175D3DCCD1}">
-              <a14:hiddenFill xmlns:a14="http://schemas.microsoft.com/office/drawing/2010/main">
-                <a:solidFill>
-                  <a:srgbClr val="FFFFFF"/>
-                </a:solidFill>
-              </a14:hiddenFill>
-            </a:ext>
-          </a:extLst>
-        </p:spPr>
-        <p:txBody>
-          <a:bodyPr vert="horz" wrap="square" lIns="91440" tIns="45720" rIns="91440" bIns="45720" numCol="1" anchor="t" anchorCtr="0" compatLnSpc="1">
-            <a:prstTxWarp prst="textNoShape">
-              <a:avLst/>
-            </a:prstTxWarp>
-          </a:bodyPr>
-          <a:lstStyle/>
-          <a:p>
-            <a:endParaRPr lang="en-GB"/>
-          </a:p>
-        </p:txBody>
-      </p:sp>
-      <p:sp>
-        <p:nvSpPr>
-          <p:cNvPr id="7" name="AutoShape 2" descr="http://wwe.jsoftware.com/papers/APLimg/uboscore.bmp"/>
-          <p:cNvSpPr>
-            <a:spLocks noChangeAspect="1" noChangeArrowheads="1"/>
-          </p:cNvSpPr>
-          <p:nvPr/>
-        </p:nvSpPr>
-        <p:spPr bwMode="auto">
-          <a:xfrm>
-            <a:off x="3117850" y="1719263"/>
-            <a:ext cx="304800" cy="304800"/>
-          </a:xfrm>
-          <a:prstGeom prst="rect">
-            <a:avLst/>
-          </a:prstGeom>
-          <a:noFill/>
-          <a:extLst>
-            <a:ext uri="{909E8E84-426E-40DD-AFC4-6F175D3DCCD1}">
-              <a14:hiddenFill xmlns:a14="http://schemas.microsoft.com/office/drawing/2010/main">
-                <a:solidFill>
-                  <a:srgbClr val="FFFFFF"/>
-                </a:solidFill>
-              </a14:hiddenFill>
-            </a:ext>
-          </a:extLst>
-        </p:spPr>
-        <p:txBody>
-          <a:bodyPr vert="horz" wrap="square" lIns="91440" tIns="45720" rIns="91440" bIns="45720" numCol="1" anchor="t" anchorCtr="0" compatLnSpc="1">
-            <a:prstTxWarp prst="textNoShape">
-              <a:avLst/>
-            </a:prstTxWarp>
-          </a:bodyPr>
-          <a:lstStyle/>
-          <a:p>
-            <a:endParaRPr lang="en-GB"/>
-          </a:p>
-        </p:txBody>
-      </p:sp>
-      <p:sp>
-        <p:nvSpPr>
-          <p:cNvPr id="8" name="AutoShape 3" descr="http://wwe.jsoftware.com/papers/APLimg/link.bmp"/>
-          <p:cNvSpPr>
-            <a:spLocks noChangeAspect="1" noChangeArrowheads="1"/>
-          </p:cNvSpPr>
-          <p:nvPr/>
-        </p:nvSpPr>
-        <p:spPr bwMode="auto">
-          <a:xfrm>
-            <a:off x="3117850" y="1719263"/>
-            <a:ext cx="304800" cy="304800"/>
-          </a:xfrm>
-          <a:prstGeom prst="rect">
-            <a:avLst/>
-          </a:prstGeom>
-          <a:noFill/>
-          <a:extLst>
-            <a:ext uri="{909E8E84-426E-40DD-AFC4-6F175D3DCCD1}">
-              <a14:hiddenFill xmlns:a14="http://schemas.microsoft.com/office/drawing/2010/main">
-                <a:solidFill>
-                  <a:srgbClr val="FFFFFF"/>
-                </a:solidFill>
-              </a14:hiddenFill>
-            </a:ext>
-          </a:extLst>
-        </p:spPr>
-        <p:txBody>
-          <a:bodyPr vert="horz" wrap="square" lIns="91440" tIns="45720" rIns="91440" bIns="45720" numCol="1" anchor="t" anchorCtr="0" compatLnSpc="1">
-            <a:prstTxWarp prst="textNoShape">
-              <a:avLst/>
-            </a:prstTxWarp>
-          </a:bodyPr>
-          <a:lstStyle/>
-          <a:p>
-            <a:endParaRPr lang="en-GB"/>
-          </a:p>
-        </p:txBody>
-      </p:sp>
-      <p:sp>
-        <p:nvSpPr>
-          <p:cNvPr id="9" name="AutoShape 4" descr="http://wwe.jsoftware.com/papers/APLimg/uboscore.bmp"/>
-          <p:cNvSpPr>
-            <a:spLocks noChangeAspect="1" noChangeArrowheads="1"/>
-          </p:cNvSpPr>
-          <p:nvPr/>
-        </p:nvSpPr>
-        <p:spPr bwMode="auto">
-          <a:xfrm>
-            <a:off x="3117850" y="1719263"/>
-            <a:ext cx="304800" cy="304800"/>
-          </a:xfrm>
-          <a:prstGeom prst="rect">
-            <a:avLst/>
-          </a:prstGeom>
-          <a:noFill/>
-          <a:extLst>
-            <a:ext uri="{909E8E84-426E-40DD-AFC4-6F175D3DCCD1}">
-              <a14:hiddenFill xmlns:a14="http://schemas.microsoft.com/office/drawing/2010/main">
-                <a:solidFill>
-                  <a:srgbClr val="FFFFFF"/>
-                </a:solidFill>
-              </a14:hiddenFill>
-            </a:ext>
-          </a:extLst>
-        </p:spPr>
-        <p:txBody>
-          <a:bodyPr vert="horz" wrap="square" lIns="91440" tIns="45720" rIns="91440" bIns="45720" numCol="1" anchor="t" anchorCtr="0" compatLnSpc="1">
-            <a:prstTxWarp prst="textNoShape">
-              <a:avLst/>
-            </a:prstTxWarp>
-          </a:bodyPr>
-          <a:lstStyle/>
-          <a:p>
-            <a:endParaRPr lang="en-GB"/>
-          </a:p>
-        </p:txBody>
-      </p:sp>
-      <p:sp>
-        <p:nvSpPr>
-          <p:cNvPr id="10" name="AutoShape 5" descr="http://wwe.jsoftware.com/papers/APLimg/uboscore.bmp"/>
-          <p:cNvSpPr>
-            <a:spLocks noChangeAspect="1" noChangeArrowheads="1"/>
-          </p:cNvSpPr>
-          <p:nvPr/>
-        </p:nvSpPr>
-        <p:spPr bwMode="auto">
-          <a:xfrm>
-            <a:off x="3117850" y="1719263"/>
-            <a:ext cx="304800" cy="304800"/>
-          </a:xfrm>
-          <a:prstGeom prst="rect">
-            <a:avLst/>
-          </a:prstGeom>
-          <a:noFill/>
-          <a:extLst>
-            <a:ext uri="{909E8E84-426E-40DD-AFC4-6F175D3DCCD1}">
-              <a14:hiddenFill xmlns:a14="http://schemas.microsoft.com/office/drawing/2010/main">
-                <a:solidFill>
-                  <a:srgbClr val="FFFFFF"/>
-                </a:solidFill>
-              </a14:hiddenFill>
-            </a:ext>
-          </a:extLst>
-        </p:spPr>
-        <p:txBody>
-          <a:bodyPr vert="horz" wrap="square" lIns="91440" tIns="45720" rIns="91440" bIns="45720" numCol="1" anchor="t" anchorCtr="0" compatLnSpc="1">
-            <a:prstTxWarp prst="textNoShape">
-              <a:avLst/>
-            </a:prstTxWarp>
-          </a:bodyPr>
-          <a:lstStyle/>
-          <a:p>
-            <a:endParaRPr lang="en-GB"/>
-          </a:p>
-        </p:txBody>
-      </p:sp>
-      <p:sp>
-        <p:nvSpPr>
-          <p:cNvPr id="11" name="AutoShape 6" descr="http://wwe.jsoftware.com/papers/APLimg/link.bmp"/>
-          <p:cNvSpPr>
-            <a:spLocks noChangeAspect="1" noChangeArrowheads="1"/>
-          </p:cNvSpPr>
-          <p:nvPr/>
-        </p:nvSpPr>
-        <p:spPr bwMode="auto">
-          <a:xfrm>
-            <a:off x="3117850" y="1719263"/>
-            <a:ext cx="304800" cy="304800"/>
-          </a:xfrm>
-          <a:prstGeom prst="rect">
-            <a:avLst/>
-          </a:prstGeom>
-          <a:noFill/>
-          <a:extLst>
-            <a:ext uri="{909E8E84-426E-40DD-AFC4-6F175D3DCCD1}">
-              <a14:hiddenFill xmlns:a14="http://schemas.microsoft.com/office/drawing/2010/main">
-                <a:solidFill>
-                  <a:srgbClr val="FFFFFF"/>
-                </a:solidFill>
-              </a14:hiddenFill>
-            </a:ext>
-          </a:extLst>
-        </p:spPr>
-        <p:txBody>
-          <a:bodyPr vert="horz" wrap="square" lIns="91440" tIns="45720" rIns="91440" bIns="45720" numCol="1" anchor="t" anchorCtr="0" compatLnSpc="1">
-            <a:prstTxWarp prst="textNoShape">
-              <a:avLst/>
-            </a:prstTxWarp>
-          </a:bodyPr>
-          <a:lstStyle/>
-          <a:p>
-            <a:endParaRPr lang="en-GB"/>
-          </a:p>
-        </p:txBody>
-      </p:sp>
-      <p:sp>
-        <p:nvSpPr>
-          <p:cNvPr id="12" name="AutoShape 7" descr="http://wwe.jsoftware.com/papers/APLimg/uboscore.bmp"/>
-          <p:cNvSpPr>
-            <a:spLocks noChangeAspect="1" noChangeArrowheads="1"/>
-          </p:cNvSpPr>
-          <p:nvPr/>
-        </p:nvSpPr>
-        <p:spPr bwMode="auto">
-          <a:xfrm>
-            <a:off x="3117850" y="1719263"/>
-            <a:ext cx="304800" cy="304800"/>
-          </a:xfrm>
-          <a:prstGeom prst="rect">
-            <a:avLst/>
-          </a:prstGeom>
-          <a:noFill/>
-          <a:extLst>
-            <a:ext uri="{909E8E84-426E-40DD-AFC4-6F175D3DCCD1}">
-              <a14:hiddenFill xmlns:a14="http://schemas.microsoft.com/office/drawing/2010/main">
-                <a:solidFill>
-                  <a:srgbClr val="FFFFFF"/>
-                </a:solidFill>
-              </a14:hiddenFill>
-            </a:ext>
-          </a:extLst>
-        </p:spPr>
-        <p:txBody>
-          <a:bodyPr vert="horz" wrap="square" lIns="91440" tIns="45720" rIns="91440" bIns="45720" numCol="1" anchor="t" anchorCtr="0" compatLnSpc="1">
-            <a:prstTxWarp prst="textNoShape">
-              <a:avLst/>
-            </a:prstTxWarp>
-          </a:bodyPr>
-          <a:lstStyle/>
-          <a:p>
-            <a:endParaRPr lang="en-GB"/>
-          </a:p>
-        </p:txBody>
-      </p:sp>
-      <p:sp>
-        <p:nvSpPr>
-          <p:cNvPr id="13" name="AutoShape 8" descr="http://wwe.jsoftware.com/papers/APLimg/link.bmp"/>
-          <p:cNvSpPr>
-            <a:spLocks noChangeAspect="1" noChangeArrowheads="1"/>
-          </p:cNvSpPr>
-          <p:nvPr/>
-        </p:nvSpPr>
-        <p:spPr bwMode="auto">
-          <a:xfrm>
-            <a:off x="3117850" y="1719263"/>
-            <a:ext cx="304800" cy="304800"/>
-          </a:xfrm>
-          <a:prstGeom prst="rect">
-            <a:avLst/>
-          </a:prstGeom>
-          <a:noFill/>
-          <a:extLst>
-            <a:ext uri="{909E8E84-426E-40DD-AFC4-6F175D3DCCD1}">
-              <a14:hiddenFill xmlns:a14="http://schemas.microsoft.com/office/drawing/2010/main">
-                <a:solidFill>
-                  <a:srgbClr val="FFFFFF"/>
-                </a:solidFill>
-              </a14:hiddenFill>
-            </a:ext>
-          </a:extLst>
-        </p:spPr>
-        <p:txBody>
-          <a:bodyPr vert="horz" wrap="square" lIns="91440" tIns="45720" rIns="91440" bIns="45720" numCol="1" anchor="t" anchorCtr="0" compatLnSpc="1">
-            <a:prstTxWarp prst="textNoShape">
-              <a:avLst/>
-            </a:prstTxWarp>
-          </a:bodyPr>
-          <a:lstStyle/>
-          <a:p>
-            <a:endParaRPr lang="en-GB"/>
-          </a:p>
-        </p:txBody>
-      </p:sp>
-      <p:sp>
-        <p:nvSpPr>
-          <p:cNvPr id="14" name="AutoShape 9" descr="http://wwe.jsoftware.com/papers/APLimg/circleplus.bmp"/>
-          <p:cNvSpPr>
-            <a:spLocks noChangeAspect="1" noChangeArrowheads="1"/>
-          </p:cNvSpPr>
-          <p:nvPr/>
-        </p:nvSpPr>
-        <p:spPr bwMode="auto">
-          <a:xfrm>
-            <a:off x="3117850" y="1719263"/>
-            <a:ext cx="304800" cy="304800"/>
-          </a:xfrm>
-          <a:prstGeom prst="rect">
-            <a:avLst/>
-          </a:prstGeom>
-          <a:noFill/>
-          <a:extLst>
-            <a:ext uri="{909E8E84-426E-40DD-AFC4-6F175D3DCCD1}">
-              <a14:hiddenFill xmlns:a14="http://schemas.microsoft.com/office/drawing/2010/main">
-                <a:solidFill>
-                  <a:srgbClr val="FFFFFF"/>
-                </a:solidFill>
-              </a14:hiddenFill>
-            </a:ext>
-          </a:extLst>
-        </p:spPr>
-        <p:txBody>
-          <a:bodyPr vert="horz" wrap="square" lIns="91440" tIns="45720" rIns="91440" bIns="45720" numCol="1" anchor="t" anchorCtr="0" compatLnSpc="1">
-            <a:prstTxWarp prst="textNoShape">
-              <a:avLst/>
-            </a:prstTxWarp>
-          </a:bodyPr>
-          <a:lstStyle/>
-          <a:p>
-            <a:endParaRPr lang="en-GB"/>
-          </a:p>
-        </p:txBody>
-      </p:sp>
-      <p:sp>
-        <p:nvSpPr>
-          <p:cNvPr id="15" name="AutoShape 10" descr="http://wwe.jsoftware.com/papers/APLimg/link.bmp"/>
-          <p:cNvSpPr>
-            <a:spLocks noChangeAspect="1" noChangeArrowheads="1"/>
-          </p:cNvSpPr>
-          <p:nvPr/>
-        </p:nvSpPr>
-        <p:spPr bwMode="auto">
-          <a:xfrm>
-            <a:off x="3117850" y="1719263"/>
-            <a:ext cx="304800" cy="304800"/>
-          </a:xfrm>
-          <a:prstGeom prst="rect">
-            <a:avLst/>
-          </a:prstGeom>
-          <a:noFill/>
-          <a:extLst>
-            <a:ext uri="{909E8E84-426E-40DD-AFC4-6F175D3DCCD1}">
-              <a14:hiddenFill xmlns:a14="http://schemas.microsoft.com/office/drawing/2010/main">
-                <a:solidFill>
-                  <a:srgbClr val="FFFFFF"/>
-                </a:solidFill>
-              </a14:hiddenFill>
-            </a:ext>
-          </a:extLst>
-        </p:spPr>
-        <p:txBody>
-          <a:bodyPr vert="horz" wrap="square" lIns="91440" tIns="45720" rIns="91440" bIns="45720" numCol="1" anchor="t" anchorCtr="0" compatLnSpc="1">
-            <a:prstTxWarp prst="textNoShape">
-              <a:avLst/>
-            </a:prstTxWarp>
-          </a:bodyPr>
-          <a:lstStyle/>
-          <a:p>
-            <a:endParaRPr lang="en-GB"/>
-          </a:p>
-        </p:txBody>
-      </p:sp>
-      <p:sp>
-        <p:nvSpPr>
-          <p:cNvPr id="16" name="AutoShape 11" descr="http://wwe.jsoftware.com/papers/APLimg/link.bmp"/>
-          <p:cNvSpPr>
-            <a:spLocks noChangeAspect="1" noChangeArrowheads="1"/>
-          </p:cNvSpPr>
-          <p:nvPr/>
-        </p:nvSpPr>
-        <p:spPr bwMode="auto">
-          <a:xfrm>
-            <a:off x="3117850" y="1719263"/>
-            <a:ext cx="304800" cy="304800"/>
-          </a:xfrm>
-          <a:prstGeom prst="rect">
-            <a:avLst/>
-          </a:prstGeom>
-          <a:noFill/>
-          <a:extLst>
-            <a:ext uri="{909E8E84-426E-40DD-AFC4-6F175D3DCCD1}">
-              <a14:hiddenFill xmlns:a14="http://schemas.microsoft.com/office/drawing/2010/main">
-                <a:solidFill>
-                  <a:srgbClr val="FFFFFF"/>
-                </a:solidFill>
-              </a14:hiddenFill>
-            </a:ext>
-          </a:extLst>
-        </p:spPr>
-        <p:txBody>
-          <a:bodyPr vert="horz" wrap="square" lIns="91440" tIns="45720" rIns="91440" bIns="45720" numCol="1" anchor="t" anchorCtr="0" compatLnSpc="1">
-            <a:prstTxWarp prst="textNoShape">
-              <a:avLst/>
-            </a:prstTxWarp>
-          </a:bodyPr>
-          <a:lstStyle/>
-          <a:p>
-            <a:endParaRPr lang="en-GB"/>
-          </a:p>
-        </p:txBody>
-      </p:sp>
-      <p:sp>
-        <p:nvSpPr>
-          <p:cNvPr id="17" name="AutoShape 12" descr="http://wwe.jsoftware.com/papers/APLimg/matrixr8.bmp"/>
-          <p:cNvSpPr>
-            <a:spLocks noChangeAspect="1" noChangeArrowheads="1"/>
-          </p:cNvSpPr>
-          <p:nvPr/>
-        </p:nvSpPr>
-        <p:spPr bwMode="auto">
-          <a:xfrm>
-            <a:off x="3117850" y="1719263"/>
-            <a:ext cx="304800" cy="304800"/>
-          </a:xfrm>
-          <a:prstGeom prst="rect">
-            <a:avLst/>
-          </a:prstGeom>
-          <a:noFill/>
-          <a:extLst>
-            <a:ext uri="{909E8E84-426E-40DD-AFC4-6F175D3DCCD1}">
-              <a14:hiddenFill xmlns:a14="http://schemas.microsoft.com/office/drawing/2010/main">
-                <a:solidFill>
-                  <a:srgbClr val="FFFFFF"/>
-                </a:solidFill>
-              </a14:hiddenFill>
-            </a:ext>
-          </a:extLst>
-        </p:spPr>
-        <p:txBody>
-          <a:bodyPr vert="horz" wrap="square" lIns="91440" tIns="45720" rIns="91440" bIns="45720" numCol="1" anchor="t" anchorCtr="0" compatLnSpc="1">
-            <a:prstTxWarp prst="textNoShape">
-              <a:avLst/>
-            </a:prstTxWarp>
-          </a:bodyPr>
-          <a:lstStyle/>
-          <a:p>
-            <a:endParaRPr lang="en-GB"/>
-          </a:p>
-        </p:txBody>
-      </p:sp>
-      <p:sp>
-        <p:nvSpPr>
-          <p:cNvPr id="18" name="AutoShape 13" descr="http://wwe.jsoftware.com/papers/APLimg/link.bmp"/>
-          <p:cNvSpPr>
-            <a:spLocks noChangeAspect="1" noChangeArrowheads="1"/>
-          </p:cNvSpPr>
-          <p:nvPr/>
-        </p:nvSpPr>
-        <p:spPr bwMode="auto">
-          <a:xfrm>
-            <a:off x="3117850" y="1719263"/>
-            <a:ext cx="304800" cy="304800"/>
-          </a:xfrm>
-          <a:prstGeom prst="rect">
-            <a:avLst/>
-          </a:prstGeom>
-          <a:noFill/>
-          <a:extLst>
-            <a:ext uri="{909E8E84-426E-40DD-AFC4-6F175D3DCCD1}">
-              <a14:hiddenFill xmlns:a14="http://schemas.microsoft.com/office/drawing/2010/main">
-                <a:solidFill>
-                  <a:srgbClr val="FFFFFF"/>
-                </a:solidFill>
-              </a14:hiddenFill>
-            </a:ext>
-          </a:extLst>
-        </p:spPr>
-        <p:txBody>
-          <a:bodyPr vert="horz" wrap="square" lIns="91440" tIns="45720" rIns="91440" bIns="45720" numCol="1" anchor="t" anchorCtr="0" compatLnSpc="1">
-            <a:prstTxWarp prst="textNoShape">
-              <a:avLst/>
-            </a:prstTxWarp>
-          </a:bodyPr>
-          <a:lstStyle/>
-          <a:p>
-            <a:endParaRPr lang="en-GB"/>
-          </a:p>
-        </p:txBody>
-      </p:sp>
-      <p:sp>
-        <p:nvSpPr>
-          <p:cNvPr id="19" name="AutoShape 14" descr="http://wwe.jsoftware.com/papers/APLimg/link.bmp"/>
-          <p:cNvSpPr>
-            <a:spLocks noChangeAspect="1" noChangeArrowheads="1"/>
-          </p:cNvSpPr>
-          <p:nvPr/>
-        </p:nvSpPr>
-        <p:spPr bwMode="auto">
-          <a:xfrm>
-            <a:off x="3117850" y="1719263"/>
-            <a:ext cx="304800" cy="304800"/>
-          </a:xfrm>
-          <a:prstGeom prst="rect">
-            <a:avLst/>
-          </a:prstGeom>
-          <a:noFill/>
-          <a:extLst>
-            <a:ext uri="{909E8E84-426E-40DD-AFC4-6F175D3DCCD1}">
-              <a14:hiddenFill xmlns:a14="http://schemas.microsoft.com/office/drawing/2010/main">
-                <a:solidFill>
-                  <a:srgbClr val="FFFFFF"/>
-                </a:solidFill>
-              </a14:hiddenFill>
-            </a:ext>
-          </a:extLst>
-        </p:spPr>
-        <p:txBody>
-          <a:bodyPr vert="horz" wrap="square" lIns="91440" tIns="45720" rIns="91440" bIns="45720" numCol="1" anchor="t" anchorCtr="0" compatLnSpc="1">
-            <a:prstTxWarp prst="textNoShape">
-              <a:avLst/>
-            </a:prstTxWarp>
-          </a:bodyPr>
-          <a:lstStyle/>
-          <a:p>
-            <a:endParaRPr lang="en-GB"/>
-          </a:p>
-        </p:txBody>
-      </p:sp>
-      <p:sp>
-        <p:nvSpPr>
-          <p:cNvPr id="20" name="AutoShape 15" descr="http://wwe.jsoftware.com/papers/APLimg/epsboscore.bmp"/>
-          <p:cNvSpPr>
-            <a:spLocks noChangeAspect="1" noChangeArrowheads="1"/>
-          </p:cNvSpPr>
-          <p:nvPr/>
-        </p:nvSpPr>
-        <p:spPr bwMode="auto">
-          <a:xfrm>
-            <a:off x="3117850" y="1719263"/>
-            <a:ext cx="304800" cy="304800"/>
-          </a:xfrm>
-          <a:prstGeom prst="rect">
-            <a:avLst/>
-          </a:prstGeom>
-          <a:noFill/>
-          <a:extLst>
-            <a:ext uri="{909E8E84-426E-40DD-AFC4-6F175D3DCCD1}">
-              <a14:hiddenFill xmlns:a14="http://schemas.microsoft.com/office/drawing/2010/main">
-                <a:solidFill>
-                  <a:srgbClr val="FFFFFF"/>
-                </a:solidFill>
-              </a14:hiddenFill>
-            </a:ext>
-          </a:extLst>
-        </p:spPr>
-        <p:txBody>
-          <a:bodyPr vert="horz" wrap="square" lIns="91440" tIns="45720" rIns="91440" bIns="45720" numCol="1" anchor="t" anchorCtr="0" compatLnSpc="1">
-            <a:prstTxWarp prst="textNoShape">
-              <a:avLst/>
-            </a:prstTxWarp>
-          </a:bodyPr>
-          <a:lstStyle/>
-          <a:p>
-            <a:endParaRPr lang="en-GB"/>
-          </a:p>
-        </p:txBody>
-      </p:sp>
-      <p:sp>
-        <p:nvSpPr>
-          <p:cNvPr id="21" name="AutoShape 16" descr="http://wwe.jsoftware.com/papers/APLimg/link.bmp"/>
-          <p:cNvSpPr>
-            <a:spLocks noChangeAspect="1" noChangeArrowheads="1"/>
-          </p:cNvSpPr>
-          <p:nvPr/>
-        </p:nvSpPr>
-        <p:spPr bwMode="auto">
-          <a:xfrm>
-            <a:off x="3117850" y="1719263"/>
-            <a:ext cx="304800" cy="304800"/>
-          </a:xfrm>
-          <a:prstGeom prst="rect">
-            <a:avLst/>
-          </a:prstGeom>
-          <a:noFill/>
-          <a:extLst>
-            <a:ext uri="{909E8E84-426E-40DD-AFC4-6F175D3DCCD1}">
-              <a14:hiddenFill xmlns:a14="http://schemas.microsoft.com/office/drawing/2010/main">
-                <a:solidFill>
-                  <a:srgbClr val="FFFFFF"/>
-                </a:solidFill>
-              </a14:hiddenFill>
-            </a:ext>
-          </a:extLst>
-        </p:spPr>
-        <p:txBody>
-          <a:bodyPr vert="horz" wrap="square" lIns="91440" tIns="45720" rIns="91440" bIns="45720" numCol="1" anchor="t" anchorCtr="0" compatLnSpc="1">
-            <a:prstTxWarp prst="textNoShape">
-              <a:avLst/>
-            </a:prstTxWarp>
-          </a:bodyPr>
-          <a:lstStyle/>
-          <a:p>
-            <a:endParaRPr lang="en-GB"/>
-          </a:p>
-        </p:txBody>
-      </p:sp>
-      <p:sp>
-        <p:nvSpPr>
-          <p:cNvPr id="22" name="AutoShape 17" descr="http://wwe.jsoftware.com/papers/APLimg/link.bmp"/>
-          <p:cNvSpPr>
-            <a:spLocks noChangeAspect="1" noChangeArrowheads="1"/>
-          </p:cNvSpPr>
-          <p:nvPr/>
-        </p:nvSpPr>
-        <p:spPr bwMode="auto">
-          <a:xfrm>
-            <a:off x="3117850" y="1719263"/>
-            <a:ext cx="304800" cy="304800"/>
-          </a:xfrm>
-          <a:prstGeom prst="rect">
-            <a:avLst/>
-          </a:prstGeom>
-          <a:noFill/>
-          <a:extLst>
-            <a:ext uri="{909E8E84-426E-40DD-AFC4-6F175D3DCCD1}">
-              <a14:hiddenFill xmlns:a14="http://schemas.microsoft.com/office/drawing/2010/main">
-                <a:solidFill>
-                  <a:srgbClr val="FFFFFF"/>
-                </a:solidFill>
-              </a14:hiddenFill>
-            </a:ext>
-          </a:extLst>
-        </p:spPr>
-        <p:txBody>
-          <a:bodyPr vert="horz" wrap="square" lIns="91440" tIns="45720" rIns="91440" bIns="45720" numCol="1" anchor="t" anchorCtr="0" compatLnSpc="1">
-            <a:prstTxWarp prst="textNoShape">
-              <a:avLst/>
-            </a:prstTxWarp>
-          </a:bodyPr>
-          <a:lstStyle/>
-          <a:p>
-            <a:endParaRPr lang="en-GB"/>
-          </a:p>
-        </p:txBody>
-      </p:sp>
-      <p:pic>
-        <p:nvPicPr>
-          <p:cNvPr id="23" name="Picture 22"/>
-          <p:cNvPicPr>
-            <a:picLocks noChangeAspect="1"/>
-          </p:cNvPicPr>
-          <p:nvPr/>
-        </p:nvPicPr>
-        <p:blipFill>
-          <a:blip r:embed="rId2"/>
-          <a:stretch>
-            <a:fillRect/>
-          </a:stretch>
-        </p:blipFill>
-        <p:spPr>
-          <a:xfrm>
-            <a:off x="251520" y="2790753"/>
-            <a:ext cx="8378272" cy="1931355"/>
-          </a:xfrm>
-          <a:prstGeom prst="rect">
-            <a:avLst/>
-          </a:prstGeom>
-        </p:spPr>
-      </p:pic>
-      <p:sp>
-        <p:nvSpPr>
-          <p:cNvPr id="25" name="Text Placeholder 3"/>
-          <p:cNvSpPr>
-            <a:spLocks noGrp="1"/>
-          </p:cNvSpPr>
-          <p:nvPr>
-            <p:ph type="body" sz="quarter" idx="11"/>
-          </p:nvPr>
-        </p:nvSpPr>
-        <p:spPr>
-          <a:xfrm>
-            <a:off x="755575" y="1700213"/>
-            <a:ext cx="7632849" cy="936699"/>
-          </a:xfrm>
-        </p:spPr>
-        <p:txBody>
-          <a:bodyPr/>
-          <a:lstStyle/>
-          <a:p>
-            <a:r>
-              <a:rPr lang="en-GB" sz="2400" dirty="0"/>
-              <a:t>The book, 1962</a:t>
-            </a:r>
-          </a:p>
-        </p:txBody>
-      </p:sp>
-      <p:sp>
-        <p:nvSpPr>
-          <p:cNvPr id="24" name="Footer Placeholder 3">
-            <a:extLst>
-              <a:ext uri="{FF2B5EF4-FFF2-40B4-BE49-F238E27FC236}">
-                <a16:creationId xmlns:a16="http://schemas.microsoft.com/office/drawing/2014/main" id="{C7E03F78-4B23-46A4-8A54-608065405725}"/>
-              </a:ext>
-            </a:extLst>
-          </p:cNvPr>
-          <p:cNvSpPr txBox="1">
-            <a:spLocks/>
-          </p:cNvSpPr>
-          <p:nvPr/>
-        </p:nvSpPr>
-        <p:spPr>
-          <a:xfrm>
-            <a:off x="1314653" y="6453336"/>
-            <a:ext cx="6497707" cy="360040"/>
-          </a:xfrm>
-          <a:prstGeom prst="rect">
-            <a:avLst/>
-          </a:prstGeom>
-        </p:spPr>
-        <p:txBody>
-          <a:bodyPr vert="horz" lIns="91440" tIns="45720" rIns="91440" bIns="45720" rtlCol="0">
-            <a:normAutofit lnSpcReduction="10000"/>
-          </a:bodyPr>
-          <a:lstStyle>
-            <a:lvl1pPr marL="342900" indent="-342900" algn="l" defTabSz="914400" rtl="0" eaLnBrk="1" latinLnBrk="0" hangingPunct="1">
-              <a:spcBef>
-                <a:spcPct val="20000"/>
-              </a:spcBef>
-              <a:buClr>
-                <a:srgbClr val="FF9421"/>
-              </a:buClr>
-              <a:buFont typeface="Arial" panose="020B0604020202020204" pitchFamily="34" charset="0"/>
-              <a:buChar char="•"/>
-              <a:defRPr sz="3200" kern="1200">
-                <a:solidFill>
-                  <a:schemeClr val="tx1"/>
-                </a:solidFill>
-                <a:latin typeface="+mn-lt"/>
-                <a:ea typeface="+mn-ea"/>
-                <a:cs typeface="+mn-cs"/>
-              </a:defRPr>
-            </a:lvl1pPr>
-            <a:lvl2pPr marL="742950" indent="-285750" algn="l" defTabSz="914400" rtl="0" eaLnBrk="1" latinLnBrk="0" hangingPunct="1">
-              <a:spcBef>
-                <a:spcPct val="20000"/>
-              </a:spcBef>
-              <a:buClr>
-                <a:srgbClr val="FF9421"/>
-              </a:buClr>
-              <a:buFont typeface="Arial" panose="020B0604020202020204" pitchFamily="34" charset="0"/>
-              <a:buChar char="•"/>
-              <a:defRPr sz="2800" kern="1200">
-                <a:solidFill>
-                  <a:schemeClr val="tx1"/>
-                </a:solidFill>
-                <a:latin typeface="+mn-lt"/>
-                <a:ea typeface="+mn-ea"/>
-                <a:cs typeface="+mn-cs"/>
-              </a:defRPr>
-            </a:lvl2pPr>
-            <a:lvl3pPr marL="1143000" indent="-228600" algn="l" defTabSz="914400" rtl="0" eaLnBrk="1" latinLnBrk="0" hangingPunct="1">
-              <a:spcBef>
-                <a:spcPct val="20000"/>
-              </a:spcBef>
-              <a:buClr>
-                <a:srgbClr val="FF9421"/>
-              </a:buClr>
-              <a:buFont typeface="Courier New" panose="02070309020205020404" pitchFamily="49" charset="0"/>
-              <a:buChar char="o"/>
-              <a:defRPr sz="2400" kern="1200">
-                <a:solidFill>
-                  <a:schemeClr val="tx1"/>
-                </a:solidFill>
-                <a:latin typeface="+mn-lt"/>
-                <a:ea typeface="+mn-ea"/>
-                <a:cs typeface="+mn-cs"/>
-              </a:defRPr>
-            </a:lvl3pPr>
-            <a:lvl4pPr marL="1600200" indent="-228600" algn="l" defTabSz="914400" rtl="0" eaLnBrk="1" latinLnBrk="0" hangingPunct="1">
-              <a:spcBef>
-                <a:spcPct val="20000"/>
-              </a:spcBef>
-              <a:buClr>
-                <a:srgbClr val="FF9421"/>
-              </a:buClr>
-              <a:buFont typeface="Wingdings" panose="05000000000000000000" pitchFamily="2" charset="2"/>
-              <a:buChar char="§"/>
-              <a:defRPr sz="2000" kern="1200">
-                <a:solidFill>
-                  <a:schemeClr val="tx1"/>
-                </a:solidFill>
-                <a:latin typeface="+mn-lt"/>
-                <a:ea typeface="+mn-ea"/>
-                <a:cs typeface="+mn-cs"/>
-              </a:defRPr>
-            </a:lvl4pPr>
-            <a:lvl5pPr marL="2154238" indent="-325438" algn="l" defTabSz="914400" rtl="0" eaLnBrk="1" latinLnBrk="0" hangingPunct="1">
-              <a:spcBef>
-                <a:spcPct val="20000"/>
-              </a:spcBef>
-              <a:buClr>
-                <a:srgbClr val="FF9421"/>
-              </a:buClr>
-              <a:buFont typeface="Calibri" panose="020F0502020204030204" pitchFamily="34" charset="0"/>
-              <a:buChar char="—"/>
-              <a:defRPr sz="2000" kern="1200">
-                <a:solidFill>
-                  <a:schemeClr val="tx1"/>
-                </a:solidFill>
-                <a:latin typeface="+mn-lt"/>
-                <a:ea typeface="+mn-ea"/>
-                <a:cs typeface="+mn-cs"/>
-              </a:defRPr>
-            </a:lvl5pPr>
-            <a:lvl6pPr marL="2514600" indent="-228600" algn="l" defTabSz="914400" rtl="0" eaLnBrk="1" latinLnBrk="0" hangingPunct="1">
-              <a:spcBef>
-                <a:spcPct val="20000"/>
-              </a:spcBef>
-              <a:buFont typeface="Arial" panose="020B0604020202020204" pitchFamily="34" charset="0"/>
-              <a:buChar char="•"/>
-              <a:defRPr sz="2000" kern="1200">
-                <a:solidFill>
-                  <a:schemeClr val="tx1"/>
-                </a:solidFill>
-                <a:latin typeface="+mn-lt"/>
-                <a:ea typeface="+mn-ea"/>
-                <a:cs typeface="+mn-cs"/>
-              </a:defRPr>
-            </a:lvl6pPr>
-            <a:lvl7pPr marL="2971800" indent="-228600" algn="l" defTabSz="914400" rtl="0" eaLnBrk="1" latinLnBrk="0" hangingPunct="1">
-              <a:spcBef>
-                <a:spcPct val="20000"/>
-              </a:spcBef>
-              <a:buFont typeface="Arial" panose="020B0604020202020204" pitchFamily="34" charset="0"/>
-              <a:buChar char="•"/>
-              <a:defRPr sz="2000" kern="1200">
-                <a:solidFill>
-                  <a:schemeClr val="tx1"/>
-                </a:solidFill>
-                <a:latin typeface="+mn-lt"/>
-                <a:ea typeface="+mn-ea"/>
-                <a:cs typeface="+mn-cs"/>
-              </a:defRPr>
-            </a:lvl7pPr>
-            <a:lvl8pPr marL="3429000" indent="-228600" algn="l" defTabSz="914400" rtl="0" eaLnBrk="1" latinLnBrk="0" hangingPunct="1">
-              <a:spcBef>
-                <a:spcPct val="20000"/>
-              </a:spcBef>
-              <a:buFont typeface="Arial" panose="020B0604020202020204" pitchFamily="34" charset="0"/>
-              <a:buChar char="•"/>
-              <a:defRPr sz="2000" kern="1200">
-                <a:solidFill>
-                  <a:schemeClr val="tx1"/>
-                </a:solidFill>
-                <a:latin typeface="+mn-lt"/>
-                <a:ea typeface="+mn-ea"/>
-                <a:cs typeface="+mn-cs"/>
-              </a:defRPr>
-            </a:lvl8pPr>
-            <a:lvl9pPr marL="3886200" indent="-228600" algn="l" defTabSz="914400" rtl="0" eaLnBrk="1" latinLnBrk="0" hangingPunct="1">
-              <a:spcBef>
-                <a:spcPct val="20000"/>
-              </a:spcBef>
-              <a:buFont typeface="Arial" panose="020B0604020202020204" pitchFamily="34" charset="0"/>
-              <a:buChar char="•"/>
-              <a:defRPr sz="2000" kern="1200">
-                <a:solidFill>
-                  <a:schemeClr val="tx1"/>
-                </a:solidFill>
-                <a:latin typeface="+mn-lt"/>
-                <a:ea typeface="+mn-ea"/>
-                <a:cs typeface="+mn-cs"/>
-              </a:defRPr>
-            </a:lvl9pPr>
-          </a:lstStyle>
-          <a:p>
-            <a:pPr algn="ctr"/>
-            <a:r>
-              <a:rPr lang="en-GB" sz="1800" dirty="0">
-                <a:solidFill>
-                  <a:schemeClr val="bg1"/>
-                </a:solidFill>
-              </a:rPr>
-              <a:t>APL Workshop, ECUST July 5th 2018</a:t>
-            </a:r>
-          </a:p>
-        </p:txBody>
-      </p:sp>
-    </p:spTree>
-    <p:extLst>
-      <p:ext uri="{BB962C8B-B14F-4D97-AF65-F5344CB8AC3E}">
-        <p14:creationId xmlns:p14="http://schemas.microsoft.com/office/powerpoint/2010/main" val="2132910796"/>
-      </p:ext>
-    </p:extLst>
-  </p:cSld>
-  <p:clrMapOvr>
-    <a:masterClrMapping/>
-  </p:clrMapOvr>
-</p:sld>
-</file>
-
 <file path=ppt/slides/slide8.xml><?xml version="1.0" encoding="utf-8"?>
 <p:sld xmlns:a="http://schemas.openxmlformats.org/drawingml/2006/main" xmlns:r="http://schemas.openxmlformats.org/officeDocument/2006/relationships" xmlns:p="http://schemas.openxmlformats.org/presentationml/2006/main">
   <p:cSld>
@@ -10221,7 +9350,7 @@
           <a:p>
             <a:r>
               <a:rPr lang="da-DK" dirty="0"/>
-              <a:t>Linearization =&gt; APL\360</a:t>
+              <a:t>Slide 8: Lucky Linearization</a:t>
             </a:r>
             <a:endParaRPr lang="en-GB" dirty="0"/>
           </a:p>
@@ -10958,7 +10087,7 @@
         </p:blipFill>
         <p:spPr>
           <a:xfrm>
-            <a:off x="683568" y="3068960"/>
+            <a:off x="1115616" y="2913108"/>
             <a:ext cx="5867400" cy="1352550"/>
           </a:xfrm>
           <a:prstGeom prst="rect">

--- a/Intro.pptx
+++ b/Intro.pptx
@@ -228,7 +228,7 @@
           <a:p>
             <a:fld id="{CDEAEF8A-5BB8-41C8-B8C2-160617C17EF4}" type="datetimeFigureOut">
               <a:rPr lang="en-GB" smtClean="0"/>
-              <a:t>02/07/2018</a:t>
+              <a:t>04/07/2018</a:t>
             </a:fld>
             <a:endParaRPr lang="en-GB"/>
           </a:p>
@@ -4638,7 +4638,7 @@
               <a:rPr lang="es-ES" sz="1600" dirty="0">
                 <a:latin typeface="APL385 Unicode" panose="020B0709000202000203" pitchFamily="49" charset="0"/>
               </a:rPr>
-              <a:t>0.1 0.2 0.3</a:t>
+              <a:t>0.1 0 0.3</a:t>
             </a:r>
           </a:p>
           <a:p>
